--- a/Summer2023/BUS243/lecture_note/lecture1.pptx
+++ b/Summer2023/BUS243/lecture_note/lecture1.pptx
@@ -633,7 +633,7 @@
           <a:p>
             <a:fld id="{3CADBD16-5BFB-4D9F-9646-C75D1B53BBB6}" type="datetimeFigureOut">
               <a:rPr lang="en-US" smtClean="0"/>
-              <a:t>5/28/23</a:t>
+              <a:t>6/8/23</a:t>
             </a:fld>
             <a:endParaRPr lang="en-US"/>
           </a:p>
@@ -811,7 +811,7 @@
             <a:fld id="{3CADBD16-5BFB-4D9F-9646-C75D1B53BBB6}" type="datetimeFigureOut">
               <a:rPr lang="en-US" smtClean="0"/>
               <a:pPr/>
-              <a:t>5/28/23</a:t>
+              <a:t>6/8/23</a:t>
             </a:fld>
             <a:endParaRPr lang="en-US" dirty="0"/>
           </a:p>
@@ -993,7 +993,7 @@
             <a:fld id="{3CADBD16-5BFB-4D9F-9646-C75D1B53BBB6}" type="datetimeFigureOut">
               <a:rPr lang="en-US" smtClean="0"/>
               <a:pPr/>
-              <a:t>5/28/23</a:t>
+              <a:t>6/8/23</a:t>
             </a:fld>
             <a:endParaRPr lang="en-US" dirty="0"/>
           </a:p>
@@ -1165,7 +1165,7 @@
             <a:fld id="{3CADBD16-5BFB-4D9F-9646-C75D1B53BBB6}" type="datetimeFigureOut">
               <a:rPr lang="en-US" smtClean="0"/>
               <a:pPr/>
-              <a:t>5/28/23</a:t>
+              <a:t>6/8/23</a:t>
             </a:fld>
             <a:endParaRPr lang="en-US" dirty="0"/>
           </a:p>
@@ -1487,7 +1487,7 @@
           <a:p>
             <a:fld id="{3CADBD16-5BFB-4D9F-9646-C75D1B53BBB6}" type="datetimeFigureOut">
               <a:rPr lang="en-US" smtClean="0"/>
-              <a:t>5/28/23</a:t>
+              <a:t>6/8/23</a:t>
             </a:fld>
             <a:endParaRPr lang="en-US"/>
           </a:p>
@@ -1948,7 +1948,7 @@
             <a:fld id="{3CADBD16-5BFB-4D9F-9646-C75D1B53BBB6}" type="datetimeFigureOut">
               <a:rPr lang="en-US" smtClean="0"/>
               <a:pPr/>
-              <a:t>5/28/23</a:t>
+              <a:t>6/8/23</a:t>
             </a:fld>
             <a:endParaRPr lang="en-US" dirty="0"/>
           </a:p>
@@ -2361,7 +2361,7 @@
             <a:fld id="{3CADBD16-5BFB-4D9F-9646-C75D1B53BBB6}" type="datetimeFigureOut">
               <a:rPr lang="en-US" smtClean="0"/>
               <a:pPr/>
-              <a:t>5/28/23</a:t>
+              <a:t>6/8/23</a:t>
             </a:fld>
             <a:endParaRPr lang="en-US" dirty="0"/>
           </a:p>
@@ -2480,7 +2480,7 @@
           <a:p>
             <a:fld id="{3CADBD16-5BFB-4D9F-9646-C75D1B53BBB6}" type="datetimeFigureOut">
               <a:rPr lang="en-US" smtClean="0"/>
-              <a:t>5/28/23</a:t>
+              <a:t>6/8/23</a:t>
             </a:fld>
             <a:endParaRPr lang="en-US"/>
           </a:p>
@@ -2597,7 +2597,7 @@
           <a:p>
             <a:fld id="{3CADBD16-5BFB-4D9F-9646-C75D1B53BBB6}" type="datetimeFigureOut">
               <a:rPr lang="en-US" smtClean="0"/>
-              <a:t>5/28/23</a:t>
+              <a:t>6/8/23</a:t>
             </a:fld>
             <a:endParaRPr lang="en-US"/>
           </a:p>
@@ -2956,7 +2956,7 @@
             <a:fld id="{3CADBD16-5BFB-4D9F-9646-C75D1B53BBB6}" type="datetimeFigureOut">
               <a:rPr lang="en-US" smtClean="0"/>
               <a:pPr/>
-              <a:t>5/28/23</a:t>
+              <a:t>6/8/23</a:t>
             </a:fld>
             <a:endParaRPr lang="en-US" dirty="0"/>
           </a:p>
@@ -3465,7 +3465,7 @@
             <a:fld id="{3CADBD16-5BFB-4D9F-9646-C75D1B53BBB6}" type="datetimeFigureOut">
               <a:rPr lang="en-US" smtClean="0"/>
               <a:pPr/>
-              <a:t>5/28/23</a:t>
+              <a:t>6/8/23</a:t>
             </a:fld>
             <a:endParaRPr lang="en-US" dirty="0"/>
           </a:p>
@@ -3822,7 +3822,7 @@
             <a:fld id="{3CADBD16-5BFB-4D9F-9646-C75D1B53BBB6}" type="datetimeFigureOut">
               <a:rPr lang="en-US" smtClean="0"/>
               <a:pPr/>
-              <a:t>5/28/23</a:t>
+              <a:t>6/8/23</a:t>
             </a:fld>
             <a:endParaRPr lang="en-US" dirty="0"/>
           </a:p>
@@ -5727,30 +5727,46 @@
           </a:bodyPr>
           <a:lstStyle/>
           <a:p>
-            <a:pPr lvl="1"/>
+            <a:pPr lvl="1">
+              <a:lnSpc>
+                <a:spcPct val="150000"/>
+              </a:lnSpc>
+            </a:pPr>
             <a:r>
               <a:rPr lang="en-US" sz="2200" dirty="0"/>
               <a:t>Write your own definition and list the corresponding examples in the Shakespeare’s works</a:t>
             </a:r>
           </a:p>
           <a:p>
-            <a:pPr lvl="2"/>
-            <a:r>
-              <a:rPr lang="en-US" sz="1800" dirty="0"/>
+            <a:pPr lvl="2">
+              <a:lnSpc>
+                <a:spcPct val="150000"/>
+              </a:lnSpc>
+            </a:pPr>
+            <a:r>
+              <a:rPr lang="en-US" sz="2000" dirty="0"/>
               <a:t>Terms</a:t>
             </a:r>
           </a:p>
           <a:p>
-            <a:pPr lvl="2"/>
-            <a:r>
-              <a:rPr lang="en-US" sz="1800" dirty="0"/>
+            <a:pPr lvl="2">
+              <a:lnSpc>
+                <a:spcPct val="150000"/>
+              </a:lnSpc>
+            </a:pPr>
+            <a:r>
+              <a:rPr lang="en-US" sz="2000" dirty="0"/>
               <a:t>Documents</a:t>
             </a:r>
           </a:p>
           <a:p>
-            <a:pPr lvl="2"/>
-            <a:r>
-              <a:rPr lang="en-US" sz="1800" dirty="0"/>
+            <a:pPr lvl="2">
+              <a:lnSpc>
+                <a:spcPct val="150000"/>
+              </a:lnSpc>
+            </a:pPr>
+            <a:r>
+              <a:rPr lang="en-US" sz="2000" dirty="0"/>
               <a:t>Corpus</a:t>
             </a:r>
           </a:p>
@@ -5837,18 +5853,33 @@
           </a:bodyPr>
           <a:lstStyle/>
           <a:p>
+            <a:pPr>
+              <a:lnSpc>
+                <a:spcPct val="150000"/>
+              </a:lnSpc>
+            </a:pPr>
             <a:r>
               <a:rPr lang="en-US" sz="3600" dirty="0"/>
               <a:t>Information need</a:t>
             </a:r>
           </a:p>
           <a:p>
+            <a:pPr>
+              <a:lnSpc>
+                <a:spcPct val="150000"/>
+              </a:lnSpc>
+            </a:pPr>
             <a:r>
               <a:rPr lang="en-US" sz="3600" dirty="0"/>
               <a:t>Query Formulation</a:t>
             </a:r>
           </a:p>
           <a:p>
+            <a:pPr>
+              <a:lnSpc>
+                <a:spcPct val="150000"/>
+              </a:lnSpc>
+            </a:pPr>
             <a:r>
               <a:rPr lang="en-US" sz="3600" dirty="0"/>
               <a:t>Assessment</a:t>
@@ -6909,19 +6940,33 @@
           <a:bodyPr/>
           <a:lstStyle/>
           <a:p>
+            <a:pPr>
+              <a:lnSpc>
+                <a:spcPct val="200000"/>
+              </a:lnSpc>
+            </a:pPr>
             <a:r>
               <a:rPr lang="en-US" dirty="0"/>
               <a:t>IR is often used to find answers to questions</a:t>
             </a:r>
           </a:p>
           <a:p>
+            <a:pPr>
+              <a:lnSpc>
+                <a:spcPct val="200000"/>
+              </a:lnSpc>
+            </a:pPr>
             <a:r>
               <a:rPr lang="en-US" dirty="0"/>
               <a:t>But it takes a human to read the results</a:t>
             </a:r>
           </a:p>
           <a:p>
-            <a:pPr lvl="1"/>
+            <a:pPr lvl="1">
+              <a:lnSpc>
+                <a:spcPct val="200000"/>
+              </a:lnSpc>
+            </a:pPr>
             <a:r>
               <a:rPr lang="en-US" dirty="0"/>
               <a:t>If you know what answer is, you can search for </a:t>
@@ -6932,13 +6977,22 @@
             </a:r>
           </a:p>
           <a:p>
-            <a:pPr lvl="1"/>
+            <a:pPr lvl="1">
+              <a:lnSpc>
+                <a:spcPct val="200000"/>
+              </a:lnSpc>
+            </a:pPr>
             <a:r>
               <a:rPr lang="en-US" dirty="0"/>
               <a:t>Build machines to read the answer</a:t>
             </a:r>
           </a:p>
           <a:p>
+            <a:pPr>
+              <a:lnSpc>
+                <a:spcPct val="200000"/>
+              </a:lnSpc>
+            </a:pPr>
             <a:r>
               <a:rPr lang="en-US" dirty="0"/>
               <a:t>We will see both later</a:t>
@@ -7025,7 +7079,19 @@
           <a:bodyPr/>
           <a:lstStyle/>
           <a:p>
-            <a:endParaRPr lang="en-US"/>
+            <a:r>
+              <a:rPr lang="en-US" dirty="0"/>
+              <a:t>What’s job qualifications?</a:t>
+            </a:r>
+          </a:p>
+          <a:p>
+            <a:endParaRPr lang="en-US" dirty="0"/>
+          </a:p>
+          <a:p>
+            <a:pPr marL="0" indent="0">
+              <a:buNone/>
+            </a:pPr>
+            <a:endParaRPr lang="en-US" dirty="0"/>
           </a:p>
         </p:txBody>
       </p:sp>
@@ -7245,65 +7311,103 @@
         </p:spPr>
         <p:txBody>
           <a:bodyPr>
-            <a:normAutofit/>
+            <a:normAutofit fontScale="85000" lnSpcReduction="20000"/>
           </a:bodyPr>
           <a:lstStyle/>
           <a:p>
+            <a:pPr>
+              <a:lnSpc>
+                <a:spcPct val="150000"/>
+              </a:lnSpc>
+            </a:pPr>
             <a:r>
               <a:rPr lang="en-US" sz="3600" dirty="0"/>
               <a:t>Information retrieval can money</a:t>
             </a:r>
           </a:p>
           <a:p>
-            <a:pPr lvl="1"/>
+            <a:pPr lvl="1">
+              <a:lnSpc>
+                <a:spcPct val="150000"/>
+              </a:lnSpc>
+            </a:pPr>
             <a:r>
               <a:rPr lang="en-US" sz="3200" dirty="0"/>
               <a:t>Search engines are the most visited websites in most countries</a:t>
             </a:r>
           </a:p>
           <a:p>
-            <a:pPr lvl="2"/>
+            <a:pPr lvl="2">
+              <a:lnSpc>
+                <a:spcPct val="150000"/>
+              </a:lnSpc>
+            </a:pPr>
             <a:r>
               <a:rPr lang="en-US" sz="3200" dirty="0"/>
               <a:t>Google, Bing, Baidu, Yahoo, AOL, Naver</a:t>
             </a:r>
           </a:p>
           <a:p>
-            <a:pPr lvl="1"/>
+            <a:pPr lvl="1">
+              <a:lnSpc>
+                <a:spcPct val="150000"/>
+              </a:lnSpc>
+            </a:pPr>
             <a:r>
               <a:rPr lang="en-US" sz="3200" dirty="0"/>
               <a:t>Discussion platforms</a:t>
             </a:r>
           </a:p>
           <a:p>
-            <a:pPr lvl="2"/>
+            <a:pPr lvl="2">
+              <a:lnSpc>
+                <a:spcPct val="150000"/>
+              </a:lnSpc>
+            </a:pPr>
             <a:r>
               <a:rPr lang="en-US" sz="3200" dirty="0"/>
               <a:t>Reddit, Quora, Stack Exchange</a:t>
             </a:r>
           </a:p>
           <a:p>
-            <a:pPr lvl="1"/>
+            <a:pPr lvl="1">
+              <a:lnSpc>
+                <a:spcPct val="150000"/>
+              </a:lnSpc>
+            </a:pPr>
             <a:r>
               <a:rPr lang="en-US" sz="3400" dirty="0"/>
               <a:t>Shared knowledge</a:t>
             </a:r>
           </a:p>
           <a:p>
-            <a:pPr lvl="2"/>
+            <a:pPr lvl="2">
+              <a:lnSpc>
+                <a:spcPct val="150000"/>
+              </a:lnSpc>
+            </a:pPr>
             <a:r>
               <a:rPr lang="en-US" sz="3200" dirty="0"/>
               <a:t>Wikipedia </a:t>
             </a:r>
           </a:p>
           <a:p>
-            <a:pPr lvl="2"/>
+            <a:pPr lvl="2">
+              <a:lnSpc>
+                <a:spcPct val="150000"/>
+              </a:lnSpc>
+            </a:pPr>
             <a:r>
               <a:rPr lang="en-US" sz="3200" dirty="0"/>
               <a:t>Have you heard of Britannica?</a:t>
             </a:r>
           </a:p>
           <a:p>
+            <a:pPr>
+              <a:lnSpc>
+                <a:spcPct val="150000"/>
+              </a:lnSpc>
+            </a:pPr>
             <a:endParaRPr lang="en-US" sz="3600" dirty="0"/>
           </a:p>
         </p:txBody>
@@ -7385,35 +7489,59 @@
         <p:spPr/>
         <p:txBody>
           <a:bodyPr>
-            <a:normAutofit/>
+            <a:normAutofit lnSpcReduction="10000"/>
           </a:bodyPr>
           <a:lstStyle/>
           <a:p>
+            <a:pPr>
+              <a:lnSpc>
+                <a:spcPct val="150000"/>
+              </a:lnSpc>
+            </a:pPr>
             <a:r>
               <a:rPr lang="en-US" sz="3200" dirty="0"/>
               <a:t>Why IR?</a:t>
             </a:r>
           </a:p>
           <a:p>
+            <a:pPr>
+              <a:lnSpc>
+                <a:spcPct val="150000"/>
+              </a:lnSpc>
+            </a:pPr>
             <a:r>
               <a:rPr lang="en-US" sz="3200" dirty="0"/>
               <a:t>Simple to understand </a:t>
             </a:r>
           </a:p>
           <a:p>
-            <a:pPr lvl="1"/>
+            <a:pPr lvl="1">
+              <a:lnSpc>
+                <a:spcPct val="150000"/>
+              </a:lnSpc>
+            </a:pPr>
             <a:r>
               <a:rPr lang="en-US" sz="2800" dirty="0"/>
               <a:t>But hard to implement</a:t>
             </a:r>
           </a:p>
           <a:p>
+            <a:pPr>
+              <a:lnSpc>
+                <a:spcPct val="150000"/>
+              </a:lnSpc>
+            </a:pPr>
             <a:r>
               <a:rPr lang="en-US" sz="3200" dirty="0"/>
               <a:t>Important to the world</a:t>
             </a:r>
           </a:p>
           <a:p>
+            <a:pPr>
+              <a:lnSpc>
+                <a:spcPct val="150000"/>
+              </a:lnSpc>
+            </a:pPr>
             <a:r>
               <a:rPr lang="en-US" sz="3200" dirty="0"/>
               <a:t>Building block for the course project</a:t>

--- a/Summer2023/BUS243/lecture_note/lecture1.pptx
+++ b/Summer2023/BUS243/lecture_note/lecture1.pptx
@@ -4,28 +4,49 @@
   <p:sldMasterIdLst>
     <p:sldMasterId id="2147483871" r:id="rId1"/>
   </p:sldMasterIdLst>
+  <p:notesMasterIdLst>
+    <p:notesMasterId r:id="rId41"/>
+  </p:notesMasterIdLst>
   <p:sldIdLst>
     <p:sldId id="256" r:id="rId2"/>
     <p:sldId id="276" r:id="rId3"/>
-    <p:sldId id="277" r:id="rId4"/>
-    <p:sldId id="258" r:id="rId5"/>
-    <p:sldId id="257" r:id="rId6"/>
-    <p:sldId id="259" r:id="rId7"/>
-    <p:sldId id="261" r:id="rId8"/>
-    <p:sldId id="263" r:id="rId9"/>
-    <p:sldId id="264" r:id="rId10"/>
-    <p:sldId id="270" r:id="rId11"/>
-    <p:sldId id="269" r:id="rId12"/>
-    <p:sldId id="271" r:id="rId13"/>
-    <p:sldId id="267" r:id="rId14"/>
-    <p:sldId id="272" r:id="rId15"/>
-    <p:sldId id="265" r:id="rId16"/>
-    <p:sldId id="266" r:id="rId17"/>
-    <p:sldId id="268" r:id="rId18"/>
-    <p:sldId id="273" r:id="rId19"/>
-    <p:sldId id="274" r:id="rId20"/>
-    <p:sldId id="275" r:id="rId21"/>
-    <p:sldId id="278" r:id="rId22"/>
+    <p:sldId id="279" r:id="rId4"/>
+    <p:sldId id="280" r:id="rId5"/>
+    <p:sldId id="277" r:id="rId6"/>
+    <p:sldId id="281" r:id="rId7"/>
+    <p:sldId id="282" r:id="rId8"/>
+    <p:sldId id="284" r:id="rId9"/>
+    <p:sldId id="286" r:id="rId10"/>
+    <p:sldId id="287" r:id="rId11"/>
+    <p:sldId id="288" r:id="rId12"/>
+    <p:sldId id="289" r:id="rId13"/>
+    <p:sldId id="290" r:id="rId14"/>
+    <p:sldId id="291" r:id="rId15"/>
+    <p:sldId id="292" r:id="rId16"/>
+    <p:sldId id="293" r:id="rId17"/>
+    <p:sldId id="294" r:id="rId18"/>
+    <p:sldId id="295" r:id="rId19"/>
+    <p:sldId id="296" r:id="rId20"/>
+    <p:sldId id="297" r:id="rId21"/>
+    <p:sldId id="283" r:id="rId22"/>
+    <p:sldId id="298" r:id="rId23"/>
+    <p:sldId id="258" r:id="rId24"/>
+    <p:sldId id="257" r:id="rId25"/>
+    <p:sldId id="259" r:id="rId26"/>
+    <p:sldId id="261" r:id="rId27"/>
+    <p:sldId id="263" r:id="rId28"/>
+    <p:sldId id="264" r:id="rId29"/>
+    <p:sldId id="270" r:id="rId30"/>
+    <p:sldId id="269" r:id="rId31"/>
+    <p:sldId id="271" r:id="rId32"/>
+    <p:sldId id="267" r:id="rId33"/>
+    <p:sldId id="272" r:id="rId34"/>
+    <p:sldId id="265" r:id="rId35"/>
+    <p:sldId id="266" r:id="rId36"/>
+    <p:sldId id="268" r:id="rId37"/>
+    <p:sldId id="273" r:id="rId38"/>
+    <p:sldId id="274" r:id="rId39"/>
+    <p:sldId id="275" r:id="rId40"/>
   </p:sldIdLst>
   <p:sldSz cx="12192000" cy="6858000"/>
   <p:notesSz cx="6858000" cy="9144000"/>
@@ -130,6 +151,439 @@
     </p:ext>
   </p:extLst>
 </p:presentation>
+</file>
+
+<file path=ppt/notesMasters/notesMaster1.xml><?xml version="1.0" encoding="utf-8"?>
+<p:notesMaster xmlns:a="http://schemas.openxmlformats.org/drawingml/2006/main" xmlns:r="http://schemas.openxmlformats.org/officeDocument/2006/relationships" xmlns:p="http://schemas.openxmlformats.org/presentationml/2006/main">
+  <p:cSld>
+    <p:bg>
+      <p:bgRef idx="1001">
+        <a:schemeClr val="bg1"/>
+      </p:bgRef>
+    </p:bg>
+    <p:spTree>
+      <p:nvGrpSpPr>
+        <p:cNvPr id="1" name=""/>
+        <p:cNvGrpSpPr/>
+        <p:nvPr/>
+      </p:nvGrpSpPr>
+      <p:grpSpPr>
+        <a:xfrm>
+          <a:off x="0" y="0"/>
+          <a:ext cx="0" cy="0"/>
+          <a:chOff x="0" y="0"/>
+          <a:chExt cx="0" cy="0"/>
+        </a:xfrm>
+      </p:grpSpPr>
+      <p:sp>
+        <p:nvSpPr>
+          <p:cNvPr id="2" name="Header Placeholder 1"/>
+          <p:cNvSpPr>
+            <a:spLocks noGrp="1"/>
+          </p:cNvSpPr>
+          <p:nvPr>
+            <p:ph type="hdr" sz="quarter"/>
+          </p:nvPr>
+        </p:nvSpPr>
+        <p:spPr>
+          <a:xfrm>
+            <a:off x="0" y="0"/>
+            <a:ext cx="2971800" cy="458788"/>
+          </a:xfrm>
+          <a:prstGeom prst="rect">
+            <a:avLst/>
+          </a:prstGeom>
+        </p:spPr>
+        <p:txBody>
+          <a:bodyPr vert="horz" lIns="91440" tIns="45720" rIns="91440" bIns="45720" rtlCol="0"/>
+          <a:lstStyle>
+            <a:lvl1pPr algn="l">
+              <a:defRPr sz="1200"/>
+            </a:lvl1pPr>
+          </a:lstStyle>
+          <a:p>
+            <a:endParaRPr lang="en-US"/>
+          </a:p>
+        </p:txBody>
+      </p:sp>
+      <p:sp>
+        <p:nvSpPr>
+          <p:cNvPr id="3" name="Date Placeholder 2"/>
+          <p:cNvSpPr>
+            <a:spLocks noGrp="1"/>
+          </p:cNvSpPr>
+          <p:nvPr>
+            <p:ph type="dt" idx="1"/>
+          </p:nvPr>
+        </p:nvSpPr>
+        <p:spPr>
+          <a:xfrm>
+            <a:off x="3884613" y="0"/>
+            <a:ext cx="2971800" cy="458788"/>
+          </a:xfrm>
+          <a:prstGeom prst="rect">
+            <a:avLst/>
+          </a:prstGeom>
+        </p:spPr>
+        <p:txBody>
+          <a:bodyPr vert="horz" lIns="91440" tIns="45720" rIns="91440" bIns="45720" rtlCol="0"/>
+          <a:lstStyle>
+            <a:lvl1pPr algn="r">
+              <a:defRPr sz="1200"/>
+            </a:lvl1pPr>
+          </a:lstStyle>
+          <a:p>
+            <a:fld id="{B6C6586F-D687-CC4C-A6CD-319E9FE1EF83}" type="datetimeFigureOut">
+              <a:rPr lang="en-US" smtClean="0"/>
+              <a:t>7/7/23</a:t>
+            </a:fld>
+            <a:endParaRPr lang="en-US"/>
+          </a:p>
+        </p:txBody>
+      </p:sp>
+      <p:sp>
+        <p:nvSpPr>
+          <p:cNvPr id="4" name="Slide Image Placeholder 3"/>
+          <p:cNvSpPr>
+            <a:spLocks noGrp="1" noRot="1" noChangeAspect="1"/>
+          </p:cNvSpPr>
+          <p:nvPr>
+            <p:ph type="sldImg" idx="2"/>
+          </p:nvPr>
+        </p:nvSpPr>
+        <p:spPr>
+          <a:xfrm>
+            <a:off x="685800" y="1143000"/>
+            <a:ext cx="5486400" cy="3086100"/>
+          </a:xfrm>
+          <a:prstGeom prst="rect">
+            <a:avLst/>
+          </a:prstGeom>
+          <a:noFill/>
+          <a:ln w="12700">
+            <a:solidFill>
+              <a:prstClr val="black"/>
+            </a:solidFill>
+          </a:ln>
+        </p:spPr>
+        <p:txBody>
+          <a:bodyPr vert="horz" lIns="91440" tIns="45720" rIns="91440" bIns="45720" rtlCol="0" anchor="ctr"/>
+          <a:lstStyle/>
+          <a:p>
+            <a:endParaRPr lang="en-US"/>
+          </a:p>
+        </p:txBody>
+      </p:sp>
+      <p:sp>
+        <p:nvSpPr>
+          <p:cNvPr id="5" name="Notes Placeholder 4"/>
+          <p:cNvSpPr>
+            <a:spLocks noGrp="1"/>
+          </p:cNvSpPr>
+          <p:nvPr>
+            <p:ph type="body" sz="quarter" idx="3"/>
+          </p:nvPr>
+        </p:nvSpPr>
+        <p:spPr>
+          <a:xfrm>
+            <a:off x="685800" y="4400550"/>
+            <a:ext cx="5486400" cy="3600450"/>
+          </a:xfrm>
+          <a:prstGeom prst="rect">
+            <a:avLst/>
+          </a:prstGeom>
+        </p:spPr>
+        <p:txBody>
+          <a:bodyPr vert="horz" lIns="91440" tIns="45720" rIns="91440" bIns="45720" rtlCol="0"/>
+          <a:lstStyle/>
+          <a:p>
+            <a:pPr lvl="0"/>
+            <a:r>
+              <a:rPr lang="en-US"/>
+              <a:t>Click to edit Master text styles</a:t>
+            </a:r>
+          </a:p>
+          <a:p>
+            <a:pPr lvl="1"/>
+            <a:r>
+              <a:rPr lang="en-US"/>
+              <a:t>Second level</a:t>
+            </a:r>
+          </a:p>
+          <a:p>
+            <a:pPr lvl="2"/>
+            <a:r>
+              <a:rPr lang="en-US"/>
+              <a:t>Third level</a:t>
+            </a:r>
+          </a:p>
+          <a:p>
+            <a:pPr lvl="3"/>
+            <a:r>
+              <a:rPr lang="en-US"/>
+              <a:t>Fourth level</a:t>
+            </a:r>
+          </a:p>
+          <a:p>
+            <a:pPr lvl="4"/>
+            <a:r>
+              <a:rPr lang="en-US"/>
+              <a:t>Fifth level</a:t>
+            </a:r>
+          </a:p>
+        </p:txBody>
+      </p:sp>
+      <p:sp>
+        <p:nvSpPr>
+          <p:cNvPr id="6" name="Footer Placeholder 5"/>
+          <p:cNvSpPr>
+            <a:spLocks noGrp="1"/>
+          </p:cNvSpPr>
+          <p:nvPr>
+            <p:ph type="ftr" sz="quarter" idx="4"/>
+          </p:nvPr>
+        </p:nvSpPr>
+        <p:spPr>
+          <a:xfrm>
+            <a:off x="0" y="8685213"/>
+            <a:ext cx="2971800" cy="458787"/>
+          </a:xfrm>
+          <a:prstGeom prst="rect">
+            <a:avLst/>
+          </a:prstGeom>
+        </p:spPr>
+        <p:txBody>
+          <a:bodyPr vert="horz" lIns="91440" tIns="45720" rIns="91440" bIns="45720" rtlCol="0" anchor="b"/>
+          <a:lstStyle>
+            <a:lvl1pPr algn="l">
+              <a:defRPr sz="1200"/>
+            </a:lvl1pPr>
+          </a:lstStyle>
+          <a:p>
+            <a:endParaRPr lang="en-US"/>
+          </a:p>
+        </p:txBody>
+      </p:sp>
+      <p:sp>
+        <p:nvSpPr>
+          <p:cNvPr id="7" name="Slide Number Placeholder 6"/>
+          <p:cNvSpPr>
+            <a:spLocks noGrp="1"/>
+          </p:cNvSpPr>
+          <p:nvPr>
+            <p:ph type="sldNum" sz="quarter" idx="5"/>
+          </p:nvPr>
+        </p:nvSpPr>
+        <p:spPr>
+          <a:xfrm>
+            <a:off x="3884613" y="8685213"/>
+            <a:ext cx="2971800" cy="458787"/>
+          </a:xfrm>
+          <a:prstGeom prst="rect">
+            <a:avLst/>
+          </a:prstGeom>
+        </p:spPr>
+        <p:txBody>
+          <a:bodyPr vert="horz" lIns="91440" tIns="45720" rIns="91440" bIns="45720" rtlCol="0" anchor="b"/>
+          <a:lstStyle>
+            <a:lvl1pPr algn="r">
+              <a:defRPr sz="1200"/>
+            </a:lvl1pPr>
+          </a:lstStyle>
+          <a:p>
+            <a:fld id="{5F349FE9-9380-A744-88DE-B9167A677AEF}" type="slidenum">
+              <a:rPr lang="en-US" smtClean="0"/>
+              <a:t>‹#›</a:t>
+            </a:fld>
+            <a:endParaRPr lang="en-US"/>
+          </a:p>
+        </p:txBody>
+      </p:sp>
+    </p:spTree>
+    <p:extLst>
+      <p:ext uri="{BB962C8B-B14F-4D97-AF65-F5344CB8AC3E}">
+        <p14:creationId xmlns:p14="http://schemas.microsoft.com/office/powerpoint/2010/main" val="3295767733"/>
+      </p:ext>
+    </p:extLst>
+  </p:cSld>
+  <p:clrMap bg1="lt1" tx1="dk1" bg2="lt2" tx2="dk2" accent1="accent1" accent2="accent2" accent3="accent3" accent4="accent4" accent5="accent5" accent6="accent6" hlink="hlink" folHlink="folHlink"/>
+  <p:notesStyle>
+    <a:lvl1pPr marL="0" algn="l" defTabSz="914400" rtl="0" eaLnBrk="1" latinLnBrk="0" hangingPunct="1">
+      <a:defRPr sz="1200" kern="1200">
+        <a:solidFill>
+          <a:schemeClr val="tx1"/>
+        </a:solidFill>
+        <a:latin typeface="+mn-lt"/>
+        <a:ea typeface="+mn-ea"/>
+        <a:cs typeface="+mn-cs"/>
+      </a:defRPr>
+    </a:lvl1pPr>
+    <a:lvl2pPr marL="457200" algn="l" defTabSz="914400" rtl="0" eaLnBrk="1" latinLnBrk="0" hangingPunct="1">
+      <a:defRPr sz="1200" kern="1200">
+        <a:solidFill>
+          <a:schemeClr val="tx1"/>
+        </a:solidFill>
+        <a:latin typeface="+mn-lt"/>
+        <a:ea typeface="+mn-ea"/>
+        <a:cs typeface="+mn-cs"/>
+      </a:defRPr>
+    </a:lvl2pPr>
+    <a:lvl3pPr marL="914400" algn="l" defTabSz="914400" rtl="0" eaLnBrk="1" latinLnBrk="0" hangingPunct="1">
+      <a:defRPr sz="1200" kern="1200">
+        <a:solidFill>
+          <a:schemeClr val="tx1"/>
+        </a:solidFill>
+        <a:latin typeface="+mn-lt"/>
+        <a:ea typeface="+mn-ea"/>
+        <a:cs typeface="+mn-cs"/>
+      </a:defRPr>
+    </a:lvl3pPr>
+    <a:lvl4pPr marL="1371600" algn="l" defTabSz="914400" rtl="0" eaLnBrk="1" latinLnBrk="0" hangingPunct="1">
+      <a:defRPr sz="1200" kern="1200">
+        <a:solidFill>
+          <a:schemeClr val="tx1"/>
+        </a:solidFill>
+        <a:latin typeface="+mn-lt"/>
+        <a:ea typeface="+mn-ea"/>
+        <a:cs typeface="+mn-cs"/>
+      </a:defRPr>
+    </a:lvl4pPr>
+    <a:lvl5pPr marL="1828800" algn="l" defTabSz="914400" rtl="0" eaLnBrk="1" latinLnBrk="0" hangingPunct="1">
+      <a:defRPr sz="1200" kern="1200">
+        <a:solidFill>
+          <a:schemeClr val="tx1"/>
+        </a:solidFill>
+        <a:latin typeface="+mn-lt"/>
+        <a:ea typeface="+mn-ea"/>
+        <a:cs typeface="+mn-cs"/>
+      </a:defRPr>
+    </a:lvl5pPr>
+    <a:lvl6pPr marL="2286000" algn="l" defTabSz="914400" rtl="0" eaLnBrk="1" latinLnBrk="0" hangingPunct="1">
+      <a:defRPr sz="1200" kern="1200">
+        <a:solidFill>
+          <a:schemeClr val="tx1"/>
+        </a:solidFill>
+        <a:latin typeface="+mn-lt"/>
+        <a:ea typeface="+mn-ea"/>
+        <a:cs typeface="+mn-cs"/>
+      </a:defRPr>
+    </a:lvl6pPr>
+    <a:lvl7pPr marL="2743200" algn="l" defTabSz="914400" rtl="0" eaLnBrk="1" latinLnBrk="0" hangingPunct="1">
+      <a:defRPr sz="1200" kern="1200">
+        <a:solidFill>
+          <a:schemeClr val="tx1"/>
+        </a:solidFill>
+        <a:latin typeface="+mn-lt"/>
+        <a:ea typeface="+mn-ea"/>
+        <a:cs typeface="+mn-cs"/>
+      </a:defRPr>
+    </a:lvl7pPr>
+    <a:lvl8pPr marL="3200400" algn="l" defTabSz="914400" rtl="0" eaLnBrk="1" latinLnBrk="0" hangingPunct="1">
+      <a:defRPr sz="1200" kern="1200">
+        <a:solidFill>
+          <a:schemeClr val="tx1"/>
+        </a:solidFill>
+        <a:latin typeface="+mn-lt"/>
+        <a:ea typeface="+mn-ea"/>
+        <a:cs typeface="+mn-cs"/>
+      </a:defRPr>
+    </a:lvl8pPr>
+    <a:lvl9pPr marL="3657600" algn="l" defTabSz="914400" rtl="0" eaLnBrk="1" latinLnBrk="0" hangingPunct="1">
+      <a:defRPr sz="1200" kern="1200">
+        <a:solidFill>
+          <a:schemeClr val="tx1"/>
+        </a:solidFill>
+        <a:latin typeface="+mn-lt"/>
+        <a:ea typeface="+mn-ea"/>
+        <a:cs typeface="+mn-cs"/>
+      </a:defRPr>
+    </a:lvl9pPr>
+  </p:notesStyle>
+</p:notesMaster>
+</file>
+
+<file path=ppt/notesSlides/notesSlide1.xml><?xml version="1.0" encoding="utf-8"?>
+<p:notes xmlns:a="http://schemas.openxmlformats.org/drawingml/2006/main" xmlns:r="http://schemas.openxmlformats.org/officeDocument/2006/relationships" xmlns:p="http://schemas.openxmlformats.org/presentationml/2006/main">
+  <p:cSld>
+    <p:spTree>
+      <p:nvGrpSpPr>
+        <p:cNvPr id="1" name=""/>
+        <p:cNvGrpSpPr/>
+        <p:nvPr/>
+      </p:nvGrpSpPr>
+      <p:grpSpPr>
+        <a:xfrm>
+          <a:off x="0" y="0"/>
+          <a:ext cx="0" cy="0"/>
+          <a:chOff x="0" y="0"/>
+          <a:chExt cx="0" cy="0"/>
+        </a:xfrm>
+      </p:grpSpPr>
+      <p:sp>
+        <p:nvSpPr>
+          <p:cNvPr id="2" name="Slide Image Placeholder 1"/>
+          <p:cNvSpPr>
+            <a:spLocks noGrp="1" noRot="1" noChangeAspect="1"/>
+          </p:cNvSpPr>
+          <p:nvPr>
+            <p:ph type="sldImg"/>
+          </p:nvPr>
+        </p:nvSpPr>
+        <p:spPr/>
+      </p:sp>
+      <p:sp>
+        <p:nvSpPr>
+          <p:cNvPr id="3" name="Notes Placeholder 2"/>
+          <p:cNvSpPr>
+            <a:spLocks noGrp="1"/>
+          </p:cNvSpPr>
+          <p:nvPr>
+            <p:ph type="body" idx="1"/>
+          </p:nvPr>
+        </p:nvSpPr>
+        <p:spPr/>
+        <p:txBody>
+          <a:bodyPr/>
+          <a:lstStyle/>
+          <a:p>
+            <a:endParaRPr lang="en-US" dirty="0"/>
+          </a:p>
+        </p:txBody>
+      </p:sp>
+      <p:sp>
+        <p:nvSpPr>
+          <p:cNvPr id="4" name="Slide Number Placeholder 3"/>
+          <p:cNvSpPr>
+            <a:spLocks noGrp="1"/>
+          </p:cNvSpPr>
+          <p:nvPr>
+            <p:ph type="sldNum" sz="quarter" idx="5"/>
+          </p:nvPr>
+        </p:nvSpPr>
+        <p:spPr/>
+        <p:txBody>
+          <a:bodyPr/>
+          <a:lstStyle/>
+          <a:p>
+            <a:fld id="{9318F85B-63EA-4646-99A1-442886E3128D}" type="slidenum">
+              <a:rPr lang="en-US" smtClean="0"/>
+              <a:t>15</a:t>
+            </a:fld>
+            <a:endParaRPr lang="en-US"/>
+          </a:p>
+        </p:txBody>
+      </p:sp>
+    </p:spTree>
+    <p:extLst>
+      <p:ext uri="{BB962C8B-B14F-4D97-AF65-F5344CB8AC3E}">
+        <p14:creationId xmlns:p14="http://schemas.microsoft.com/office/powerpoint/2010/main" val="4278116418"/>
+      </p:ext>
+    </p:extLst>
+  </p:cSld>
+  <p:clrMapOvr>
+    <a:masterClrMapping/>
+  </p:clrMapOvr>
+</p:notes>
 </file>
 
 <file path=ppt/slideLayouts/slideLayout1.xml><?xml version="1.0" encoding="utf-8"?>
@@ -633,7 +1087,7 @@
           <a:p>
             <a:fld id="{3CADBD16-5BFB-4D9F-9646-C75D1B53BBB6}" type="datetimeFigureOut">
               <a:rPr lang="en-US" smtClean="0"/>
-              <a:t>6/8/23</a:t>
+              <a:t>7/7/23</a:t>
             </a:fld>
             <a:endParaRPr lang="en-US"/>
           </a:p>
@@ -811,7 +1265,7 @@
             <a:fld id="{3CADBD16-5BFB-4D9F-9646-C75D1B53BBB6}" type="datetimeFigureOut">
               <a:rPr lang="en-US" smtClean="0"/>
               <a:pPr/>
-              <a:t>6/8/23</a:t>
+              <a:t>7/7/23</a:t>
             </a:fld>
             <a:endParaRPr lang="en-US" dirty="0"/>
           </a:p>
@@ -993,7 +1447,7 @@
             <a:fld id="{3CADBD16-5BFB-4D9F-9646-C75D1B53BBB6}" type="datetimeFigureOut">
               <a:rPr lang="en-US" smtClean="0"/>
               <a:pPr/>
-              <a:t>6/8/23</a:t>
+              <a:t>7/7/23</a:t>
             </a:fld>
             <a:endParaRPr lang="en-US" dirty="0"/>
           </a:p>
@@ -1165,7 +1619,7 @@
             <a:fld id="{3CADBD16-5BFB-4D9F-9646-C75D1B53BBB6}" type="datetimeFigureOut">
               <a:rPr lang="en-US" smtClean="0"/>
               <a:pPr/>
-              <a:t>6/8/23</a:t>
+              <a:t>7/7/23</a:t>
             </a:fld>
             <a:endParaRPr lang="en-US" dirty="0"/>
           </a:p>
@@ -1487,7 +1941,7 @@
           <a:p>
             <a:fld id="{3CADBD16-5BFB-4D9F-9646-C75D1B53BBB6}" type="datetimeFigureOut">
               <a:rPr lang="en-US" smtClean="0"/>
-              <a:t>6/8/23</a:t>
+              <a:t>7/7/23</a:t>
             </a:fld>
             <a:endParaRPr lang="en-US"/>
           </a:p>
@@ -1948,7 +2402,7 @@
             <a:fld id="{3CADBD16-5BFB-4D9F-9646-C75D1B53BBB6}" type="datetimeFigureOut">
               <a:rPr lang="en-US" smtClean="0"/>
               <a:pPr/>
-              <a:t>6/8/23</a:t>
+              <a:t>7/7/23</a:t>
             </a:fld>
             <a:endParaRPr lang="en-US" dirty="0"/>
           </a:p>
@@ -2361,7 +2815,7 @@
             <a:fld id="{3CADBD16-5BFB-4D9F-9646-C75D1B53BBB6}" type="datetimeFigureOut">
               <a:rPr lang="en-US" smtClean="0"/>
               <a:pPr/>
-              <a:t>6/8/23</a:t>
+              <a:t>7/7/23</a:t>
             </a:fld>
             <a:endParaRPr lang="en-US" dirty="0"/>
           </a:p>
@@ -2480,7 +2934,7 @@
           <a:p>
             <a:fld id="{3CADBD16-5BFB-4D9F-9646-C75D1B53BBB6}" type="datetimeFigureOut">
               <a:rPr lang="en-US" smtClean="0"/>
-              <a:t>6/8/23</a:t>
+              <a:t>7/7/23</a:t>
             </a:fld>
             <a:endParaRPr lang="en-US"/>
           </a:p>
@@ -2597,7 +3051,7 @@
           <a:p>
             <a:fld id="{3CADBD16-5BFB-4D9F-9646-C75D1B53BBB6}" type="datetimeFigureOut">
               <a:rPr lang="en-US" smtClean="0"/>
-              <a:t>6/8/23</a:t>
+              <a:t>7/7/23</a:t>
             </a:fld>
             <a:endParaRPr lang="en-US"/>
           </a:p>
@@ -2956,7 +3410,7 @@
             <a:fld id="{3CADBD16-5BFB-4D9F-9646-C75D1B53BBB6}" type="datetimeFigureOut">
               <a:rPr lang="en-US" smtClean="0"/>
               <a:pPr/>
-              <a:t>6/8/23</a:t>
+              <a:t>7/7/23</a:t>
             </a:fld>
             <a:endParaRPr lang="en-US" dirty="0"/>
           </a:p>
@@ -3465,7 +3919,7 @@
             <a:fld id="{3CADBD16-5BFB-4D9F-9646-C75D1B53BBB6}" type="datetimeFigureOut">
               <a:rPr lang="en-US" smtClean="0"/>
               <a:pPr/>
-              <a:t>6/8/23</a:t>
+              <a:t>7/7/23</a:t>
             </a:fld>
             <a:endParaRPr lang="en-US" dirty="0"/>
           </a:p>
@@ -3822,7 +4276,7 @@
             <a:fld id="{3CADBD16-5BFB-4D9F-9646-C75D1B53BBB6}" type="datetimeFigureOut">
               <a:rPr lang="en-US" smtClean="0"/>
               <a:pPr/>
-              <a:t>6/8/23</a:t>
+              <a:t>7/7/23</a:t>
             </a:fld>
             <a:endParaRPr lang="en-US" dirty="0"/>
           </a:p>
@@ -5005,6 +5459,2704 @@
           <a:chExt cx="0" cy="0"/>
         </a:xfrm>
       </p:grpSpPr>
+      <p:sp>
+        <p:nvSpPr>
+          <p:cNvPr id="3" name="Content Placeholder 2">
+            <a:extLst>
+              <a:ext uri="{FF2B5EF4-FFF2-40B4-BE49-F238E27FC236}">
+                <a16:creationId xmlns:a16="http://schemas.microsoft.com/office/drawing/2014/main" id="{B81B45E4-C338-ECDB-E4BE-E6D44B3C42F1}"/>
+              </a:ext>
+            </a:extLst>
+          </p:cNvPr>
+          <p:cNvSpPr>
+            <a:spLocks noGrp="1"/>
+          </p:cNvSpPr>
+          <p:nvPr>
+            <p:ph idx="1"/>
+          </p:nvPr>
+        </p:nvSpPr>
+        <p:spPr>
+          <a:xfrm>
+            <a:off x="838200" y="1142454"/>
+            <a:ext cx="10515600" cy="4351338"/>
+          </a:xfrm>
+        </p:spPr>
+        <p:txBody>
+          <a:bodyPr anchor="ctr">
+            <a:normAutofit/>
+          </a:bodyPr>
+          <a:lstStyle/>
+          <a:p>
+            <a:pPr marL="0" indent="0" algn="ctr">
+              <a:buNone/>
+            </a:pPr>
+            <a:r>
+              <a:rPr lang="en-US" sz="7200" dirty="0"/>
+              <a:t>Let’s Begin</a:t>
+            </a:r>
+          </a:p>
+        </p:txBody>
+      </p:sp>
+    </p:spTree>
+    <p:extLst>
+      <p:ext uri="{BB962C8B-B14F-4D97-AF65-F5344CB8AC3E}">
+        <p14:creationId xmlns:p14="http://schemas.microsoft.com/office/powerpoint/2010/main" val="2011963432"/>
+      </p:ext>
+    </p:extLst>
+  </p:cSld>
+  <p:clrMapOvr>
+    <a:masterClrMapping/>
+  </p:clrMapOvr>
+</p:sld>
+</file>
+
+<file path=ppt/slides/slide11.xml><?xml version="1.0" encoding="utf-8"?>
+<p:sld xmlns:a="http://schemas.openxmlformats.org/drawingml/2006/main" xmlns:r="http://schemas.openxmlformats.org/officeDocument/2006/relationships" xmlns:p="http://schemas.openxmlformats.org/presentationml/2006/main">
+  <p:cSld>
+    <p:spTree>
+      <p:nvGrpSpPr>
+        <p:cNvPr id="1" name=""/>
+        <p:cNvGrpSpPr/>
+        <p:nvPr/>
+      </p:nvGrpSpPr>
+      <p:grpSpPr>
+        <a:xfrm>
+          <a:off x="0" y="0"/>
+          <a:ext cx="0" cy="0"/>
+          <a:chOff x="0" y="0"/>
+          <a:chExt cx="0" cy="0"/>
+        </a:xfrm>
+      </p:grpSpPr>
+      <p:sp>
+        <p:nvSpPr>
+          <p:cNvPr id="2" name="Title 1">
+            <a:extLst>
+              <a:ext uri="{FF2B5EF4-FFF2-40B4-BE49-F238E27FC236}">
+                <a16:creationId xmlns:a16="http://schemas.microsoft.com/office/drawing/2014/main" id="{6C0BFFC2-4C07-45FB-864B-931D329FF41A}"/>
+              </a:ext>
+            </a:extLst>
+          </p:cNvPr>
+          <p:cNvSpPr>
+            <a:spLocks noGrp="1"/>
+          </p:cNvSpPr>
+          <p:nvPr>
+            <p:ph type="title"/>
+          </p:nvPr>
+        </p:nvSpPr>
+        <p:spPr/>
+        <p:txBody>
+          <a:bodyPr/>
+          <a:lstStyle/>
+          <a:p>
+            <a:r>
+              <a:rPr lang="en-US" dirty="0"/>
+              <a:t>Definition?</a:t>
+            </a:r>
+          </a:p>
+        </p:txBody>
+      </p:sp>
+      <p:sp>
+        <p:nvSpPr>
+          <p:cNvPr id="3" name="Content Placeholder 2">
+            <a:extLst>
+              <a:ext uri="{FF2B5EF4-FFF2-40B4-BE49-F238E27FC236}">
+                <a16:creationId xmlns:a16="http://schemas.microsoft.com/office/drawing/2014/main" id="{904A1ACE-68D5-749C-C5E3-AF9BD7685461}"/>
+              </a:ext>
+            </a:extLst>
+          </p:cNvPr>
+          <p:cNvSpPr>
+            <a:spLocks noGrp="1"/>
+          </p:cNvSpPr>
+          <p:nvPr>
+            <p:ph idx="1"/>
+          </p:nvPr>
+        </p:nvSpPr>
+        <p:spPr/>
+        <p:txBody>
+          <a:bodyPr>
+            <a:normAutofit/>
+          </a:bodyPr>
+          <a:lstStyle/>
+          <a:p>
+            <a:pPr>
+              <a:lnSpc>
+                <a:spcPct val="150000"/>
+              </a:lnSpc>
+            </a:pPr>
+            <a:r>
+              <a:rPr lang="en-US" sz="2400" dirty="0"/>
+              <a:t>NLP is a </a:t>
+            </a:r>
+            <a:r>
+              <a:rPr lang="en-US" sz="2400" b="1" dirty="0"/>
+              <a:t>principled</a:t>
+            </a:r>
+            <a:r>
+              <a:rPr lang="en-US" sz="2400" dirty="0"/>
+              <a:t> approach to processing human language</a:t>
+            </a:r>
+          </a:p>
+          <a:p>
+            <a:pPr lvl="1">
+              <a:lnSpc>
+                <a:spcPct val="150000"/>
+              </a:lnSpc>
+            </a:pPr>
+            <a:r>
+              <a:rPr lang="en-US" sz="2000" dirty="0"/>
+              <a:t>What does it mean?</a:t>
+            </a:r>
+          </a:p>
+          <a:p>
+            <a:pPr>
+              <a:lnSpc>
+                <a:spcPct val="150000"/>
+              </a:lnSpc>
+            </a:pPr>
+            <a:r>
+              <a:rPr lang="en-US" sz="2400" dirty="0"/>
+              <a:t>It is a subfield of artificial intelligence (AI) that refers to computational approaches to process, understand, and generate human language</a:t>
+            </a:r>
+          </a:p>
+          <a:p>
+            <a:pPr lvl="1"/>
+            <a:r>
+              <a:rPr lang="en-US" sz="2000" dirty="0"/>
+              <a:t>Again, what is AI?</a:t>
+            </a:r>
+          </a:p>
+          <a:p>
+            <a:r>
+              <a:rPr lang="en-US" sz="2200" dirty="0"/>
+              <a:t>Need to examine some definitions</a:t>
+            </a:r>
+          </a:p>
+        </p:txBody>
+      </p:sp>
+    </p:spTree>
+    <p:extLst>
+      <p:ext uri="{BB962C8B-B14F-4D97-AF65-F5344CB8AC3E}">
+        <p14:creationId xmlns:p14="http://schemas.microsoft.com/office/powerpoint/2010/main" val="186982516"/>
+      </p:ext>
+    </p:extLst>
+  </p:cSld>
+  <p:clrMapOvr>
+    <a:masterClrMapping/>
+  </p:clrMapOvr>
+</p:sld>
+</file>
+
+<file path=ppt/slides/slide12.xml><?xml version="1.0" encoding="utf-8"?>
+<p:sld xmlns:a="http://schemas.openxmlformats.org/drawingml/2006/main" xmlns:r="http://schemas.openxmlformats.org/officeDocument/2006/relationships" xmlns:p="http://schemas.openxmlformats.org/presentationml/2006/main">
+  <p:cSld>
+    <p:spTree>
+      <p:nvGrpSpPr>
+        <p:cNvPr id="1" name=""/>
+        <p:cNvGrpSpPr/>
+        <p:nvPr/>
+      </p:nvGrpSpPr>
+      <p:grpSpPr>
+        <a:xfrm>
+          <a:off x="0" y="0"/>
+          <a:ext cx="0" cy="0"/>
+          <a:chOff x="0" y="0"/>
+          <a:chExt cx="0" cy="0"/>
+        </a:xfrm>
+      </p:grpSpPr>
+      <p:sp>
+        <p:nvSpPr>
+          <p:cNvPr id="2" name="Title 1">
+            <a:extLst>
+              <a:ext uri="{FF2B5EF4-FFF2-40B4-BE49-F238E27FC236}">
+                <a16:creationId xmlns:a16="http://schemas.microsoft.com/office/drawing/2014/main" id="{FFF505D5-E99B-0C75-8E55-29958325EBBD}"/>
+              </a:ext>
+            </a:extLst>
+          </p:cNvPr>
+          <p:cNvSpPr>
+            <a:spLocks noGrp="1"/>
+          </p:cNvSpPr>
+          <p:nvPr>
+            <p:ph type="title"/>
+          </p:nvPr>
+        </p:nvSpPr>
+        <p:spPr/>
+        <p:txBody>
+          <a:bodyPr>
+            <a:normAutofit/>
+          </a:bodyPr>
+          <a:lstStyle/>
+          <a:p>
+            <a:r>
+              <a:rPr lang="en-US" sz="3200" b="1" dirty="0"/>
+              <a:t>What does it mean for a language to be natural?</a:t>
+            </a:r>
+          </a:p>
+        </p:txBody>
+      </p:sp>
+      <p:sp>
+        <p:nvSpPr>
+          <p:cNvPr id="3" name="Content Placeholder 2">
+            <a:extLst>
+              <a:ext uri="{FF2B5EF4-FFF2-40B4-BE49-F238E27FC236}">
+                <a16:creationId xmlns:a16="http://schemas.microsoft.com/office/drawing/2014/main" id="{52C61634-0BE6-079C-8C87-C758DB845B92}"/>
+              </a:ext>
+            </a:extLst>
+          </p:cNvPr>
+          <p:cNvSpPr>
+            <a:spLocks noGrp="1"/>
+          </p:cNvSpPr>
+          <p:nvPr>
+            <p:ph idx="1"/>
+          </p:nvPr>
+        </p:nvSpPr>
+        <p:spPr/>
+        <p:txBody>
+          <a:bodyPr/>
+          <a:lstStyle/>
+          <a:p>
+            <a:pPr>
+              <a:lnSpc>
+                <a:spcPct val="150000"/>
+              </a:lnSpc>
+            </a:pPr>
+            <a:r>
+              <a:rPr lang="en-US" dirty="0"/>
+              <a:t>You might wonder</a:t>
+            </a:r>
+          </a:p>
+          <a:p>
+            <a:pPr lvl="1">
+              <a:lnSpc>
+                <a:spcPct val="150000"/>
+              </a:lnSpc>
+            </a:pPr>
+            <a:r>
+              <a:rPr lang="en-US" dirty="0"/>
+              <a:t>Are there any unnatural languages?</a:t>
+            </a:r>
+          </a:p>
+          <a:p>
+            <a:pPr lvl="1">
+              <a:lnSpc>
+                <a:spcPct val="150000"/>
+              </a:lnSpc>
+            </a:pPr>
+            <a:r>
+              <a:rPr lang="en-US" dirty="0"/>
+              <a:t>Is English natural?</a:t>
+            </a:r>
+          </a:p>
+          <a:p>
+            <a:pPr lvl="1">
+              <a:lnSpc>
+                <a:spcPct val="150000"/>
+              </a:lnSpc>
+            </a:pPr>
+            <a:r>
+              <a:rPr lang="en-US" dirty="0"/>
+              <a:t>Is Spanish more natural than Korean?</a:t>
+            </a:r>
+          </a:p>
+          <a:p>
+            <a:pPr>
+              <a:lnSpc>
+                <a:spcPct val="150000"/>
+              </a:lnSpc>
+            </a:pPr>
+            <a:r>
+              <a:rPr lang="en-US" dirty="0"/>
+              <a:t>Another tricky term is a formal language</a:t>
+            </a:r>
+          </a:p>
+          <a:p>
+            <a:pPr lvl="1">
+              <a:lnSpc>
+                <a:spcPct val="150000"/>
+              </a:lnSpc>
+            </a:pPr>
+            <a:r>
+              <a:rPr lang="en-US" dirty="0"/>
+              <a:t>Is English formal?</a:t>
+            </a:r>
+          </a:p>
+          <a:p>
+            <a:pPr marL="457200" lvl="1" indent="0">
+              <a:lnSpc>
+                <a:spcPct val="150000"/>
+              </a:lnSpc>
+              <a:buNone/>
+            </a:pPr>
+            <a:endParaRPr lang="en-US" dirty="0"/>
+          </a:p>
+        </p:txBody>
+      </p:sp>
+    </p:spTree>
+    <p:extLst>
+      <p:ext uri="{BB962C8B-B14F-4D97-AF65-F5344CB8AC3E}">
+        <p14:creationId xmlns:p14="http://schemas.microsoft.com/office/powerpoint/2010/main" val="3309278172"/>
+      </p:ext>
+    </p:extLst>
+  </p:cSld>
+  <p:clrMapOvr>
+    <a:masterClrMapping/>
+  </p:clrMapOvr>
+</p:sld>
+</file>
+
+<file path=ppt/slides/slide13.xml><?xml version="1.0" encoding="utf-8"?>
+<p:sld xmlns:a="http://schemas.openxmlformats.org/drawingml/2006/main" xmlns:r="http://schemas.openxmlformats.org/officeDocument/2006/relationships" xmlns:p="http://schemas.openxmlformats.org/presentationml/2006/main">
+  <p:cSld>
+    <p:spTree>
+      <p:nvGrpSpPr>
+        <p:cNvPr id="1" name=""/>
+        <p:cNvGrpSpPr/>
+        <p:nvPr/>
+      </p:nvGrpSpPr>
+      <p:grpSpPr>
+        <a:xfrm>
+          <a:off x="0" y="0"/>
+          <a:ext cx="0" cy="0"/>
+          <a:chOff x="0" y="0"/>
+          <a:chExt cx="0" cy="0"/>
+        </a:xfrm>
+      </p:grpSpPr>
+      <p:sp>
+        <p:nvSpPr>
+          <p:cNvPr id="2" name="Title 1">
+            <a:extLst>
+              <a:ext uri="{FF2B5EF4-FFF2-40B4-BE49-F238E27FC236}">
+                <a16:creationId xmlns:a16="http://schemas.microsoft.com/office/drawing/2014/main" id="{C8402AAA-E503-498C-56D3-2B71DCAF8D8C}"/>
+              </a:ext>
+            </a:extLst>
+          </p:cNvPr>
+          <p:cNvSpPr>
+            <a:spLocks noGrp="1"/>
+          </p:cNvSpPr>
+          <p:nvPr>
+            <p:ph type="title"/>
+          </p:nvPr>
+        </p:nvSpPr>
+        <p:spPr/>
+        <p:txBody>
+          <a:bodyPr>
+            <a:normAutofit/>
+          </a:bodyPr>
+          <a:lstStyle/>
+          <a:p>
+            <a:r>
+              <a:rPr lang="en-US" sz="4000" b="1" dirty="0"/>
+              <a:t>Natural vs. Formal</a:t>
+            </a:r>
+          </a:p>
+        </p:txBody>
+      </p:sp>
+      <p:sp>
+        <p:nvSpPr>
+          <p:cNvPr id="3" name="Content Placeholder 2">
+            <a:extLst>
+              <a:ext uri="{FF2B5EF4-FFF2-40B4-BE49-F238E27FC236}">
+                <a16:creationId xmlns:a16="http://schemas.microsoft.com/office/drawing/2014/main" id="{B67135A9-2081-A7DE-C867-5B3593786AAF}"/>
+              </a:ext>
+            </a:extLst>
+          </p:cNvPr>
+          <p:cNvSpPr>
+            <a:spLocks noGrp="1"/>
+          </p:cNvSpPr>
+          <p:nvPr>
+            <p:ph idx="1"/>
+          </p:nvPr>
+        </p:nvSpPr>
+        <p:spPr/>
+        <p:txBody>
+          <a:bodyPr>
+            <a:normAutofit fontScale="92500" lnSpcReduction="20000"/>
+          </a:bodyPr>
+          <a:lstStyle/>
+          <a:p>
+            <a:pPr>
+              <a:lnSpc>
+                <a:spcPct val="160000"/>
+              </a:lnSpc>
+            </a:pPr>
+            <a:r>
+              <a:rPr lang="en-US" dirty="0"/>
+              <a:t>The word </a:t>
+            </a:r>
+            <a:r>
+              <a:rPr lang="en-US" i="1" dirty="0"/>
+              <a:t>natural</a:t>
+            </a:r>
+            <a:r>
+              <a:rPr lang="en-US" dirty="0"/>
+              <a:t> is used to contrast natural languages with formal languages</a:t>
+            </a:r>
+          </a:p>
+          <a:p>
+            <a:pPr lvl="1">
+              <a:lnSpc>
+                <a:spcPct val="160000"/>
+              </a:lnSpc>
+            </a:pPr>
+            <a:r>
+              <a:rPr lang="en-US" dirty="0"/>
+              <a:t>all the languages humans speak are natural</a:t>
+            </a:r>
+          </a:p>
+          <a:p>
+            <a:pPr>
+              <a:lnSpc>
+                <a:spcPct val="160000"/>
+              </a:lnSpc>
+            </a:pPr>
+            <a:r>
+              <a:rPr lang="en-US" dirty="0"/>
+              <a:t>On the other hand, formal languages are types of languages that are invented by humans</a:t>
+            </a:r>
+          </a:p>
+          <a:p>
+            <a:pPr lvl="1">
+              <a:lnSpc>
+                <a:spcPct val="160000"/>
+              </a:lnSpc>
+            </a:pPr>
+            <a:r>
+              <a:rPr lang="en-US" dirty="0"/>
+              <a:t>Have strictly and explicitly defined syntax (grammatical rules) and semantics (meaning)</a:t>
+            </a:r>
+          </a:p>
+          <a:p>
+            <a:pPr lvl="1">
+              <a:lnSpc>
+                <a:spcPct val="160000"/>
+              </a:lnSpc>
+            </a:pPr>
+            <a:r>
+              <a:rPr lang="en-US" dirty="0"/>
+              <a:t>Programming languages are examples</a:t>
+            </a:r>
+          </a:p>
+          <a:p>
+            <a:pPr lvl="1">
+              <a:lnSpc>
+                <a:spcPct val="160000"/>
+              </a:lnSpc>
+            </a:pPr>
+            <a:r>
+              <a:rPr lang="en-US" dirty="0"/>
+              <a:t>When you run a compiler or an interpreter on the code you write in those languages, you either get a syntax error or not</a:t>
+            </a:r>
+          </a:p>
+          <a:p>
+            <a:pPr lvl="1">
+              <a:lnSpc>
+                <a:spcPct val="160000"/>
+              </a:lnSpc>
+            </a:pPr>
+            <a:r>
+              <a:rPr lang="en-US" dirty="0"/>
+              <a:t>the behavior of your program is always the same if it’s run on the same code</a:t>
+            </a:r>
+          </a:p>
+        </p:txBody>
+      </p:sp>
+    </p:spTree>
+    <p:extLst>
+      <p:ext uri="{BB962C8B-B14F-4D97-AF65-F5344CB8AC3E}">
+        <p14:creationId xmlns:p14="http://schemas.microsoft.com/office/powerpoint/2010/main" val="378400150"/>
+      </p:ext>
+    </p:extLst>
+  </p:cSld>
+  <p:clrMapOvr>
+    <a:masterClrMapping/>
+  </p:clrMapOvr>
+</p:sld>
+</file>
+
+<file path=ppt/slides/slide14.xml><?xml version="1.0" encoding="utf-8"?>
+<p:sld xmlns:a="http://schemas.openxmlformats.org/drawingml/2006/main" xmlns:r="http://schemas.openxmlformats.org/officeDocument/2006/relationships" xmlns:p="http://schemas.openxmlformats.org/presentationml/2006/main">
+  <p:cSld>
+    <p:spTree>
+      <p:nvGrpSpPr>
+        <p:cNvPr id="1" name=""/>
+        <p:cNvGrpSpPr/>
+        <p:nvPr/>
+      </p:nvGrpSpPr>
+      <p:grpSpPr>
+        <a:xfrm>
+          <a:off x="0" y="0"/>
+          <a:ext cx="0" cy="0"/>
+          <a:chOff x="0" y="0"/>
+          <a:chExt cx="0" cy="0"/>
+        </a:xfrm>
+      </p:grpSpPr>
+      <p:sp>
+        <p:nvSpPr>
+          <p:cNvPr id="2" name="Title 1">
+            <a:extLst>
+              <a:ext uri="{FF2B5EF4-FFF2-40B4-BE49-F238E27FC236}">
+                <a16:creationId xmlns:a16="http://schemas.microsoft.com/office/drawing/2014/main" id="{C8402AAA-E503-498C-56D3-2B71DCAF8D8C}"/>
+              </a:ext>
+            </a:extLst>
+          </p:cNvPr>
+          <p:cNvSpPr>
+            <a:spLocks noGrp="1"/>
+          </p:cNvSpPr>
+          <p:nvPr>
+            <p:ph type="title"/>
+          </p:nvPr>
+        </p:nvSpPr>
+        <p:spPr/>
+        <p:txBody>
+          <a:bodyPr>
+            <a:normAutofit/>
+          </a:bodyPr>
+          <a:lstStyle/>
+          <a:p>
+            <a:r>
+              <a:rPr lang="en-US" sz="4000" b="1" dirty="0"/>
+              <a:t>Natural language is hardly formal</a:t>
+            </a:r>
+          </a:p>
+        </p:txBody>
+      </p:sp>
+      <p:sp>
+        <p:nvSpPr>
+          <p:cNvPr id="3" name="Content Placeholder 2">
+            <a:extLst>
+              <a:ext uri="{FF2B5EF4-FFF2-40B4-BE49-F238E27FC236}">
+                <a16:creationId xmlns:a16="http://schemas.microsoft.com/office/drawing/2014/main" id="{B67135A9-2081-A7DE-C867-5B3593786AAF}"/>
+              </a:ext>
+            </a:extLst>
+          </p:cNvPr>
+          <p:cNvSpPr>
+            <a:spLocks noGrp="1"/>
+          </p:cNvSpPr>
+          <p:nvPr>
+            <p:ph idx="1"/>
+          </p:nvPr>
+        </p:nvSpPr>
+        <p:spPr/>
+        <p:txBody>
+          <a:bodyPr>
+            <a:normAutofit/>
+          </a:bodyPr>
+          <a:lstStyle/>
+          <a:p>
+            <a:pPr>
+              <a:lnSpc>
+                <a:spcPct val="160000"/>
+              </a:lnSpc>
+            </a:pPr>
+            <a:r>
+              <a:rPr lang="en-US" dirty="0"/>
+              <a:t>You can write a sentence that is </a:t>
+            </a:r>
+            <a:r>
+              <a:rPr lang="en-US" i="1" dirty="0"/>
+              <a:t>maybe</a:t>
+            </a:r>
+            <a:r>
+              <a:rPr lang="en-US" dirty="0"/>
+              <a:t> grammatical</a:t>
+            </a:r>
+          </a:p>
+          <a:p>
+            <a:pPr lvl="1">
+              <a:lnSpc>
+                <a:spcPct val="160000"/>
+              </a:lnSpc>
+            </a:pPr>
+            <a:r>
+              <a:rPr lang="en-US" dirty="0"/>
+              <a:t>Subjective, and worse, time varying</a:t>
+            </a:r>
+          </a:p>
+          <a:p>
+            <a:pPr lvl="1">
+              <a:lnSpc>
+                <a:spcPct val="160000"/>
+              </a:lnSpc>
+            </a:pPr>
+            <a:r>
+              <a:rPr lang="en-US" dirty="0"/>
+              <a:t>There are some grammar topics where even experts disagree with each other</a:t>
+            </a:r>
+          </a:p>
+          <a:p>
+            <a:pPr>
+              <a:lnSpc>
+                <a:spcPct val="160000"/>
+              </a:lnSpc>
+            </a:pPr>
+            <a:r>
+              <a:rPr lang="en-US" dirty="0"/>
+              <a:t>This is what makes human languages interesting but challenging, and why the entire field of NLP even exists</a:t>
+            </a:r>
+          </a:p>
+          <a:p>
+            <a:pPr>
+              <a:lnSpc>
+                <a:spcPct val="160000"/>
+              </a:lnSpc>
+            </a:pPr>
+            <a:r>
+              <a:rPr lang="en-US" dirty="0"/>
+              <a:t>Bottom line: human languages are ambiguous</a:t>
+            </a:r>
+          </a:p>
+          <a:p>
+            <a:pPr>
+              <a:lnSpc>
+                <a:spcPct val="160000"/>
+              </a:lnSpc>
+            </a:pPr>
+            <a:endParaRPr lang="en-US" dirty="0"/>
+          </a:p>
+        </p:txBody>
+      </p:sp>
+    </p:spTree>
+    <p:extLst>
+      <p:ext uri="{BB962C8B-B14F-4D97-AF65-F5344CB8AC3E}">
+        <p14:creationId xmlns:p14="http://schemas.microsoft.com/office/powerpoint/2010/main" val="3528383439"/>
+      </p:ext>
+    </p:extLst>
+  </p:cSld>
+  <p:clrMapOvr>
+    <a:masterClrMapping/>
+  </p:clrMapOvr>
+</p:sld>
+</file>
+
+<file path=ppt/slides/slide15.xml><?xml version="1.0" encoding="utf-8"?>
+<p:sld xmlns:a="http://schemas.openxmlformats.org/drawingml/2006/main" xmlns:r="http://schemas.openxmlformats.org/officeDocument/2006/relationships" xmlns:p="http://schemas.openxmlformats.org/presentationml/2006/main">
+  <p:cSld>
+    <p:spTree>
+      <p:nvGrpSpPr>
+        <p:cNvPr id="1" name=""/>
+        <p:cNvGrpSpPr/>
+        <p:nvPr/>
+      </p:nvGrpSpPr>
+      <p:grpSpPr>
+        <a:xfrm>
+          <a:off x="0" y="0"/>
+          <a:ext cx="0" cy="0"/>
+          <a:chOff x="0" y="0"/>
+          <a:chExt cx="0" cy="0"/>
+        </a:xfrm>
+      </p:grpSpPr>
+      <p:sp>
+        <p:nvSpPr>
+          <p:cNvPr id="2" name="Title 1">
+            <a:extLst>
+              <a:ext uri="{FF2B5EF4-FFF2-40B4-BE49-F238E27FC236}">
+                <a16:creationId xmlns:a16="http://schemas.microsoft.com/office/drawing/2014/main" id="{78DC5FA9-377F-DDB7-5BA3-613A1575D68A}"/>
+              </a:ext>
+            </a:extLst>
+          </p:cNvPr>
+          <p:cNvSpPr>
+            <a:spLocks noGrp="1"/>
+          </p:cNvSpPr>
+          <p:nvPr>
+            <p:ph type="title"/>
+          </p:nvPr>
+        </p:nvSpPr>
+        <p:spPr/>
+        <p:txBody>
+          <a:bodyPr>
+            <a:normAutofit/>
+          </a:bodyPr>
+          <a:lstStyle/>
+          <a:p>
+            <a:r>
+              <a:rPr lang="en-US" sz="4000" b="1" dirty="0"/>
+              <a:t>He saw a girl with a telescope</a:t>
+            </a:r>
+          </a:p>
+        </p:txBody>
+      </p:sp>
+      <p:pic>
+        <p:nvPicPr>
+          <p:cNvPr id="5" name="Content Placeholder 4" descr="A picture containing clipart&#10;&#10;Description automatically generated">
+            <a:extLst>
+              <a:ext uri="{FF2B5EF4-FFF2-40B4-BE49-F238E27FC236}">
+                <a16:creationId xmlns:a16="http://schemas.microsoft.com/office/drawing/2014/main" id="{7910031E-7231-2F45-589F-A924690A36F5}"/>
+              </a:ext>
+            </a:extLst>
+          </p:cNvPr>
+          <p:cNvPicPr>
+            <a:picLocks noGrp="1" noChangeAspect="1"/>
+          </p:cNvPicPr>
+          <p:nvPr>
+            <p:ph idx="1"/>
+          </p:nvPr>
+        </p:nvPicPr>
+        <p:blipFill>
+          <a:blip r:embed="rId3"/>
+          <a:stretch>
+            <a:fillRect/>
+          </a:stretch>
+        </p:blipFill>
+        <p:spPr>
+          <a:xfrm>
+            <a:off x="1009769" y="1825625"/>
+            <a:ext cx="10172461" cy="4351338"/>
+          </a:xfrm>
+        </p:spPr>
+      </p:pic>
+    </p:spTree>
+    <p:extLst>
+      <p:ext uri="{BB962C8B-B14F-4D97-AF65-F5344CB8AC3E}">
+        <p14:creationId xmlns:p14="http://schemas.microsoft.com/office/powerpoint/2010/main" val="79781820"/>
+      </p:ext>
+    </p:extLst>
+  </p:cSld>
+  <p:clrMapOvr>
+    <a:masterClrMapping/>
+  </p:clrMapOvr>
+  <p:timing>
+    <p:tnLst>
+      <p:par>
+        <p:cTn id="1" dur="indefinite" restart="never" nodeType="tmRoot">
+          <p:childTnLst>
+            <p:seq concurrent="1" nextAc="seek">
+              <p:cTn id="2" dur="indefinite" nodeType="mainSeq">
+                <p:childTnLst>
+                  <p:par>
+                    <p:cTn id="3" fill="hold">
+                      <p:stCondLst>
+                        <p:cond delay="indefinite"/>
+                      </p:stCondLst>
+                      <p:childTnLst>
+                        <p:par>
+                          <p:cTn id="4" fill="hold">
+                            <p:stCondLst>
+                              <p:cond delay="0"/>
+                            </p:stCondLst>
+                            <p:childTnLst>
+                              <p:par>
+                                <p:cTn id="5" presetID="2" presetClass="entr" presetSubtype="4" fill="hold" nodeType="clickEffect">
+                                  <p:stCondLst>
+                                    <p:cond delay="0"/>
+                                  </p:stCondLst>
+                                  <p:childTnLst>
+                                    <p:set>
+                                      <p:cBhvr>
+                                        <p:cTn id="6" dur="1" fill="hold">
+                                          <p:stCondLst>
+                                            <p:cond delay="0"/>
+                                          </p:stCondLst>
+                                        </p:cTn>
+                                        <p:tgtEl>
+                                          <p:spTgt spid="5"/>
+                                        </p:tgtEl>
+                                        <p:attrNameLst>
+                                          <p:attrName>style.visibility</p:attrName>
+                                        </p:attrNameLst>
+                                      </p:cBhvr>
+                                      <p:to>
+                                        <p:strVal val="visible"/>
+                                      </p:to>
+                                    </p:set>
+                                    <p:anim calcmode="lin" valueType="num">
+                                      <p:cBhvr additive="base">
+                                        <p:cTn id="7" dur="500" fill="hold"/>
+                                        <p:tgtEl>
+                                          <p:spTgt spid="5"/>
+                                        </p:tgtEl>
+                                        <p:attrNameLst>
+                                          <p:attrName>ppt_x</p:attrName>
+                                        </p:attrNameLst>
+                                      </p:cBhvr>
+                                      <p:tavLst>
+                                        <p:tav tm="0">
+                                          <p:val>
+                                            <p:strVal val="#ppt_x"/>
+                                          </p:val>
+                                        </p:tav>
+                                        <p:tav tm="100000">
+                                          <p:val>
+                                            <p:strVal val="#ppt_x"/>
+                                          </p:val>
+                                        </p:tav>
+                                      </p:tavLst>
+                                    </p:anim>
+                                    <p:anim calcmode="lin" valueType="num">
+                                      <p:cBhvr additive="base">
+                                        <p:cTn id="8" dur="500" fill="hold"/>
+                                        <p:tgtEl>
+                                          <p:spTgt spid="5"/>
+                                        </p:tgtEl>
+                                        <p:attrNameLst>
+                                          <p:attrName>ppt_y</p:attrName>
+                                        </p:attrNameLst>
+                                      </p:cBhvr>
+                                      <p:tavLst>
+                                        <p:tav tm="0">
+                                          <p:val>
+                                            <p:strVal val="1+#ppt_h/2"/>
+                                          </p:val>
+                                        </p:tav>
+                                        <p:tav tm="100000">
+                                          <p:val>
+                                            <p:strVal val="#ppt_y"/>
+                                          </p:val>
+                                        </p:tav>
+                                      </p:tavLst>
+                                    </p:anim>
+                                  </p:childTnLst>
+                                </p:cTn>
+                              </p:par>
+                            </p:childTnLst>
+                          </p:cTn>
+                        </p:par>
+                      </p:childTnLst>
+                    </p:cTn>
+                  </p:par>
+                  <p:par>
+                    <p:cTn id="9" fill="hold">
+                      <p:stCondLst>
+                        <p:cond delay="indefinite"/>
+                      </p:stCondLst>
+                      <p:childTnLst>
+                        <p:par>
+                          <p:cTn id="10" fill="hold">
+                            <p:stCondLst>
+                              <p:cond delay="0"/>
+                            </p:stCondLst>
+                            <p:childTnLst>
+                              <p:par>
+                                <p:cTn id="11" presetID="9" presetClass="entr" presetSubtype="0" fill="hold" nodeType="clickEffect">
+                                  <p:stCondLst>
+                                    <p:cond delay="0"/>
+                                  </p:stCondLst>
+                                  <p:childTnLst>
+                                    <p:set>
+                                      <p:cBhvr>
+                                        <p:cTn id="12" dur="1" fill="hold">
+                                          <p:stCondLst>
+                                            <p:cond delay="0"/>
+                                          </p:stCondLst>
+                                        </p:cTn>
+                                        <p:tgtEl>
+                                          <p:spTgt spid="5"/>
+                                        </p:tgtEl>
+                                        <p:attrNameLst>
+                                          <p:attrName>style.visibility</p:attrName>
+                                        </p:attrNameLst>
+                                      </p:cBhvr>
+                                      <p:to>
+                                        <p:strVal val="visible"/>
+                                      </p:to>
+                                    </p:set>
+                                    <p:animEffect transition="in" filter="dissolve">
+                                      <p:cBhvr>
+                                        <p:cTn id="13" dur="500"/>
+                                        <p:tgtEl>
+                                          <p:spTgt spid="5"/>
+                                        </p:tgtEl>
+                                      </p:cBhvr>
+                                    </p:animEffect>
+                                  </p:childTnLst>
+                                </p:cTn>
+                              </p:par>
+                            </p:childTnLst>
+                          </p:cTn>
+                        </p:par>
+                      </p:childTnLst>
+                    </p:cTn>
+                  </p:par>
+                </p:childTnLst>
+              </p:cTn>
+              <p:prevCondLst>
+                <p:cond evt="onPrev" delay="0">
+                  <p:tgtEl>
+                    <p:sldTgt/>
+                  </p:tgtEl>
+                </p:cond>
+              </p:prevCondLst>
+              <p:nextCondLst>
+                <p:cond evt="onNext" delay="0">
+                  <p:tgtEl>
+                    <p:sldTgt/>
+                  </p:tgtEl>
+                </p:cond>
+              </p:nextCondLst>
+            </p:seq>
+          </p:childTnLst>
+        </p:cTn>
+      </p:par>
+    </p:tnLst>
+  </p:timing>
+</p:sld>
+</file>
+
+<file path=ppt/slides/slide16.xml><?xml version="1.0" encoding="utf-8"?>
+<p:sld xmlns:a="http://schemas.openxmlformats.org/drawingml/2006/main" xmlns:r="http://schemas.openxmlformats.org/officeDocument/2006/relationships" xmlns:p="http://schemas.openxmlformats.org/presentationml/2006/main">
+  <p:cSld>
+    <p:spTree>
+      <p:nvGrpSpPr>
+        <p:cNvPr id="1" name=""/>
+        <p:cNvGrpSpPr/>
+        <p:nvPr/>
+      </p:nvGrpSpPr>
+      <p:grpSpPr>
+        <a:xfrm>
+          <a:off x="0" y="0"/>
+          <a:ext cx="0" cy="0"/>
+          <a:chOff x="0" y="0"/>
+          <a:chExt cx="0" cy="0"/>
+        </a:xfrm>
+      </p:grpSpPr>
+      <p:sp>
+        <p:nvSpPr>
+          <p:cNvPr id="2" name="Title 1">
+            <a:extLst>
+              <a:ext uri="{FF2B5EF4-FFF2-40B4-BE49-F238E27FC236}">
+                <a16:creationId xmlns:a16="http://schemas.microsoft.com/office/drawing/2014/main" id="{A096B2B9-C6A3-F20B-5B9B-BC61E46BEC39}"/>
+              </a:ext>
+            </a:extLst>
+          </p:cNvPr>
+          <p:cNvSpPr>
+            <a:spLocks noGrp="1"/>
+          </p:cNvSpPr>
+          <p:nvPr>
+            <p:ph type="title"/>
+          </p:nvPr>
+        </p:nvSpPr>
+        <p:spPr/>
+        <p:txBody>
+          <a:bodyPr/>
+          <a:lstStyle/>
+          <a:p>
+            <a:r>
+              <a:rPr lang="en-US" b="1" dirty="0"/>
+              <a:t>Here comes a new challenger</a:t>
+            </a:r>
+          </a:p>
+        </p:txBody>
+      </p:sp>
+      <p:sp>
+        <p:nvSpPr>
+          <p:cNvPr id="3" name="Content Placeholder 2">
+            <a:extLst>
+              <a:ext uri="{FF2B5EF4-FFF2-40B4-BE49-F238E27FC236}">
+                <a16:creationId xmlns:a16="http://schemas.microsoft.com/office/drawing/2014/main" id="{31BBDABA-8C36-342F-E3D9-85D2F7D66E2C}"/>
+              </a:ext>
+            </a:extLst>
+          </p:cNvPr>
+          <p:cNvSpPr>
+            <a:spLocks noGrp="1"/>
+          </p:cNvSpPr>
+          <p:nvPr>
+            <p:ph idx="1"/>
+          </p:nvPr>
+        </p:nvSpPr>
+        <p:spPr/>
+        <p:txBody>
+          <a:bodyPr>
+            <a:normAutofit fontScale="92500" lnSpcReduction="20000"/>
+          </a:bodyPr>
+          <a:lstStyle/>
+          <a:p>
+            <a:pPr>
+              <a:lnSpc>
+                <a:spcPct val="160000"/>
+              </a:lnSpc>
+            </a:pPr>
+            <a:r>
+              <a:rPr lang="en-US" dirty="0"/>
+              <a:t>Now let’s consider the following scenario and think how you’d approach this problem</a:t>
+            </a:r>
+          </a:p>
+          <a:p>
+            <a:pPr>
+              <a:lnSpc>
+                <a:spcPct val="160000"/>
+              </a:lnSpc>
+            </a:pPr>
+            <a:r>
+              <a:rPr lang="en-US" dirty="0"/>
+              <a:t>You are working as a junior data scientist at a midsized company that has a consumer-facing product line</a:t>
+            </a:r>
+          </a:p>
+          <a:p>
+            <a:pPr>
+              <a:lnSpc>
+                <a:spcPct val="160000"/>
+              </a:lnSpc>
+            </a:pPr>
+            <a:r>
+              <a:rPr lang="en-US" dirty="0"/>
+              <a:t> You got a giant TSV file containing all the responses to the survey questions about the product from the marketing team:</a:t>
+            </a:r>
+          </a:p>
+          <a:p>
+            <a:pPr marL="914400" lvl="1" indent="-457200">
+              <a:lnSpc>
+                <a:spcPct val="160000"/>
+              </a:lnSpc>
+              <a:buFont typeface="+mj-lt"/>
+              <a:buAutoNum type="arabicPeriod"/>
+            </a:pPr>
+            <a:r>
+              <a:rPr lang="en-US" dirty="0"/>
+              <a:t>How did you know about our product?</a:t>
+            </a:r>
+          </a:p>
+          <a:p>
+            <a:pPr marL="914400" lvl="1" indent="-457200">
+              <a:lnSpc>
+                <a:spcPct val="160000"/>
+              </a:lnSpc>
+              <a:buFont typeface="+mj-lt"/>
+              <a:buAutoNum type="arabicPeriod"/>
+            </a:pPr>
+            <a:r>
+              <a:rPr lang="en-US" dirty="0"/>
+              <a:t>How do you like our product?</a:t>
+            </a:r>
+          </a:p>
+          <a:p>
+            <a:pPr marL="914400" lvl="1" indent="-457200">
+              <a:lnSpc>
+                <a:spcPct val="160000"/>
+              </a:lnSpc>
+              <a:buFont typeface="+mj-lt"/>
+              <a:buAutoNum type="arabicPeriod"/>
+            </a:pPr>
+            <a:r>
+              <a:rPr lang="en-US" dirty="0"/>
+              <a:t>a free-response question, where our customers can write whatever they feel about our product</a:t>
+            </a:r>
+          </a:p>
+        </p:txBody>
+      </p:sp>
+    </p:spTree>
+    <p:extLst>
+      <p:ext uri="{BB962C8B-B14F-4D97-AF65-F5344CB8AC3E}">
+        <p14:creationId xmlns:p14="http://schemas.microsoft.com/office/powerpoint/2010/main" val="3849950361"/>
+      </p:ext>
+    </p:extLst>
+  </p:cSld>
+  <p:clrMapOvr>
+    <a:masterClrMapping/>
+  </p:clrMapOvr>
+</p:sld>
+</file>
+
+<file path=ppt/slides/slide17.xml><?xml version="1.0" encoding="utf-8"?>
+<p:sld xmlns:a="http://schemas.openxmlformats.org/drawingml/2006/main" xmlns:r="http://schemas.openxmlformats.org/officeDocument/2006/relationships" xmlns:p="http://schemas.openxmlformats.org/presentationml/2006/main">
+  <p:cSld>
+    <p:spTree>
+      <p:nvGrpSpPr>
+        <p:cNvPr id="1" name=""/>
+        <p:cNvGrpSpPr/>
+        <p:nvPr/>
+      </p:nvGrpSpPr>
+      <p:grpSpPr>
+        <a:xfrm>
+          <a:off x="0" y="0"/>
+          <a:ext cx="0" cy="0"/>
+          <a:chOff x="0" y="0"/>
+          <a:chExt cx="0" cy="0"/>
+        </a:xfrm>
+      </p:grpSpPr>
+      <p:sp>
+        <p:nvSpPr>
+          <p:cNvPr id="2" name="Title 1">
+            <a:extLst>
+              <a:ext uri="{FF2B5EF4-FFF2-40B4-BE49-F238E27FC236}">
+                <a16:creationId xmlns:a16="http://schemas.microsoft.com/office/drawing/2014/main" id="{A096B2B9-C6A3-F20B-5B9B-BC61E46BEC39}"/>
+              </a:ext>
+            </a:extLst>
+          </p:cNvPr>
+          <p:cNvSpPr>
+            <a:spLocks noGrp="1"/>
+          </p:cNvSpPr>
+          <p:nvPr>
+            <p:ph type="title"/>
+          </p:nvPr>
+        </p:nvSpPr>
+        <p:spPr/>
+        <p:txBody>
+          <a:bodyPr/>
+          <a:lstStyle/>
+          <a:p>
+            <a:r>
+              <a:rPr lang="en-US" b="1" dirty="0"/>
+              <a:t>Here comes a new challenger</a:t>
+            </a:r>
+          </a:p>
+        </p:txBody>
+      </p:sp>
+      <p:sp>
+        <p:nvSpPr>
+          <p:cNvPr id="3" name="Content Placeholder 2">
+            <a:extLst>
+              <a:ext uri="{FF2B5EF4-FFF2-40B4-BE49-F238E27FC236}">
+                <a16:creationId xmlns:a16="http://schemas.microsoft.com/office/drawing/2014/main" id="{31BBDABA-8C36-342F-E3D9-85D2F7D66E2C}"/>
+              </a:ext>
+            </a:extLst>
+          </p:cNvPr>
+          <p:cNvSpPr>
+            <a:spLocks noGrp="1"/>
+          </p:cNvSpPr>
+          <p:nvPr>
+            <p:ph idx="1"/>
+          </p:nvPr>
+        </p:nvSpPr>
+        <p:spPr/>
+        <p:txBody>
+          <a:bodyPr>
+            <a:normAutofit/>
+          </a:bodyPr>
+          <a:lstStyle/>
+          <a:p>
+            <a:pPr>
+              <a:lnSpc>
+                <a:spcPct val="160000"/>
+              </a:lnSpc>
+            </a:pPr>
+            <a:r>
+              <a:rPr lang="en-US" dirty="0"/>
+              <a:t>The marketing team realized there was a bug in the online system and the answers to the second question were not recorded in the database at all</a:t>
+            </a:r>
+          </a:p>
+          <a:p>
+            <a:pPr>
+              <a:lnSpc>
+                <a:spcPct val="160000"/>
+              </a:lnSpc>
+            </a:pPr>
+            <a:r>
+              <a:rPr lang="en-US" dirty="0"/>
+              <a:t>Your task is whether you could recover the lost data</a:t>
+            </a:r>
+          </a:p>
+          <a:p>
+            <a:pPr>
+              <a:lnSpc>
+                <a:spcPct val="160000"/>
+              </a:lnSpc>
+            </a:pPr>
+            <a:r>
+              <a:rPr lang="en-US" dirty="0"/>
+              <a:t>Fortunately, data structure is fairly standard</a:t>
+            </a:r>
+          </a:p>
+          <a:p>
+            <a:pPr lvl="1">
+              <a:lnSpc>
+                <a:spcPct val="160000"/>
+              </a:lnSpc>
+            </a:pPr>
+            <a:r>
+              <a:rPr lang="en-US" dirty="0"/>
+              <a:t>It has several fields such as timestamps and submission IDs</a:t>
+            </a:r>
+          </a:p>
+          <a:p>
+            <a:pPr lvl="1">
+              <a:lnSpc>
+                <a:spcPct val="160000"/>
+              </a:lnSpc>
+            </a:pPr>
+            <a:r>
+              <a:rPr lang="en-US" dirty="0"/>
+              <a:t>At the end of each line is a lengthy field for the free-response question</a:t>
+            </a:r>
+          </a:p>
+          <a:p>
+            <a:pPr lvl="1">
+              <a:lnSpc>
+                <a:spcPct val="160000"/>
+              </a:lnSpc>
+            </a:pPr>
+            <a:endParaRPr lang="en-US" dirty="0"/>
+          </a:p>
+          <a:p>
+            <a:pPr lvl="1">
+              <a:lnSpc>
+                <a:spcPct val="160000"/>
+              </a:lnSpc>
+            </a:pPr>
+            <a:endParaRPr lang="en-US" dirty="0"/>
+          </a:p>
+        </p:txBody>
+      </p:sp>
+    </p:spTree>
+    <p:extLst>
+      <p:ext uri="{BB962C8B-B14F-4D97-AF65-F5344CB8AC3E}">
+        <p14:creationId xmlns:p14="http://schemas.microsoft.com/office/powerpoint/2010/main" val="1548420531"/>
+      </p:ext>
+    </p:extLst>
+  </p:cSld>
+  <p:clrMapOvr>
+    <a:masterClrMapping/>
+  </p:clrMapOvr>
+</p:sld>
+</file>
+
+<file path=ppt/slides/slide18.xml><?xml version="1.0" encoding="utf-8"?>
+<p:sld xmlns:a="http://schemas.openxmlformats.org/drawingml/2006/main" xmlns:r="http://schemas.openxmlformats.org/officeDocument/2006/relationships" xmlns:p="http://schemas.openxmlformats.org/presentationml/2006/main">
+  <p:cSld>
+    <p:spTree>
+      <p:nvGrpSpPr>
+        <p:cNvPr id="1" name=""/>
+        <p:cNvGrpSpPr/>
+        <p:nvPr/>
+      </p:nvGrpSpPr>
+      <p:grpSpPr>
+        <a:xfrm>
+          <a:off x="0" y="0"/>
+          <a:ext cx="0" cy="0"/>
+          <a:chOff x="0" y="0"/>
+          <a:chExt cx="0" cy="0"/>
+        </a:xfrm>
+      </p:grpSpPr>
+      <p:sp>
+        <p:nvSpPr>
+          <p:cNvPr id="2" name="Title 1">
+            <a:extLst>
+              <a:ext uri="{FF2B5EF4-FFF2-40B4-BE49-F238E27FC236}">
+                <a16:creationId xmlns:a16="http://schemas.microsoft.com/office/drawing/2014/main" id="{B9C0ED9C-6022-5BB7-B829-578FC9B23D02}"/>
+              </a:ext>
+            </a:extLst>
+          </p:cNvPr>
+          <p:cNvSpPr>
+            <a:spLocks noGrp="1"/>
+          </p:cNvSpPr>
+          <p:nvPr>
+            <p:ph type="title"/>
+          </p:nvPr>
+        </p:nvSpPr>
+        <p:spPr/>
+        <p:txBody>
+          <a:bodyPr>
+            <a:normAutofit/>
+          </a:bodyPr>
+          <a:lstStyle/>
+          <a:p>
+            <a:r>
+              <a:rPr lang="en-US" sz="4000" b="1" dirty="0"/>
+              <a:t>First try</a:t>
+            </a:r>
+          </a:p>
+        </p:txBody>
+      </p:sp>
+      <p:sp>
+        <p:nvSpPr>
+          <p:cNvPr id="3" name="Content Placeholder 2">
+            <a:extLst>
+              <a:ext uri="{FF2B5EF4-FFF2-40B4-BE49-F238E27FC236}">
+                <a16:creationId xmlns:a16="http://schemas.microsoft.com/office/drawing/2014/main" id="{B6E4F4FA-10C6-3555-4347-2A7C54C24A03}"/>
+              </a:ext>
+            </a:extLst>
+          </p:cNvPr>
+          <p:cNvSpPr>
+            <a:spLocks noGrp="1"/>
+          </p:cNvSpPr>
+          <p:nvPr>
+            <p:ph idx="1"/>
+          </p:nvPr>
+        </p:nvSpPr>
+        <p:spPr/>
+        <p:txBody>
+          <a:bodyPr/>
+          <a:lstStyle/>
+          <a:p>
+            <a:r>
+              <a:rPr lang="en-US" dirty="0"/>
+              <a:t>Example responses:</a:t>
+            </a:r>
+          </a:p>
+          <a:p>
+            <a:pPr lvl="1"/>
+            <a:r>
+              <a:rPr lang="en-US" dirty="0"/>
+              <a:t>A very good product!</a:t>
+            </a:r>
+          </a:p>
+          <a:p>
+            <a:pPr lvl="1"/>
+            <a:r>
+              <a:rPr lang="en-US" dirty="0"/>
+              <a:t>Very bad. It crashes all the time!</a:t>
+            </a:r>
+          </a:p>
+        </p:txBody>
+      </p:sp>
+      <p:pic>
+        <p:nvPicPr>
+          <p:cNvPr id="5" name="Picture 4" descr="Text&#10;&#10;Description automatically generated">
+            <a:extLst>
+              <a:ext uri="{FF2B5EF4-FFF2-40B4-BE49-F238E27FC236}">
+                <a16:creationId xmlns:a16="http://schemas.microsoft.com/office/drawing/2014/main" id="{6594F754-F759-CC15-68F9-D1E4DE595482}"/>
+              </a:ext>
+            </a:extLst>
+          </p:cNvPr>
+          <p:cNvPicPr>
+            <a:picLocks noChangeAspect="1"/>
+          </p:cNvPicPr>
+          <p:nvPr/>
+        </p:nvPicPr>
+        <p:blipFill>
+          <a:blip r:embed="rId2"/>
+          <a:stretch>
+            <a:fillRect/>
+          </a:stretch>
+        </p:blipFill>
+        <p:spPr>
+          <a:xfrm>
+            <a:off x="1754398" y="3429000"/>
+            <a:ext cx="7772400" cy="2739537"/>
+          </a:xfrm>
+          <a:prstGeom prst="rect">
+            <a:avLst/>
+          </a:prstGeom>
+        </p:spPr>
+      </p:pic>
+    </p:spTree>
+    <p:extLst>
+      <p:ext uri="{BB962C8B-B14F-4D97-AF65-F5344CB8AC3E}">
+        <p14:creationId xmlns:p14="http://schemas.microsoft.com/office/powerpoint/2010/main" val="3029027369"/>
+      </p:ext>
+    </p:extLst>
+  </p:cSld>
+  <p:clrMapOvr>
+    <a:masterClrMapping/>
+  </p:clrMapOvr>
+</p:sld>
+</file>
+
+<file path=ppt/slides/slide19.xml><?xml version="1.0" encoding="utf-8"?>
+<p:sld xmlns:a="http://schemas.openxmlformats.org/drawingml/2006/main" xmlns:r="http://schemas.openxmlformats.org/officeDocument/2006/relationships" xmlns:p="http://schemas.openxmlformats.org/presentationml/2006/main">
+  <p:cSld>
+    <p:spTree>
+      <p:nvGrpSpPr>
+        <p:cNvPr id="1" name=""/>
+        <p:cNvGrpSpPr/>
+        <p:nvPr/>
+      </p:nvGrpSpPr>
+      <p:grpSpPr>
+        <a:xfrm>
+          <a:off x="0" y="0"/>
+          <a:ext cx="0" cy="0"/>
+          <a:chOff x="0" y="0"/>
+          <a:chExt cx="0" cy="0"/>
+        </a:xfrm>
+      </p:grpSpPr>
+      <p:sp>
+        <p:nvSpPr>
+          <p:cNvPr id="2" name="Title 1">
+            <a:extLst>
+              <a:ext uri="{FF2B5EF4-FFF2-40B4-BE49-F238E27FC236}">
+                <a16:creationId xmlns:a16="http://schemas.microsoft.com/office/drawing/2014/main" id="{2D3D2315-23B3-1759-72FC-D350462B235A}"/>
+              </a:ext>
+            </a:extLst>
+          </p:cNvPr>
+          <p:cNvSpPr>
+            <a:spLocks noGrp="1"/>
+          </p:cNvSpPr>
+          <p:nvPr>
+            <p:ph type="title"/>
+          </p:nvPr>
+        </p:nvSpPr>
+        <p:spPr/>
+        <p:txBody>
+          <a:bodyPr>
+            <a:normAutofit/>
+          </a:bodyPr>
+          <a:lstStyle/>
+          <a:p>
+            <a:r>
+              <a:rPr lang="en-US" sz="4000" b="1" dirty="0"/>
+              <a:t>Again, natural language is ambiguous</a:t>
+            </a:r>
+          </a:p>
+        </p:txBody>
+      </p:sp>
+      <p:sp>
+        <p:nvSpPr>
+          <p:cNvPr id="3" name="Content Placeholder 2">
+            <a:extLst>
+              <a:ext uri="{FF2B5EF4-FFF2-40B4-BE49-F238E27FC236}">
+                <a16:creationId xmlns:a16="http://schemas.microsoft.com/office/drawing/2014/main" id="{FA97805C-58D1-4364-C990-C4FEDBE1F8DE}"/>
+              </a:ext>
+            </a:extLst>
+          </p:cNvPr>
+          <p:cNvSpPr>
+            <a:spLocks noGrp="1"/>
+          </p:cNvSpPr>
+          <p:nvPr>
+            <p:ph idx="1"/>
+          </p:nvPr>
+        </p:nvSpPr>
+        <p:spPr/>
+        <p:txBody>
+          <a:bodyPr/>
+          <a:lstStyle/>
+          <a:p>
+            <a:r>
+              <a:rPr lang="en-US" dirty="0"/>
+              <a:t>The code filtered a decent amount of data</a:t>
+            </a:r>
+          </a:p>
+          <a:p>
+            <a:r>
+              <a:rPr lang="en-US" dirty="0"/>
+              <a:t>Alas, my code returns</a:t>
+            </a:r>
+          </a:p>
+          <a:p>
+            <a:pPr lvl="1"/>
+            <a:r>
+              <a:rPr lang="en-US" dirty="0"/>
+              <a:t>I can’t think of a single good reason to use this product: positive</a:t>
+            </a:r>
+          </a:p>
+          <a:p>
+            <a:pPr lvl="1"/>
+            <a:r>
+              <a:rPr lang="en-US" dirty="0"/>
+              <a:t>Not bad: negative</a:t>
+            </a:r>
+          </a:p>
+          <a:p>
+            <a:r>
+              <a:rPr lang="en-US" dirty="0"/>
+              <a:t>Right. Negation!</a:t>
+            </a:r>
+          </a:p>
+          <a:p>
+            <a:endParaRPr lang="en-US" dirty="0"/>
+          </a:p>
+        </p:txBody>
+      </p:sp>
+      <p:pic>
+        <p:nvPicPr>
+          <p:cNvPr id="5" name="Picture 4" descr="Text&#10;&#10;Description automatically generated">
+            <a:extLst>
+              <a:ext uri="{FF2B5EF4-FFF2-40B4-BE49-F238E27FC236}">
+                <a16:creationId xmlns:a16="http://schemas.microsoft.com/office/drawing/2014/main" id="{CAAEDD90-3F89-69CE-5248-53F5D71713E8}"/>
+              </a:ext>
+            </a:extLst>
+          </p:cNvPr>
+          <p:cNvPicPr>
+            <a:picLocks noChangeAspect="1"/>
+          </p:cNvPicPr>
+          <p:nvPr/>
+        </p:nvPicPr>
+        <p:blipFill>
+          <a:blip r:embed="rId2"/>
+          <a:stretch>
+            <a:fillRect/>
+          </a:stretch>
+        </p:blipFill>
+        <p:spPr>
+          <a:xfrm>
+            <a:off x="4737252" y="3429000"/>
+            <a:ext cx="6221953" cy="2971800"/>
+          </a:xfrm>
+          <a:prstGeom prst="rect">
+            <a:avLst/>
+          </a:prstGeom>
+        </p:spPr>
+      </p:pic>
+    </p:spTree>
+    <p:extLst>
+      <p:ext uri="{BB962C8B-B14F-4D97-AF65-F5344CB8AC3E}">
+        <p14:creationId xmlns:p14="http://schemas.microsoft.com/office/powerpoint/2010/main" val="448613818"/>
+      </p:ext>
+    </p:extLst>
+  </p:cSld>
+  <p:clrMapOvr>
+    <a:masterClrMapping/>
+  </p:clrMapOvr>
+</p:sld>
+</file>
+
+<file path=ppt/slides/slide2.xml><?xml version="1.0" encoding="utf-8"?>
+<p:sld xmlns:a="http://schemas.openxmlformats.org/drawingml/2006/main" xmlns:r="http://schemas.openxmlformats.org/officeDocument/2006/relationships" xmlns:p="http://schemas.openxmlformats.org/presentationml/2006/main">
+  <p:cSld>
+    <p:spTree>
+      <p:nvGrpSpPr>
+        <p:cNvPr id="1" name=""/>
+        <p:cNvGrpSpPr/>
+        <p:nvPr/>
+      </p:nvGrpSpPr>
+      <p:grpSpPr>
+        <a:xfrm>
+          <a:off x="0" y="0"/>
+          <a:ext cx="0" cy="0"/>
+          <a:chOff x="0" y="0"/>
+          <a:chExt cx="0" cy="0"/>
+        </a:xfrm>
+      </p:grpSpPr>
+      <p:sp>
+        <p:nvSpPr>
+          <p:cNvPr id="2" name="Title 1">
+            <a:extLst>
+              <a:ext uri="{FF2B5EF4-FFF2-40B4-BE49-F238E27FC236}">
+                <a16:creationId xmlns:a16="http://schemas.microsoft.com/office/drawing/2014/main" id="{8F850CDF-6E38-7770-A745-E9179D8F837E}"/>
+              </a:ext>
+            </a:extLst>
+          </p:cNvPr>
+          <p:cNvSpPr>
+            <a:spLocks noGrp="1"/>
+          </p:cNvSpPr>
+          <p:nvPr>
+            <p:ph type="title"/>
+          </p:nvPr>
+        </p:nvSpPr>
+        <p:spPr/>
+        <p:txBody>
+          <a:bodyPr/>
+          <a:lstStyle/>
+          <a:p>
+            <a:r>
+              <a:rPr lang="en-US" dirty="0"/>
+              <a:t>Course logistics</a:t>
+            </a:r>
+          </a:p>
+        </p:txBody>
+      </p:sp>
+      <p:sp>
+        <p:nvSpPr>
+          <p:cNvPr id="3" name="Content Placeholder 2">
+            <a:extLst>
+              <a:ext uri="{FF2B5EF4-FFF2-40B4-BE49-F238E27FC236}">
+                <a16:creationId xmlns:a16="http://schemas.microsoft.com/office/drawing/2014/main" id="{87709B21-0455-78C9-7427-C61729655BC6}"/>
+              </a:ext>
+            </a:extLst>
+          </p:cNvPr>
+          <p:cNvSpPr>
+            <a:spLocks noGrp="1"/>
+          </p:cNvSpPr>
+          <p:nvPr>
+            <p:ph idx="1"/>
+          </p:nvPr>
+        </p:nvSpPr>
+        <p:spPr/>
+        <p:txBody>
+          <a:bodyPr>
+            <a:normAutofit/>
+          </a:bodyPr>
+          <a:lstStyle/>
+          <a:p>
+            <a:r>
+              <a:rPr lang="en-US" sz="3600" dirty="0"/>
+              <a:t>Instructor: Yeabin Moon</a:t>
+            </a:r>
+          </a:p>
+          <a:p>
+            <a:r>
+              <a:rPr lang="en-US" sz="3600" dirty="0"/>
+              <a:t>Office hours: After class or online </a:t>
+            </a:r>
+          </a:p>
+          <a:p>
+            <a:pPr lvl="1"/>
+            <a:r>
+              <a:rPr lang="en-US" sz="3400" dirty="0"/>
+              <a:t> check the syllabus</a:t>
+            </a:r>
+          </a:p>
+          <a:p>
+            <a:r>
+              <a:rPr lang="en-US" sz="3600" dirty="0"/>
+              <a:t>Latte Page is the main correspondence</a:t>
+            </a:r>
+          </a:p>
+          <a:p>
+            <a:r>
+              <a:rPr lang="en-US" sz="3600" dirty="0"/>
+              <a:t>Lecture materials uploaded before each lecture</a:t>
+            </a:r>
+          </a:p>
+        </p:txBody>
+      </p:sp>
+    </p:spTree>
+    <p:extLst>
+      <p:ext uri="{BB962C8B-B14F-4D97-AF65-F5344CB8AC3E}">
+        <p14:creationId xmlns:p14="http://schemas.microsoft.com/office/powerpoint/2010/main" val="2391587928"/>
+      </p:ext>
+    </p:extLst>
+  </p:cSld>
+  <p:clrMapOvr>
+    <a:masterClrMapping/>
+  </p:clrMapOvr>
+</p:sld>
+</file>
+
+<file path=ppt/slides/slide20.xml><?xml version="1.0" encoding="utf-8"?>
+<p:sld xmlns:a="http://schemas.openxmlformats.org/drawingml/2006/main" xmlns:r="http://schemas.openxmlformats.org/officeDocument/2006/relationships" xmlns:p="http://schemas.openxmlformats.org/presentationml/2006/main">
+  <p:cSld>
+    <p:spTree>
+      <p:nvGrpSpPr>
+        <p:cNvPr id="1" name=""/>
+        <p:cNvGrpSpPr/>
+        <p:nvPr/>
+      </p:nvGrpSpPr>
+      <p:grpSpPr>
+        <a:xfrm>
+          <a:off x="0" y="0"/>
+          <a:ext cx="0" cy="0"/>
+          <a:chOff x="0" y="0"/>
+          <a:chExt cx="0" cy="0"/>
+        </a:xfrm>
+      </p:grpSpPr>
+      <p:sp>
+        <p:nvSpPr>
+          <p:cNvPr id="2" name="Title 1">
+            <a:extLst>
+              <a:ext uri="{FF2B5EF4-FFF2-40B4-BE49-F238E27FC236}">
+                <a16:creationId xmlns:a16="http://schemas.microsoft.com/office/drawing/2014/main" id="{8E9A6C1E-0CB8-98FC-38F2-E4DE03D59A91}"/>
+              </a:ext>
+            </a:extLst>
+          </p:cNvPr>
+          <p:cNvSpPr>
+            <a:spLocks noGrp="1"/>
+          </p:cNvSpPr>
+          <p:nvPr>
+            <p:ph type="title"/>
+          </p:nvPr>
+        </p:nvSpPr>
+        <p:spPr/>
+        <p:txBody>
+          <a:bodyPr>
+            <a:normAutofit/>
+          </a:bodyPr>
+          <a:lstStyle/>
+          <a:p>
+            <a:r>
+              <a:rPr lang="en-US" sz="4000" dirty="0"/>
+              <a:t>….</a:t>
+            </a:r>
+          </a:p>
+        </p:txBody>
+      </p:sp>
+      <p:sp>
+        <p:nvSpPr>
+          <p:cNvPr id="3" name="Content Placeholder 2">
+            <a:extLst>
+              <a:ext uri="{FF2B5EF4-FFF2-40B4-BE49-F238E27FC236}">
+                <a16:creationId xmlns:a16="http://schemas.microsoft.com/office/drawing/2014/main" id="{FF0BA8B3-81F0-47F2-7B66-C3E9176E422A}"/>
+              </a:ext>
+            </a:extLst>
+          </p:cNvPr>
+          <p:cNvSpPr>
+            <a:spLocks noGrp="1"/>
+          </p:cNvSpPr>
+          <p:nvPr>
+            <p:ph idx="1"/>
+          </p:nvPr>
+        </p:nvSpPr>
+        <p:spPr/>
+        <p:txBody>
+          <a:bodyPr>
+            <a:normAutofit/>
+          </a:bodyPr>
+          <a:lstStyle/>
+          <a:p>
+            <a:pPr>
+              <a:lnSpc>
+                <a:spcPct val="150000"/>
+              </a:lnSpc>
+            </a:pPr>
+            <a:r>
+              <a:rPr lang="en-US" dirty="0"/>
+              <a:t>The product is not only cheap but also very good!: negative</a:t>
+            </a:r>
+          </a:p>
+          <a:p>
+            <a:pPr>
+              <a:lnSpc>
+                <a:spcPct val="150000"/>
+              </a:lnSpc>
+            </a:pPr>
+            <a:r>
+              <a:rPr lang="en-US" dirty="0"/>
+              <a:t>Worse</a:t>
+            </a:r>
+          </a:p>
+          <a:p>
+            <a:pPr lvl="1">
+              <a:lnSpc>
+                <a:spcPct val="150000"/>
+              </a:lnSpc>
+            </a:pPr>
+            <a:r>
+              <a:rPr lang="en-US" dirty="0"/>
+              <a:t>I always wanted this feature badly!</a:t>
+            </a:r>
+          </a:p>
+          <a:p>
+            <a:pPr lvl="1">
+              <a:lnSpc>
+                <a:spcPct val="150000"/>
+              </a:lnSpc>
+            </a:pPr>
+            <a:r>
+              <a:rPr lang="en-US" dirty="0"/>
+              <a:t>It’s very badly made</a:t>
+            </a:r>
+          </a:p>
+          <a:p>
+            <a:pPr>
+              <a:lnSpc>
+                <a:spcPct val="150000"/>
+              </a:lnSpc>
+            </a:pPr>
+            <a:r>
+              <a:rPr lang="en-US" dirty="0"/>
+              <a:t>How could a single word in a language have two completely opposite meanings?</a:t>
+            </a:r>
+          </a:p>
+          <a:p>
+            <a:pPr>
+              <a:lnSpc>
+                <a:spcPct val="150000"/>
+              </a:lnSpc>
+            </a:pPr>
+            <a:r>
+              <a:rPr lang="en-US" dirty="0"/>
+              <a:t>This course will save you</a:t>
+            </a:r>
+          </a:p>
+        </p:txBody>
+      </p:sp>
+    </p:spTree>
+    <p:extLst>
+      <p:ext uri="{BB962C8B-B14F-4D97-AF65-F5344CB8AC3E}">
+        <p14:creationId xmlns:p14="http://schemas.microsoft.com/office/powerpoint/2010/main" val="3314590581"/>
+      </p:ext>
+    </p:extLst>
+  </p:cSld>
+  <p:clrMapOvr>
+    <a:masterClrMapping/>
+  </p:clrMapOvr>
+</p:sld>
+</file>
+
+<file path=ppt/slides/slide21.xml><?xml version="1.0" encoding="utf-8"?>
+<p:sld xmlns:a="http://schemas.openxmlformats.org/drawingml/2006/main" xmlns:r="http://schemas.openxmlformats.org/officeDocument/2006/relationships" xmlns:p="http://schemas.openxmlformats.org/presentationml/2006/main">
+  <p:cSld>
+    <p:spTree>
+      <p:nvGrpSpPr>
+        <p:cNvPr id="1" name=""/>
+        <p:cNvGrpSpPr/>
+        <p:nvPr/>
+      </p:nvGrpSpPr>
+      <p:grpSpPr>
+        <a:xfrm>
+          <a:off x="0" y="0"/>
+          <a:ext cx="0" cy="0"/>
+          <a:chOff x="0" y="0"/>
+          <a:chExt cx="0" cy="0"/>
+        </a:xfrm>
+      </p:grpSpPr>
+      <p:sp>
+        <p:nvSpPr>
+          <p:cNvPr id="2" name="Title 1">
+            <a:extLst>
+              <a:ext uri="{FF2B5EF4-FFF2-40B4-BE49-F238E27FC236}">
+                <a16:creationId xmlns:a16="http://schemas.microsoft.com/office/drawing/2014/main" id="{56BA7E2B-EC60-0BE6-D013-D3AC844A1CFC}"/>
+              </a:ext>
+            </a:extLst>
+          </p:cNvPr>
+          <p:cNvSpPr>
+            <a:spLocks noGrp="1"/>
+          </p:cNvSpPr>
+          <p:nvPr>
+            <p:ph type="title"/>
+          </p:nvPr>
+        </p:nvSpPr>
+        <p:spPr/>
+        <p:txBody>
+          <a:bodyPr>
+            <a:normAutofit/>
+          </a:bodyPr>
+          <a:lstStyle/>
+          <a:p>
+            <a:r>
+              <a:rPr lang="en-US" sz="4000" dirty="0"/>
+              <a:t>This course will save you?</a:t>
+            </a:r>
+          </a:p>
+        </p:txBody>
+      </p:sp>
+      <p:sp>
+        <p:nvSpPr>
+          <p:cNvPr id="3" name="Content Placeholder 2">
+            <a:extLst>
+              <a:ext uri="{FF2B5EF4-FFF2-40B4-BE49-F238E27FC236}">
+                <a16:creationId xmlns:a16="http://schemas.microsoft.com/office/drawing/2014/main" id="{00CC05FF-E33D-CE8D-1A4B-118F6B5CC56B}"/>
+              </a:ext>
+            </a:extLst>
+          </p:cNvPr>
+          <p:cNvSpPr>
+            <a:spLocks noGrp="1"/>
+          </p:cNvSpPr>
+          <p:nvPr>
+            <p:ph idx="1"/>
+          </p:nvPr>
+        </p:nvSpPr>
+        <p:spPr/>
+        <p:txBody>
+          <a:bodyPr/>
+          <a:lstStyle/>
+          <a:p>
+            <a:pPr>
+              <a:lnSpc>
+                <a:spcPct val="200000"/>
+              </a:lnSpc>
+            </a:pPr>
+            <a:r>
+              <a:rPr lang="en-US" dirty="0"/>
+              <a:t>What does it mean? Another ambiguity</a:t>
+            </a:r>
+          </a:p>
+          <a:p>
+            <a:pPr>
+              <a:lnSpc>
+                <a:spcPct val="200000"/>
+              </a:lnSpc>
+            </a:pPr>
+            <a:r>
+              <a:rPr lang="en-US" dirty="0"/>
+              <a:t>This course will save you because it will teach you either</a:t>
+            </a:r>
+          </a:p>
+          <a:p>
+            <a:pPr marL="914400" lvl="1" indent="-457200">
+              <a:lnSpc>
+                <a:spcPct val="200000"/>
+              </a:lnSpc>
+              <a:buFont typeface="+mj-lt"/>
+              <a:buAutoNum type="arabicPeriod"/>
+            </a:pPr>
+            <a:r>
+              <a:rPr lang="en-US" dirty="0"/>
+              <a:t>How to deal with the problems described above</a:t>
+            </a:r>
+          </a:p>
+          <a:p>
+            <a:pPr marL="914400" lvl="1" indent="-457200">
+              <a:lnSpc>
+                <a:spcPct val="200000"/>
+              </a:lnSpc>
+              <a:buFont typeface="+mj-lt"/>
+              <a:buAutoNum type="arabicPeriod"/>
+            </a:pPr>
+            <a:r>
+              <a:rPr lang="en-US" dirty="0"/>
+              <a:t>They are impossible to solve</a:t>
+            </a:r>
+          </a:p>
+          <a:p>
+            <a:pPr marL="914400" lvl="1" indent="-457200">
+              <a:lnSpc>
+                <a:spcPct val="200000"/>
+              </a:lnSpc>
+              <a:buFont typeface="+mj-lt"/>
+              <a:buAutoNum type="arabicPeriod"/>
+            </a:pPr>
+            <a:endParaRPr lang="en-US" dirty="0"/>
+          </a:p>
+          <a:p>
+            <a:pPr marL="457200" lvl="1" indent="0">
+              <a:lnSpc>
+                <a:spcPct val="200000"/>
+              </a:lnSpc>
+              <a:buNone/>
+            </a:pPr>
+            <a:endParaRPr lang="en-US" dirty="0"/>
+          </a:p>
+        </p:txBody>
+      </p:sp>
+    </p:spTree>
+    <p:extLst>
+      <p:ext uri="{BB962C8B-B14F-4D97-AF65-F5344CB8AC3E}">
+        <p14:creationId xmlns:p14="http://schemas.microsoft.com/office/powerpoint/2010/main" val="685518037"/>
+      </p:ext>
+    </p:extLst>
+  </p:cSld>
+  <p:clrMapOvr>
+    <a:masterClrMapping/>
+  </p:clrMapOvr>
+</p:sld>
+</file>
+
+<file path=ppt/slides/slide22.xml><?xml version="1.0" encoding="utf-8"?>
+<p:sld xmlns:a="http://schemas.openxmlformats.org/drawingml/2006/main" xmlns:r="http://schemas.openxmlformats.org/officeDocument/2006/relationships" xmlns:p="http://schemas.openxmlformats.org/presentationml/2006/main">
+  <p:cSld>
+    <p:spTree>
+      <p:nvGrpSpPr>
+        <p:cNvPr id="1" name=""/>
+        <p:cNvGrpSpPr/>
+        <p:nvPr/>
+      </p:nvGrpSpPr>
+      <p:grpSpPr>
+        <a:xfrm>
+          <a:off x="0" y="0"/>
+          <a:ext cx="0" cy="0"/>
+          <a:chOff x="0" y="0"/>
+          <a:chExt cx="0" cy="0"/>
+        </a:xfrm>
+      </p:grpSpPr>
+      <p:sp>
+        <p:nvSpPr>
+          <p:cNvPr id="3" name="Content Placeholder 2">
+            <a:extLst>
+              <a:ext uri="{FF2B5EF4-FFF2-40B4-BE49-F238E27FC236}">
+                <a16:creationId xmlns:a16="http://schemas.microsoft.com/office/drawing/2014/main" id="{B81B45E4-C338-ECDB-E4BE-E6D44B3C42F1}"/>
+              </a:ext>
+            </a:extLst>
+          </p:cNvPr>
+          <p:cNvSpPr>
+            <a:spLocks noGrp="1"/>
+          </p:cNvSpPr>
+          <p:nvPr>
+            <p:ph idx="1"/>
+          </p:nvPr>
+        </p:nvSpPr>
+        <p:spPr>
+          <a:xfrm>
+            <a:off x="838200" y="1142454"/>
+            <a:ext cx="10515600" cy="4351338"/>
+          </a:xfrm>
+        </p:spPr>
+        <p:txBody>
+          <a:bodyPr anchor="ctr">
+            <a:normAutofit/>
+          </a:bodyPr>
+          <a:lstStyle/>
+          <a:p>
+            <a:pPr marL="0" indent="0" algn="ctr">
+              <a:buNone/>
+            </a:pPr>
+            <a:r>
+              <a:rPr lang="en-US" sz="7200" dirty="0"/>
+              <a:t>Information Retrieval</a:t>
+            </a:r>
+          </a:p>
+        </p:txBody>
+      </p:sp>
+    </p:spTree>
+    <p:extLst>
+      <p:ext uri="{BB962C8B-B14F-4D97-AF65-F5344CB8AC3E}">
+        <p14:creationId xmlns:p14="http://schemas.microsoft.com/office/powerpoint/2010/main" val="595313926"/>
+      </p:ext>
+    </p:extLst>
+  </p:cSld>
+  <p:clrMapOvr>
+    <a:masterClrMapping/>
+  </p:clrMapOvr>
+</p:sld>
+</file>
+
+<file path=ppt/slides/slide23.xml><?xml version="1.0" encoding="utf-8"?>
+<p:sld xmlns:a="http://schemas.openxmlformats.org/drawingml/2006/main" xmlns:r="http://schemas.openxmlformats.org/officeDocument/2006/relationships" xmlns:p="http://schemas.openxmlformats.org/presentationml/2006/main">
+  <p:cSld>
+    <p:spTree>
+      <p:nvGrpSpPr>
+        <p:cNvPr id="1" name=""/>
+        <p:cNvGrpSpPr/>
+        <p:nvPr/>
+      </p:nvGrpSpPr>
+      <p:grpSpPr>
+        <a:xfrm>
+          <a:off x="0" y="0"/>
+          <a:ext cx="0" cy="0"/>
+          <a:chOff x="0" y="0"/>
+          <a:chExt cx="0" cy="0"/>
+        </a:xfrm>
+      </p:grpSpPr>
+      <p:pic>
+        <p:nvPicPr>
+          <p:cNvPr id="1026" name="Picture 2">
+            <a:extLst>
+              <a:ext uri="{FF2B5EF4-FFF2-40B4-BE49-F238E27FC236}">
+                <a16:creationId xmlns:a16="http://schemas.microsoft.com/office/drawing/2014/main" id="{6D039CC7-D6D3-E0B6-B127-67459A3C48D8}"/>
+              </a:ext>
+            </a:extLst>
+          </p:cNvPr>
+          <p:cNvPicPr>
+            <a:picLocks noGrp="1" noChangeAspect="1" noChangeArrowheads="1"/>
+          </p:cNvPicPr>
+          <p:nvPr>
+            <p:ph idx="1"/>
+          </p:nvPr>
+        </p:nvPicPr>
+        <p:blipFill>
+          <a:blip r:embed="rId2">
+            <a:extLst>
+              <a:ext uri="{28A0092B-C50C-407E-A947-70E740481C1C}">
+                <a14:useLocalDpi xmlns:a14="http://schemas.microsoft.com/office/drawing/2010/main" val="0"/>
+              </a:ext>
+            </a:extLst>
+          </a:blip>
+          <a:srcRect/>
+          <a:stretch>
+            <a:fillRect/>
+          </a:stretch>
+        </p:blipFill>
+        <p:spPr bwMode="auto">
+          <a:xfrm>
+            <a:off x="2534716" y="1087395"/>
+            <a:ext cx="7122568" cy="4487218"/>
+          </a:xfrm>
+          <a:prstGeom prst="rect">
+            <a:avLst/>
+          </a:prstGeom>
+          <a:noFill/>
+          <a:extLst>
+            <a:ext uri="{909E8E84-426E-40DD-AFC4-6F175D3DCCD1}">
+              <a14:hiddenFill xmlns:a14="http://schemas.microsoft.com/office/drawing/2010/main">
+                <a:solidFill>
+                  <a:srgbClr val="FFFFFF"/>
+                </a:solidFill>
+              </a14:hiddenFill>
+            </a:ext>
+          </a:extLst>
+        </p:spPr>
+      </p:pic>
+    </p:spTree>
+    <p:extLst>
+      <p:ext uri="{BB962C8B-B14F-4D97-AF65-F5344CB8AC3E}">
+        <p14:creationId xmlns:p14="http://schemas.microsoft.com/office/powerpoint/2010/main" val="1314227147"/>
+      </p:ext>
+    </p:extLst>
+  </p:cSld>
+  <p:clrMapOvr>
+    <a:masterClrMapping/>
+  </p:clrMapOvr>
+</p:sld>
+</file>
+
+<file path=ppt/slides/slide24.xml><?xml version="1.0" encoding="utf-8"?>
+<p:sld xmlns:a="http://schemas.openxmlformats.org/drawingml/2006/main" xmlns:r="http://schemas.openxmlformats.org/officeDocument/2006/relationships" xmlns:p="http://schemas.openxmlformats.org/presentationml/2006/main">
+  <p:cSld>
+    <p:spTree>
+      <p:nvGrpSpPr>
+        <p:cNvPr id="1" name=""/>
+        <p:cNvGrpSpPr/>
+        <p:nvPr/>
+      </p:nvGrpSpPr>
+      <p:grpSpPr>
+        <a:xfrm>
+          <a:off x="0" y="0"/>
+          <a:ext cx="0" cy="0"/>
+          <a:chOff x="0" y="0"/>
+          <a:chExt cx="0" cy="0"/>
+        </a:xfrm>
+      </p:grpSpPr>
+      <p:sp>
+        <p:nvSpPr>
+          <p:cNvPr id="3" name="Content Placeholder 2">
+            <a:extLst>
+              <a:ext uri="{FF2B5EF4-FFF2-40B4-BE49-F238E27FC236}">
+                <a16:creationId xmlns:a16="http://schemas.microsoft.com/office/drawing/2014/main" id="{4FE0D083-73B1-B7E7-23C1-F3D28B2B59E5}"/>
+              </a:ext>
+            </a:extLst>
+          </p:cNvPr>
+          <p:cNvSpPr>
+            <a:spLocks noGrp="1"/>
+          </p:cNvSpPr>
+          <p:nvPr>
+            <p:ph idx="1"/>
+          </p:nvPr>
+        </p:nvSpPr>
+        <p:spPr>
+          <a:xfrm>
+            <a:off x="1069848" y="605481"/>
+            <a:ext cx="10058400" cy="5566719"/>
+          </a:xfrm>
+        </p:spPr>
+        <p:txBody>
+          <a:bodyPr>
+            <a:normAutofit fontScale="85000" lnSpcReduction="20000"/>
+          </a:bodyPr>
+          <a:lstStyle/>
+          <a:p>
+            <a:pPr>
+              <a:lnSpc>
+                <a:spcPct val="150000"/>
+              </a:lnSpc>
+            </a:pPr>
+            <a:r>
+              <a:rPr lang="en-US" sz="3600" dirty="0"/>
+              <a:t>Information retrieval can money</a:t>
+            </a:r>
+          </a:p>
+          <a:p>
+            <a:pPr lvl="1">
+              <a:lnSpc>
+                <a:spcPct val="150000"/>
+              </a:lnSpc>
+            </a:pPr>
+            <a:r>
+              <a:rPr lang="en-US" sz="3200" dirty="0"/>
+              <a:t>Search engines are the most visited websites in most countries</a:t>
+            </a:r>
+          </a:p>
+          <a:p>
+            <a:pPr lvl="2">
+              <a:lnSpc>
+                <a:spcPct val="150000"/>
+              </a:lnSpc>
+            </a:pPr>
+            <a:r>
+              <a:rPr lang="en-US" sz="3200" dirty="0"/>
+              <a:t>Google, Bing, Baidu, Yahoo, AOL, Naver</a:t>
+            </a:r>
+          </a:p>
+          <a:p>
+            <a:pPr lvl="1">
+              <a:lnSpc>
+                <a:spcPct val="150000"/>
+              </a:lnSpc>
+            </a:pPr>
+            <a:r>
+              <a:rPr lang="en-US" sz="3200" dirty="0"/>
+              <a:t>Discussion platforms</a:t>
+            </a:r>
+          </a:p>
+          <a:p>
+            <a:pPr lvl="2">
+              <a:lnSpc>
+                <a:spcPct val="150000"/>
+              </a:lnSpc>
+            </a:pPr>
+            <a:r>
+              <a:rPr lang="en-US" sz="3200" dirty="0"/>
+              <a:t>Reddit, Quora, Stack Exchange</a:t>
+            </a:r>
+          </a:p>
+          <a:p>
+            <a:pPr lvl="1">
+              <a:lnSpc>
+                <a:spcPct val="150000"/>
+              </a:lnSpc>
+            </a:pPr>
+            <a:r>
+              <a:rPr lang="en-US" sz="3400" dirty="0"/>
+              <a:t>Shared knowledge</a:t>
+            </a:r>
+          </a:p>
+          <a:p>
+            <a:pPr lvl="2">
+              <a:lnSpc>
+                <a:spcPct val="150000"/>
+              </a:lnSpc>
+            </a:pPr>
+            <a:r>
+              <a:rPr lang="en-US" sz="3200" dirty="0"/>
+              <a:t>Wikipedia </a:t>
+            </a:r>
+          </a:p>
+          <a:p>
+            <a:pPr lvl="2">
+              <a:lnSpc>
+                <a:spcPct val="150000"/>
+              </a:lnSpc>
+            </a:pPr>
+            <a:r>
+              <a:rPr lang="en-US" sz="3200" dirty="0"/>
+              <a:t>Have you heard of Britannica?</a:t>
+            </a:r>
+          </a:p>
+          <a:p>
+            <a:pPr>
+              <a:lnSpc>
+                <a:spcPct val="150000"/>
+              </a:lnSpc>
+            </a:pPr>
+            <a:endParaRPr lang="en-US" sz="3600" dirty="0"/>
+          </a:p>
+        </p:txBody>
+      </p:sp>
+    </p:spTree>
+    <p:extLst>
+      <p:ext uri="{BB962C8B-B14F-4D97-AF65-F5344CB8AC3E}">
+        <p14:creationId xmlns:p14="http://schemas.microsoft.com/office/powerpoint/2010/main" val="4077176889"/>
+      </p:ext>
+    </p:extLst>
+  </p:cSld>
+  <p:clrMapOvr>
+    <a:masterClrMapping/>
+  </p:clrMapOvr>
+</p:sld>
+</file>
+
+<file path=ppt/slides/slide25.xml><?xml version="1.0" encoding="utf-8"?>
+<p:sld xmlns:a="http://schemas.openxmlformats.org/drawingml/2006/main" xmlns:r="http://schemas.openxmlformats.org/officeDocument/2006/relationships" xmlns:p="http://schemas.openxmlformats.org/presentationml/2006/main">
+  <p:cSld>
+    <p:spTree>
+      <p:nvGrpSpPr>
+        <p:cNvPr id="1" name=""/>
+        <p:cNvGrpSpPr/>
+        <p:nvPr/>
+      </p:nvGrpSpPr>
+      <p:grpSpPr>
+        <a:xfrm>
+          <a:off x="0" y="0"/>
+          <a:ext cx="0" cy="0"/>
+          <a:chOff x="0" y="0"/>
+          <a:chExt cx="0" cy="0"/>
+        </a:xfrm>
+      </p:grpSpPr>
+      <p:sp>
+        <p:nvSpPr>
+          <p:cNvPr id="2" name="Title 1">
+            <a:extLst>
+              <a:ext uri="{FF2B5EF4-FFF2-40B4-BE49-F238E27FC236}">
+                <a16:creationId xmlns:a16="http://schemas.microsoft.com/office/drawing/2014/main" id="{E988DED7-F7B4-9190-428C-9A10CDEC40DC}"/>
+              </a:ext>
+            </a:extLst>
+          </p:cNvPr>
+          <p:cNvSpPr>
+            <a:spLocks noGrp="1"/>
+          </p:cNvSpPr>
+          <p:nvPr>
+            <p:ph type="title"/>
+          </p:nvPr>
+        </p:nvSpPr>
+        <p:spPr/>
+        <p:txBody>
+          <a:bodyPr/>
+          <a:lstStyle/>
+          <a:p>
+            <a:r>
+              <a:rPr lang="en-US" dirty="0"/>
+              <a:t>We start here</a:t>
+            </a:r>
+          </a:p>
+        </p:txBody>
+      </p:sp>
+      <p:sp>
+        <p:nvSpPr>
+          <p:cNvPr id="3" name="Content Placeholder 2">
+            <a:extLst>
+              <a:ext uri="{FF2B5EF4-FFF2-40B4-BE49-F238E27FC236}">
+                <a16:creationId xmlns:a16="http://schemas.microsoft.com/office/drawing/2014/main" id="{A22AC53A-D712-300F-E3B7-91292EF0D8B6}"/>
+              </a:ext>
+            </a:extLst>
+          </p:cNvPr>
+          <p:cNvSpPr>
+            <a:spLocks noGrp="1"/>
+          </p:cNvSpPr>
+          <p:nvPr>
+            <p:ph idx="1"/>
+          </p:nvPr>
+        </p:nvSpPr>
+        <p:spPr/>
+        <p:txBody>
+          <a:bodyPr>
+            <a:normAutofit lnSpcReduction="10000"/>
+          </a:bodyPr>
+          <a:lstStyle/>
+          <a:p>
+            <a:pPr>
+              <a:lnSpc>
+                <a:spcPct val="150000"/>
+              </a:lnSpc>
+            </a:pPr>
+            <a:r>
+              <a:rPr lang="en-US" sz="3200" dirty="0"/>
+              <a:t>Why IR?</a:t>
+            </a:r>
+          </a:p>
+          <a:p>
+            <a:pPr>
+              <a:lnSpc>
+                <a:spcPct val="150000"/>
+              </a:lnSpc>
+            </a:pPr>
+            <a:r>
+              <a:rPr lang="en-US" sz="3200" dirty="0"/>
+              <a:t>Simple to understand </a:t>
+            </a:r>
+          </a:p>
+          <a:p>
+            <a:pPr lvl="1">
+              <a:lnSpc>
+                <a:spcPct val="150000"/>
+              </a:lnSpc>
+            </a:pPr>
+            <a:r>
+              <a:rPr lang="en-US" sz="2800" dirty="0"/>
+              <a:t>But hard to implement</a:t>
+            </a:r>
+          </a:p>
+          <a:p>
+            <a:pPr>
+              <a:lnSpc>
+                <a:spcPct val="150000"/>
+              </a:lnSpc>
+            </a:pPr>
+            <a:r>
+              <a:rPr lang="en-US" sz="3200" dirty="0"/>
+              <a:t>Important to the world</a:t>
+            </a:r>
+          </a:p>
+          <a:p>
+            <a:pPr>
+              <a:lnSpc>
+                <a:spcPct val="150000"/>
+              </a:lnSpc>
+            </a:pPr>
+            <a:r>
+              <a:rPr lang="en-US" sz="3200" dirty="0"/>
+              <a:t>Building block for the course project</a:t>
+            </a:r>
+          </a:p>
+        </p:txBody>
+      </p:sp>
+    </p:spTree>
+    <p:extLst>
+      <p:ext uri="{BB962C8B-B14F-4D97-AF65-F5344CB8AC3E}">
+        <p14:creationId xmlns:p14="http://schemas.microsoft.com/office/powerpoint/2010/main" val="373580454"/>
+      </p:ext>
+    </p:extLst>
+  </p:cSld>
+  <p:clrMapOvr>
+    <a:masterClrMapping/>
+  </p:clrMapOvr>
+</p:sld>
+</file>
+
+<file path=ppt/slides/slide26.xml><?xml version="1.0" encoding="utf-8"?>
+<p:sld xmlns:a="http://schemas.openxmlformats.org/drawingml/2006/main" xmlns:r="http://schemas.openxmlformats.org/officeDocument/2006/relationships" xmlns:p="http://schemas.openxmlformats.org/presentationml/2006/main">
+  <p:cSld>
+    <p:spTree>
+      <p:nvGrpSpPr>
+        <p:cNvPr id="1" name=""/>
+        <p:cNvGrpSpPr/>
+        <p:nvPr/>
+      </p:nvGrpSpPr>
+      <p:grpSpPr>
+        <a:xfrm>
+          <a:off x="0" y="0"/>
+          <a:ext cx="0" cy="0"/>
+          <a:chOff x="0" y="0"/>
+          <a:chExt cx="0" cy="0"/>
+        </a:xfrm>
+      </p:grpSpPr>
+      <p:sp>
+        <p:nvSpPr>
+          <p:cNvPr id="2" name="Title 1">
+            <a:extLst>
+              <a:ext uri="{FF2B5EF4-FFF2-40B4-BE49-F238E27FC236}">
+                <a16:creationId xmlns:a16="http://schemas.microsoft.com/office/drawing/2014/main" id="{4A6ED1D4-15CD-2A49-56F1-3E5600A8C365}"/>
+              </a:ext>
+            </a:extLst>
+          </p:cNvPr>
+          <p:cNvSpPr>
+            <a:spLocks noGrp="1"/>
+          </p:cNvSpPr>
+          <p:nvPr>
+            <p:ph type="title"/>
+          </p:nvPr>
+        </p:nvSpPr>
+        <p:spPr/>
+        <p:txBody>
+          <a:bodyPr/>
+          <a:lstStyle/>
+          <a:p>
+            <a:endParaRPr lang="en-US" dirty="0"/>
+          </a:p>
+        </p:txBody>
+      </p:sp>
+      <p:sp>
+        <p:nvSpPr>
+          <p:cNvPr id="3" name="Content Placeholder 2">
+            <a:extLst>
+              <a:ext uri="{FF2B5EF4-FFF2-40B4-BE49-F238E27FC236}">
+                <a16:creationId xmlns:a16="http://schemas.microsoft.com/office/drawing/2014/main" id="{96EE5C26-27B8-EB94-53D0-8A6655388FF6}"/>
+              </a:ext>
+            </a:extLst>
+          </p:cNvPr>
+          <p:cNvSpPr>
+            <a:spLocks noGrp="1"/>
+          </p:cNvSpPr>
+          <p:nvPr>
+            <p:ph idx="1"/>
+          </p:nvPr>
+        </p:nvSpPr>
+        <p:spPr/>
+        <p:txBody>
+          <a:bodyPr>
+            <a:normAutofit/>
+          </a:bodyPr>
+          <a:lstStyle/>
+          <a:p>
+            <a:r>
+              <a:rPr lang="en-US" sz="2800" i="1" dirty="0"/>
+              <a:t>Information retrieval is finding material (usually documents) of an unstructured nature (usually text) that satisfies an information need from within large collections (usually stored on computers)</a:t>
+            </a:r>
+          </a:p>
+          <a:p>
+            <a:endParaRPr lang="en-US" sz="2800" i="1" dirty="0"/>
+          </a:p>
+          <a:p>
+            <a:endParaRPr lang="en-US" sz="2800" dirty="0"/>
+          </a:p>
+        </p:txBody>
+      </p:sp>
+    </p:spTree>
+    <p:extLst>
+      <p:ext uri="{BB962C8B-B14F-4D97-AF65-F5344CB8AC3E}">
+        <p14:creationId xmlns:p14="http://schemas.microsoft.com/office/powerpoint/2010/main" val="3144208507"/>
+      </p:ext>
+    </p:extLst>
+  </p:cSld>
+  <p:clrMapOvr>
+    <a:masterClrMapping/>
+  </p:clrMapOvr>
+</p:sld>
+</file>
+
+<file path=ppt/slides/slide27.xml><?xml version="1.0" encoding="utf-8"?>
+<p:sld xmlns:a="http://schemas.openxmlformats.org/drawingml/2006/main" xmlns:r="http://schemas.openxmlformats.org/officeDocument/2006/relationships" xmlns:p="http://schemas.openxmlformats.org/presentationml/2006/main">
+  <p:cSld>
+    <p:spTree>
+      <p:nvGrpSpPr>
+        <p:cNvPr id="1" name=""/>
+        <p:cNvGrpSpPr/>
+        <p:nvPr/>
+      </p:nvGrpSpPr>
+      <p:grpSpPr>
+        <a:xfrm>
+          <a:off x="0" y="0"/>
+          <a:ext cx="0" cy="0"/>
+          <a:chOff x="0" y="0"/>
+          <a:chExt cx="0" cy="0"/>
+        </a:xfrm>
+      </p:grpSpPr>
+      <p:sp>
+        <p:nvSpPr>
+          <p:cNvPr id="3" name="Content Placeholder 2">
+            <a:extLst>
+              <a:ext uri="{FF2B5EF4-FFF2-40B4-BE49-F238E27FC236}">
+                <a16:creationId xmlns:a16="http://schemas.microsoft.com/office/drawing/2014/main" id="{4FE0D083-73B1-B7E7-23C1-F3D28B2B59E5}"/>
+              </a:ext>
+            </a:extLst>
+          </p:cNvPr>
+          <p:cNvSpPr>
+            <a:spLocks noGrp="1"/>
+          </p:cNvSpPr>
+          <p:nvPr>
+            <p:ph idx="1"/>
+          </p:nvPr>
+        </p:nvSpPr>
+        <p:spPr>
+          <a:xfrm>
+            <a:off x="1069848" y="605481"/>
+            <a:ext cx="10058400" cy="5566719"/>
+          </a:xfrm>
+        </p:spPr>
+        <p:txBody>
+          <a:bodyPr>
+            <a:normAutofit/>
+          </a:bodyPr>
+          <a:lstStyle/>
+          <a:p>
+            <a:r>
+              <a:rPr lang="en-US" sz="3600" dirty="0"/>
+              <a:t>Suppose you want to learn </a:t>
+            </a:r>
+            <a:r>
+              <a:rPr lang="en-US" sz="3600" i="1" dirty="0"/>
+              <a:t>Gradient Descent</a:t>
+            </a:r>
+          </a:p>
+          <a:p>
+            <a:r>
+              <a:rPr lang="en-US" sz="3600" dirty="0"/>
+              <a:t>Suppose you love a textbook treatment</a:t>
+            </a:r>
+          </a:p>
+          <a:p>
+            <a:pPr marL="2271400" lvl="8" indent="0">
+              <a:buNone/>
+            </a:pPr>
+            <a:endParaRPr lang="en-US" sz="3200" dirty="0"/>
+          </a:p>
+          <a:p>
+            <a:pPr lvl="8"/>
+            <a:r>
+              <a:rPr lang="en-US" sz="3200" dirty="0"/>
+              <a:t>       Control + F: </a:t>
+            </a:r>
+            <a:r>
+              <a:rPr lang="en-US" sz="3200" i="1" dirty="0"/>
+              <a:t>Gradient Descent</a:t>
+            </a:r>
+          </a:p>
+        </p:txBody>
+      </p:sp>
+      <p:pic>
+        <p:nvPicPr>
+          <p:cNvPr id="2" name="Content Placeholder 4" descr="A picture containing text, screenshot, font, graphic design&#10;&#10;Description automatically generated">
+            <a:extLst>
+              <a:ext uri="{FF2B5EF4-FFF2-40B4-BE49-F238E27FC236}">
+                <a16:creationId xmlns:a16="http://schemas.microsoft.com/office/drawing/2014/main" id="{DD6D5751-D8D7-077B-B7D1-6AD5DD9B456F}"/>
+              </a:ext>
+            </a:extLst>
+          </p:cNvPr>
+          <p:cNvPicPr>
+            <a:picLocks noChangeAspect="1"/>
+          </p:cNvPicPr>
+          <p:nvPr/>
+        </p:nvPicPr>
+        <p:blipFill>
+          <a:blip r:embed="rId2"/>
+          <a:stretch>
+            <a:fillRect/>
+          </a:stretch>
+        </p:blipFill>
+        <p:spPr>
+          <a:xfrm>
+            <a:off x="1546477" y="2141624"/>
+            <a:ext cx="2335425" cy="3945498"/>
+          </a:xfrm>
+          <a:prstGeom prst="rect">
+            <a:avLst/>
+          </a:prstGeom>
+        </p:spPr>
+      </p:pic>
+    </p:spTree>
+    <p:extLst>
+      <p:ext uri="{BB962C8B-B14F-4D97-AF65-F5344CB8AC3E}">
+        <p14:creationId xmlns:p14="http://schemas.microsoft.com/office/powerpoint/2010/main" val="2361833481"/>
+      </p:ext>
+    </p:extLst>
+  </p:cSld>
+  <p:clrMapOvr>
+    <a:masterClrMapping/>
+  </p:clrMapOvr>
+</p:sld>
+</file>
+
+<file path=ppt/slides/slide28.xml><?xml version="1.0" encoding="utf-8"?>
+<p:sld xmlns:a="http://schemas.openxmlformats.org/drawingml/2006/main" xmlns:r="http://schemas.openxmlformats.org/officeDocument/2006/relationships" xmlns:p="http://schemas.openxmlformats.org/presentationml/2006/main">
+  <p:cSld>
+    <p:spTree>
+      <p:nvGrpSpPr>
+        <p:cNvPr id="1" name=""/>
+        <p:cNvGrpSpPr/>
+        <p:nvPr/>
+      </p:nvGrpSpPr>
+      <p:grpSpPr>
+        <a:xfrm>
+          <a:off x="0" y="0"/>
+          <a:ext cx="0" cy="0"/>
+          <a:chOff x="0" y="0"/>
+          <a:chExt cx="0" cy="0"/>
+        </a:xfrm>
+      </p:grpSpPr>
+      <p:pic>
+        <p:nvPicPr>
+          <p:cNvPr id="5" name="Content Placeholder 4" descr="A picture containing text, screenshot, font, document&#10;&#10;Description automatically generated">
+            <a:extLst>
+              <a:ext uri="{FF2B5EF4-FFF2-40B4-BE49-F238E27FC236}">
+                <a16:creationId xmlns:a16="http://schemas.microsoft.com/office/drawing/2014/main" id="{0F46CF41-A9E0-A101-73D5-4CC0A007EFFB}"/>
+              </a:ext>
+            </a:extLst>
+          </p:cNvPr>
+          <p:cNvPicPr>
+            <a:picLocks noGrp="1" noChangeAspect="1"/>
+          </p:cNvPicPr>
+          <p:nvPr>
+            <p:ph idx="1"/>
+          </p:nvPr>
+        </p:nvPicPr>
+        <p:blipFill>
+          <a:blip r:embed="rId2"/>
+          <a:stretch>
+            <a:fillRect/>
+          </a:stretch>
+        </p:blipFill>
+        <p:spPr>
+          <a:xfrm>
+            <a:off x="2788983" y="604838"/>
+            <a:ext cx="6620383" cy="5567362"/>
+          </a:xfrm>
+        </p:spPr>
+      </p:pic>
+      <p:sp>
+        <p:nvSpPr>
+          <p:cNvPr id="6" name="TextBox 5">
+            <a:extLst>
+              <a:ext uri="{FF2B5EF4-FFF2-40B4-BE49-F238E27FC236}">
+                <a16:creationId xmlns:a16="http://schemas.microsoft.com/office/drawing/2014/main" id="{BC68E1A5-BA23-61C2-65BE-CD4C3C9F415C}"/>
+              </a:ext>
+            </a:extLst>
+          </p:cNvPr>
+          <p:cNvSpPr txBox="1"/>
+          <p:nvPr/>
+        </p:nvSpPr>
+        <p:spPr>
+          <a:xfrm>
+            <a:off x="9144000" y="2680633"/>
+            <a:ext cx="3486217" cy="707886"/>
+          </a:xfrm>
+          <a:prstGeom prst="rect">
+            <a:avLst/>
+          </a:prstGeom>
+          <a:noFill/>
+        </p:spPr>
+        <p:txBody>
+          <a:bodyPr wrap="square" rtlCol="0">
+            <a:spAutoFit/>
+          </a:bodyPr>
+          <a:lstStyle/>
+          <a:p>
+            <a:r>
+              <a:rPr lang="en-US" sz="2000" dirty="0"/>
+              <a:t>Assumption?</a:t>
+            </a:r>
+          </a:p>
+          <a:p>
+            <a:r>
+              <a:rPr lang="en-US" sz="2000" dirty="0"/>
+              <a:t>Why is this preferred?</a:t>
+            </a:r>
+          </a:p>
+        </p:txBody>
+      </p:sp>
+    </p:spTree>
+    <p:extLst>
+      <p:ext uri="{BB962C8B-B14F-4D97-AF65-F5344CB8AC3E}">
+        <p14:creationId xmlns:p14="http://schemas.microsoft.com/office/powerpoint/2010/main" val="2383933316"/>
+      </p:ext>
+    </p:extLst>
+  </p:cSld>
+  <p:clrMapOvr>
+    <a:masterClrMapping/>
+  </p:clrMapOvr>
+</p:sld>
+</file>
+
+<file path=ppt/slides/slide29.xml><?xml version="1.0" encoding="utf-8"?>
+<p:sld xmlns:a="http://schemas.openxmlformats.org/drawingml/2006/main" xmlns:r="http://schemas.openxmlformats.org/officeDocument/2006/relationships" xmlns:p="http://schemas.openxmlformats.org/presentationml/2006/main">
+  <p:cSld>
+    <p:spTree>
+      <p:nvGrpSpPr>
+        <p:cNvPr id="1" name=""/>
+        <p:cNvGrpSpPr/>
+        <p:nvPr/>
+      </p:nvGrpSpPr>
+      <p:grpSpPr>
+        <a:xfrm>
+          <a:off x="0" y="0"/>
+          <a:ext cx="0" cy="0"/>
+          <a:chOff x="0" y="0"/>
+          <a:chExt cx="0" cy="0"/>
+        </a:xfrm>
+      </p:grpSpPr>
       <p:pic>
         <p:nvPicPr>
           <p:cNvPr id="5" name="Content Placeholder 4" descr="A picture containing text, screenshot, font, number&#10;&#10;Description automatically generated">
@@ -5106,7 +8258,152 @@
 </p:sld>
 </file>
 
-<file path=ppt/slides/slide11.xml><?xml version="1.0" encoding="utf-8"?>
+<file path=ppt/slides/slide3.xml><?xml version="1.0" encoding="utf-8"?>
+<p:sld xmlns:a="http://schemas.openxmlformats.org/drawingml/2006/main" xmlns:r="http://schemas.openxmlformats.org/officeDocument/2006/relationships" xmlns:p="http://schemas.openxmlformats.org/presentationml/2006/main">
+  <p:cSld>
+    <p:spTree>
+      <p:nvGrpSpPr>
+        <p:cNvPr id="1" name=""/>
+        <p:cNvGrpSpPr/>
+        <p:nvPr/>
+      </p:nvGrpSpPr>
+      <p:grpSpPr>
+        <a:xfrm>
+          <a:off x="0" y="0"/>
+          <a:ext cx="0" cy="0"/>
+          <a:chOff x="0" y="0"/>
+          <a:chExt cx="0" cy="0"/>
+        </a:xfrm>
+      </p:grpSpPr>
+      <p:sp>
+        <p:nvSpPr>
+          <p:cNvPr id="2" name="Title 1">
+            <a:extLst>
+              <a:ext uri="{FF2B5EF4-FFF2-40B4-BE49-F238E27FC236}">
+                <a16:creationId xmlns:a16="http://schemas.microsoft.com/office/drawing/2014/main" id="{6F1DCF0F-67B4-145F-E5D2-C3B1CD6E8962}"/>
+              </a:ext>
+            </a:extLst>
+          </p:cNvPr>
+          <p:cNvSpPr>
+            <a:spLocks noGrp="1"/>
+          </p:cNvSpPr>
+          <p:nvPr>
+            <p:ph type="title"/>
+          </p:nvPr>
+        </p:nvSpPr>
+        <p:spPr/>
+        <p:txBody>
+          <a:bodyPr/>
+          <a:lstStyle/>
+          <a:p>
+            <a:r>
+              <a:rPr lang="en-US" dirty="0"/>
+              <a:t>Learning goals</a:t>
+            </a:r>
+          </a:p>
+        </p:txBody>
+      </p:sp>
+      <p:sp>
+        <p:nvSpPr>
+          <p:cNvPr id="3" name="Content Placeholder 2">
+            <a:extLst>
+              <a:ext uri="{FF2B5EF4-FFF2-40B4-BE49-F238E27FC236}">
+                <a16:creationId xmlns:a16="http://schemas.microsoft.com/office/drawing/2014/main" id="{E4ECD77E-335F-FF1A-9060-1D13ECE58082}"/>
+              </a:ext>
+            </a:extLst>
+          </p:cNvPr>
+          <p:cNvSpPr>
+            <a:spLocks noGrp="1"/>
+          </p:cNvSpPr>
+          <p:nvPr>
+            <p:ph idx="1"/>
+          </p:nvPr>
+        </p:nvSpPr>
+        <p:spPr/>
+        <p:txBody>
+          <a:bodyPr>
+            <a:normAutofit/>
+          </a:bodyPr>
+          <a:lstStyle/>
+          <a:p>
+            <a:pPr>
+              <a:lnSpc>
+                <a:spcPct val="150000"/>
+              </a:lnSpc>
+            </a:pPr>
+            <a:r>
+              <a:rPr lang="en-US" sz="2800" dirty="0"/>
+              <a:t>This is not a full-fledged NLP course</a:t>
+            </a:r>
+          </a:p>
+          <a:p>
+            <a:pPr lvl="1">
+              <a:lnSpc>
+                <a:spcPct val="150000"/>
+              </a:lnSpc>
+            </a:pPr>
+            <a:r>
+              <a:rPr lang="en-US" sz="2400" dirty="0"/>
+              <a:t>CS / Linguistic department offer it</a:t>
+            </a:r>
+          </a:p>
+          <a:p>
+            <a:pPr>
+              <a:lnSpc>
+                <a:spcPct val="150000"/>
+              </a:lnSpc>
+            </a:pPr>
+            <a:r>
+              <a:rPr lang="en-US" sz="2800" dirty="0"/>
+              <a:t>Want to lean NLP skills in business &amp; finance settings</a:t>
+            </a:r>
+          </a:p>
+          <a:p>
+            <a:pPr lvl="1">
+              <a:lnSpc>
+                <a:spcPct val="150000"/>
+              </a:lnSpc>
+            </a:pPr>
+            <a:r>
+              <a:rPr lang="en-US" sz="2400" dirty="0"/>
+              <a:t>Don’t need to have a degree in statistics to apply stats to your tasks</a:t>
+            </a:r>
+          </a:p>
+          <a:p>
+            <a:pPr lvl="1">
+              <a:lnSpc>
+                <a:spcPct val="150000"/>
+              </a:lnSpc>
+            </a:pPr>
+            <a:r>
+              <a:rPr lang="en-US" sz="2400" dirty="0"/>
+              <a:t>How about NLP?</a:t>
+            </a:r>
+          </a:p>
+          <a:p>
+            <a:pPr lvl="1">
+              <a:lnSpc>
+                <a:spcPct val="150000"/>
+              </a:lnSpc>
+            </a:pPr>
+            <a:endParaRPr lang="en-US" sz="2400" dirty="0"/>
+          </a:p>
+        </p:txBody>
+      </p:sp>
+    </p:spTree>
+    <p:extLst>
+      <p:ext uri="{BB962C8B-B14F-4D97-AF65-F5344CB8AC3E}">
+        <p14:creationId xmlns:p14="http://schemas.microsoft.com/office/powerpoint/2010/main" val="1665440025"/>
+      </p:ext>
+    </p:extLst>
+  </p:cSld>
+  <p:clrMapOvr>
+    <a:masterClrMapping/>
+  </p:clrMapOvr>
+</p:sld>
+</file>
+
+<file path=ppt/slides/slide30.xml><?xml version="1.0" encoding="utf-8"?>
 <p:sld xmlns:a="http://schemas.openxmlformats.org/drawingml/2006/main" xmlns:r="http://schemas.openxmlformats.org/officeDocument/2006/relationships" xmlns:p="http://schemas.openxmlformats.org/presentationml/2006/main">
   <p:cSld>
     <p:spTree>
@@ -5239,7 +8536,7 @@
 </p:sld>
 </file>
 
-<file path=ppt/slides/slide12.xml><?xml version="1.0" encoding="utf-8"?>
+<file path=ppt/slides/slide31.xml><?xml version="1.0" encoding="utf-8"?>
 <p:sld xmlns:a="http://schemas.openxmlformats.org/drawingml/2006/main" xmlns:r="http://schemas.openxmlformats.org/officeDocument/2006/relationships" xmlns:p="http://schemas.openxmlformats.org/presentationml/2006/main">
   <p:cSld>
     <p:spTree>
@@ -5366,7 +8663,7 @@
 </p:sld>
 </file>
 
-<file path=ppt/slides/slide13.xml><?xml version="1.0" encoding="utf-8"?>
+<file path=ppt/slides/slide32.xml><?xml version="1.0" encoding="utf-8"?>
 <p:sld xmlns:a="http://schemas.openxmlformats.org/drawingml/2006/main" xmlns:r="http://schemas.openxmlformats.org/officeDocument/2006/relationships" xmlns:p="http://schemas.openxmlformats.org/presentationml/2006/main">
   <p:cSld>
     <p:spTree>
@@ -5511,7 +8808,7 @@
 </p:sld>
 </file>
 
-<file path=ppt/slides/slide14.xml><?xml version="1.0" encoding="utf-8"?>
+<file path=ppt/slides/slide33.xml><?xml version="1.0" encoding="utf-8"?>
 <p:sld xmlns:a="http://schemas.openxmlformats.org/drawingml/2006/main" xmlns:r="http://schemas.openxmlformats.org/officeDocument/2006/relationships" xmlns:p="http://schemas.openxmlformats.org/presentationml/2006/main">
   <p:cSld>
     <p:spTree>
@@ -5659,7 +8956,7 @@
 </p:sld>
 </file>
 
-<file path=ppt/slides/slide15.xml><?xml version="1.0" encoding="utf-8"?>
+<file path=ppt/slides/slide34.xml><?xml version="1.0" encoding="utf-8"?>
 <p:sld xmlns:a="http://schemas.openxmlformats.org/drawingml/2006/main" xmlns:r="http://schemas.openxmlformats.org/officeDocument/2006/relationships" xmlns:p="http://schemas.openxmlformats.org/presentationml/2006/main">
   <p:cSld>
     <p:spTree>
@@ -5785,7 +9082,7 @@
 </p:sld>
 </file>
 
-<file path=ppt/slides/slide16.xml><?xml version="1.0" encoding="utf-8"?>
+<file path=ppt/slides/slide35.xml><?xml version="1.0" encoding="utf-8"?>
 <p:sld xmlns:a="http://schemas.openxmlformats.org/drawingml/2006/main" xmlns:r="http://schemas.openxmlformats.org/officeDocument/2006/relationships" xmlns:p="http://schemas.openxmlformats.org/presentationml/2006/main">
   <p:cSld>
     <p:spTree>
@@ -5900,7 +9197,7 @@
 </p:sld>
 </file>
 
-<file path=ppt/slides/slide17.xml><?xml version="1.0" encoding="utf-8"?>
+<file path=ppt/slides/slide36.xml><?xml version="1.0" encoding="utf-8"?>
 <p:sld xmlns:a="http://schemas.openxmlformats.org/drawingml/2006/main" xmlns:r="http://schemas.openxmlformats.org/officeDocument/2006/relationships" xmlns:p="http://schemas.openxmlformats.org/presentationml/2006/main">
   <p:cSld>
     <p:spTree>
@@ -6308,7 +9605,7 @@
 </p:sld>
 </file>
 
-<file path=ppt/slides/slide18.xml><?xml version="1.0" encoding="utf-8"?>
+<file path=ppt/slides/slide37.xml><?xml version="1.0" encoding="utf-8"?>
 <p:sld xmlns:a="http://schemas.openxmlformats.org/drawingml/2006/main" xmlns:r="http://schemas.openxmlformats.org/officeDocument/2006/relationships" xmlns:p="http://schemas.openxmlformats.org/presentationml/2006/main">
   <p:cSld>
     <p:spTree>
@@ -6444,7 +9741,7 @@
 </p:sld>
 </file>
 
-<file path=ppt/slides/slide19.xml><?xml version="1.0" encoding="utf-8"?>
+<file path=ppt/slides/slide38.xml><?xml version="1.0" encoding="utf-8"?>
 <p:sld xmlns:a="http://schemas.openxmlformats.org/drawingml/2006/main" xmlns:r="http://schemas.openxmlformats.org/officeDocument/2006/relationships" xmlns:p="http://schemas.openxmlformats.org/presentationml/2006/main">
   <p:cSld>
     <p:spTree>
@@ -6791,7 +10088,7 @@
 </p:sld>
 </file>
 
-<file path=ppt/slides/slide2.xml><?xml version="1.0" encoding="utf-8"?>
+<file path=ppt/slides/slide39.xml><?xml version="1.0" encoding="utf-8"?>
 <p:sld xmlns:a="http://schemas.openxmlformats.org/drawingml/2006/main" xmlns:r="http://schemas.openxmlformats.org/officeDocument/2006/relationships" xmlns:p="http://schemas.openxmlformats.org/presentationml/2006/main">
   <p:cSld>
     <p:spTree>
@@ -6813,89 +10110,6 @@
           <p:cNvPr id="2" name="Title 1">
             <a:extLst>
               <a:ext uri="{FF2B5EF4-FFF2-40B4-BE49-F238E27FC236}">
-                <a16:creationId xmlns:a16="http://schemas.microsoft.com/office/drawing/2014/main" id="{8F850CDF-6E38-7770-A745-E9179D8F837E}"/>
-              </a:ext>
-            </a:extLst>
-          </p:cNvPr>
-          <p:cNvSpPr>
-            <a:spLocks noGrp="1"/>
-          </p:cNvSpPr>
-          <p:nvPr>
-            <p:ph type="title"/>
-          </p:nvPr>
-        </p:nvSpPr>
-        <p:spPr/>
-        <p:txBody>
-          <a:bodyPr/>
-          <a:lstStyle/>
-          <a:p>
-            <a:r>
-              <a:rPr lang="en-US" dirty="0"/>
-              <a:t>Course logistics</a:t>
-            </a:r>
-          </a:p>
-        </p:txBody>
-      </p:sp>
-      <p:sp>
-        <p:nvSpPr>
-          <p:cNvPr id="3" name="Content Placeholder 2">
-            <a:extLst>
-              <a:ext uri="{FF2B5EF4-FFF2-40B4-BE49-F238E27FC236}">
-                <a16:creationId xmlns:a16="http://schemas.microsoft.com/office/drawing/2014/main" id="{87709B21-0455-78C9-7427-C61729655BC6}"/>
-              </a:ext>
-            </a:extLst>
-          </p:cNvPr>
-          <p:cNvSpPr>
-            <a:spLocks noGrp="1"/>
-          </p:cNvSpPr>
-          <p:nvPr>
-            <p:ph idx="1"/>
-          </p:nvPr>
-        </p:nvSpPr>
-        <p:spPr/>
-        <p:txBody>
-          <a:bodyPr/>
-          <a:lstStyle/>
-          <a:p>
-            <a:endParaRPr lang="en-US"/>
-          </a:p>
-        </p:txBody>
-      </p:sp>
-    </p:spTree>
-    <p:extLst>
-      <p:ext uri="{BB962C8B-B14F-4D97-AF65-F5344CB8AC3E}">
-        <p14:creationId xmlns:p14="http://schemas.microsoft.com/office/powerpoint/2010/main" val="2391587928"/>
-      </p:ext>
-    </p:extLst>
-  </p:cSld>
-  <p:clrMapOvr>
-    <a:masterClrMapping/>
-  </p:clrMapOvr>
-</p:sld>
-</file>
-
-<file path=ppt/slides/slide20.xml><?xml version="1.0" encoding="utf-8"?>
-<p:sld xmlns:a="http://schemas.openxmlformats.org/drawingml/2006/main" xmlns:r="http://schemas.openxmlformats.org/officeDocument/2006/relationships" xmlns:p="http://schemas.openxmlformats.org/presentationml/2006/main">
-  <p:cSld>
-    <p:spTree>
-      <p:nvGrpSpPr>
-        <p:cNvPr id="1" name=""/>
-        <p:cNvGrpSpPr/>
-        <p:nvPr/>
-      </p:nvGrpSpPr>
-      <p:grpSpPr>
-        <a:xfrm>
-          <a:off x="0" y="0"/>
-          <a:ext cx="0" cy="0"/>
-          <a:chOff x="0" y="0"/>
-          <a:chExt cx="0" cy="0"/>
-        </a:xfrm>
-      </p:grpSpPr>
-      <p:sp>
-        <p:nvSpPr>
-          <p:cNvPr id="2" name="Title 1">
-            <a:extLst>
-              <a:ext uri="{FF2B5EF4-FFF2-40B4-BE49-F238E27FC236}">
                 <a16:creationId xmlns:a16="http://schemas.microsoft.com/office/drawing/2014/main" id="{B550DE37-0AAA-F2FF-5D93-C48BFD9FA0FB}"/>
               </a:ext>
             </a:extLst>
@@ -6937,7 +10151,9 @@
         </p:nvSpPr>
         <p:spPr/>
         <p:txBody>
-          <a:bodyPr/>
+          <a:bodyPr>
+            <a:normAutofit lnSpcReduction="10000"/>
+          </a:bodyPr>
           <a:lstStyle/>
           <a:p>
             <a:pPr>
@@ -6998,190 +10214,24 @@
               <a:t>We will see both later</a:t>
             </a:r>
           </a:p>
+          <a:p>
+            <a:pPr>
+              <a:lnSpc>
+                <a:spcPct val="200000"/>
+              </a:lnSpc>
+            </a:pPr>
+            <a:r>
+              <a:rPr lang="en-US"/>
+              <a:t>Programming?</a:t>
+            </a:r>
+            <a:endParaRPr lang="en-US" dirty="0"/>
+          </a:p>
         </p:txBody>
       </p:sp>
     </p:spTree>
     <p:extLst>
       <p:ext uri="{BB962C8B-B14F-4D97-AF65-F5344CB8AC3E}">
         <p14:creationId xmlns:p14="http://schemas.microsoft.com/office/powerpoint/2010/main" val="236547519"/>
-      </p:ext>
-    </p:extLst>
-  </p:cSld>
-  <p:clrMapOvr>
-    <a:masterClrMapping/>
-  </p:clrMapOvr>
-</p:sld>
-</file>
-
-<file path=ppt/slides/slide21.xml><?xml version="1.0" encoding="utf-8"?>
-<p:sld xmlns:a="http://schemas.openxmlformats.org/drawingml/2006/main" xmlns:r="http://schemas.openxmlformats.org/officeDocument/2006/relationships" xmlns:p="http://schemas.openxmlformats.org/presentationml/2006/main">
-  <p:cSld>
-    <p:spTree>
-      <p:nvGrpSpPr>
-        <p:cNvPr id="1" name=""/>
-        <p:cNvGrpSpPr/>
-        <p:nvPr/>
-      </p:nvGrpSpPr>
-      <p:grpSpPr>
-        <a:xfrm>
-          <a:off x="0" y="0"/>
-          <a:ext cx="0" cy="0"/>
-          <a:chOff x="0" y="0"/>
-          <a:chExt cx="0" cy="0"/>
-        </a:xfrm>
-      </p:grpSpPr>
-      <p:sp>
-        <p:nvSpPr>
-          <p:cNvPr id="2" name="Title 1">
-            <a:extLst>
-              <a:ext uri="{FF2B5EF4-FFF2-40B4-BE49-F238E27FC236}">
-                <a16:creationId xmlns:a16="http://schemas.microsoft.com/office/drawing/2014/main" id="{57CC5E50-5CEE-641C-13F0-154860B8F718}"/>
-              </a:ext>
-            </a:extLst>
-          </p:cNvPr>
-          <p:cNvSpPr>
-            <a:spLocks noGrp="1"/>
-          </p:cNvSpPr>
-          <p:nvPr>
-            <p:ph type="title"/>
-          </p:nvPr>
-        </p:nvSpPr>
-        <p:spPr/>
-        <p:txBody>
-          <a:bodyPr/>
-          <a:lstStyle/>
-          <a:p>
-            <a:r>
-              <a:rPr lang="en-US"/>
-              <a:t>NLP job search?</a:t>
-            </a:r>
-          </a:p>
-        </p:txBody>
-      </p:sp>
-      <p:sp>
-        <p:nvSpPr>
-          <p:cNvPr id="3" name="Content Placeholder 2">
-            <a:extLst>
-              <a:ext uri="{FF2B5EF4-FFF2-40B4-BE49-F238E27FC236}">
-                <a16:creationId xmlns:a16="http://schemas.microsoft.com/office/drawing/2014/main" id="{178BE45C-3DE0-C1EF-EF73-225D720F074C}"/>
-              </a:ext>
-            </a:extLst>
-          </p:cNvPr>
-          <p:cNvSpPr>
-            <a:spLocks noGrp="1"/>
-          </p:cNvSpPr>
-          <p:nvPr>
-            <p:ph idx="1"/>
-          </p:nvPr>
-        </p:nvSpPr>
-        <p:spPr/>
-        <p:txBody>
-          <a:bodyPr/>
-          <a:lstStyle/>
-          <a:p>
-            <a:r>
-              <a:rPr lang="en-US" dirty="0"/>
-              <a:t>What’s job qualifications?</a:t>
-            </a:r>
-          </a:p>
-          <a:p>
-            <a:endParaRPr lang="en-US" dirty="0"/>
-          </a:p>
-          <a:p>
-            <a:pPr marL="0" indent="0">
-              <a:buNone/>
-            </a:pPr>
-            <a:endParaRPr lang="en-US" dirty="0"/>
-          </a:p>
-        </p:txBody>
-      </p:sp>
-    </p:spTree>
-    <p:extLst>
-      <p:ext uri="{BB962C8B-B14F-4D97-AF65-F5344CB8AC3E}">
-        <p14:creationId xmlns:p14="http://schemas.microsoft.com/office/powerpoint/2010/main" val="3366909314"/>
-      </p:ext>
-    </p:extLst>
-  </p:cSld>
-  <p:clrMapOvr>
-    <a:masterClrMapping/>
-  </p:clrMapOvr>
-</p:sld>
-</file>
-
-<file path=ppt/slides/slide3.xml><?xml version="1.0" encoding="utf-8"?>
-<p:sld xmlns:a="http://schemas.openxmlformats.org/drawingml/2006/main" xmlns:r="http://schemas.openxmlformats.org/officeDocument/2006/relationships" xmlns:p="http://schemas.openxmlformats.org/presentationml/2006/main">
-  <p:cSld>
-    <p:spTree>
-      <p:nvGrpSpPr>
-        <p:cNvPr id="1" name=""/>
-        <p:cNvGrpSpPr/>
-        <p:nvPr/>
-      </p:nvGrpSpPr>
-      <p:grpSpPr>
-        <a:xfrm>
-          <a:off x="0" y="0"/>
-          <a:ext cx="0" cy="0"/>
-          <a:chOff x="0" y="0"/>
-          <a:chExt cx="0" cy="0"/>
-        </a:xfrm>
-      </p:grpSpPr>
-      <p:sp>
-        <p:nvSpPr>
-          <p:cNvPr id="2" name="Title 1">
-            <a:extLst>
-              <a:ext uri="{FF2B5EF4-FFF2-40B4-BE49-F238E27FC236}">
-                <a16:creationId xmlns:a16="http://schemas.microsoft.com/office/drawing/2014/main" id="{168E4DD8-42DE-34B7-1BD3-3279F3952AE2}"/>
-              </a:ext>
-            </a:extLst>
-          </p:cNvPr>
-          <p:cNvSpPr>
-            <a:spLocks noGrp="1"/>
-          </p:cNvSpPr>
-          <p:nvPr>
-            <p:ph type="title"/>
-          </p:nvPr>
-        </p:nvSpPr>
-        <p:spPr/>
-        <p:txBody>
-          <a:bodyPr/>
-          <a:lstStyle/>
-          <a:p>
-            <a:r>
-              <a:rPr lang="en-US" dirty="0"/>
-              <a:t>Brief introduction</a:t>
-            </a:r>
-          </a:p>
-        </p:txBody>
-      </p:sp>
-      <p:sp>
-        <p:nvSpPr>
-          <p:cNvPr id="3" name="Content Placeholder 2">
-            <a:extLst>
-              <a:ext uri="{FF2B5EF4-FFF2-40B4-BE49-F238E27FC236}">
-                <a16:creationId xmlns:a16="http://schemas.microsoft.com/office/drawing/2014/main" id="{3D0A9258-00E1-6978-62E3-56D726A14DEF}"/>
-              </a:ext>
-            </a:extLst>
-          </p:cNvPr>
-          <p:cNvSpPr>
-            <a:spLocks noGrp="1"/>
-          </p:cNvSpPr>
-          <p:nvPr>
-            <p:ph idx="1"/>
-          </p:nvPr>
-        </p:nvSpPr>
-        <p:spPr/>
-        <p:txBody>
-          <a:bodyPr/>
-          <a:lstStyle/>
-          <a:p>
-            <a:endParaRPr lang="en-US"/>
-          </a:p>
-        </p:txBody>
-      </p:sp>
-    </p:spTree>
-    <p:extLst>
-      <p:ext uri="{BB962C8B-B14F-4D97-AF65-F5344CB8AC3E}">
-        <p14:creationId xmlns:p14="http://schemas.microsoft.com/office/powerpoint/2010/main" val="2658886996"/>
       </p:ext>
     </p:extLst>
   </p:cSld>
@@ -7208,59 +10258,106 @@
           <a:chExt cx="0" cy="0"/>
         </a:xfrm>
       </p:grpSpPr>
-      <p:pic>
-        <p:nvPicPr>
-          <p:cNvPr id="1026" name="Picture 2">
+      <p:sp>
+        <p:nvSpPr>
+          <p:cNvPr id="2" name="Title 1">
             <a:extLst>
               <a:ext uri="{FF2B5EF4-FFF2-40B4-BE49-F238E27FC236}">
-                <a16:creationId xmlns:a16="http://schemas.microsoft.com/office/drawing/2014/main" id="{6D039CC7-D6D3-E0B6-B127-67459A3C48D8}"/>
+                <a16:creationId xmlns:a16="http://schemas.microsoft.com/office/drawing/2014/main" id="{CB887C47-78B6-66A9-F003-51392FE8DAC7}"/>
               </a:ext>
             </a:extLst>
           </p:cNvPr>
-          <p:cNvPicPr>
-            <a:picLocks noGrp="1" noChangeAspect="1" noChangeArrowheads="1"/>
-          </p:cNvPicPr>
-          <p:nvPr>
-            <p:ph idx="1"/>
-          </p:nvPr>
-        </p:nvPicPr>
-        <p:blipFill>
-          <a:blip r:embed="rId2">
+          <p:cNvSpPr>
+            <a:spLocks noGrp="1"/>
+          </p:cNvSpPr>
+          <p:nvPr>
+            <p:ph type="title"/>
+          </p:nvPr>
+        </p:nvSpPr>
+        <p:spPr/>
+        <p:txBody>
+          <a:bodyPr/>
+          <a:lstStyle/>
+          <a:p>
+            <a:r>
+              <a:rPr lang="en-US" dirty="0"/>
+              <a:t>What do you want to learn?</a:t>
+            </a:r>
+          </a:p>
+        </p:txBody>
+      </p:sp>
+      <p:sp>
+        <p:nvSpPr>
+          <p:cNvPr id="3" name="Content Placeholder 2">
             <a:extLst>
-              <a:ext uri="{28A0092B-C50C-407E-A947-70E740481C1C}">
-                <a14:useLocalDpi xmlns:a14="http://schemas.microsoft.com/office/drawing/2010/main" val="0"/>
+              <a:ext uri="{FF2B5EF4-FFF2-40B4-BE49-F238E27FC236}">
+                <a16:creationId xmlns:a16="http://schemas.microsoft.com/office/drawing/2014/main" id="{E65018E5-EED2-07E5-8A9A-8868E862316B}"/>
               </a:ext>
             </a:extLst>
-          </a:blip>
-          <a:srcRect/>
-          <a:stretch>
-            <a:fillRect/>
-          </a:stretch>
-        </p:blipFill>
-        <p:spPr bwMode="auto">
-          <a:xfrm>
-            <a:off x="2534716" y="1087395"/>
-            <a:ext cx="7122568" cy="4487218"/>
-          </a:xfrm>
-          <a:prstGeom prst="rect">
-            <a:avLst/>
-          </a:prstGeom>
-          <a:noFill/>
-          <a:extLst>
-            <a:ext uri="{909E8E84-426E-40DD-AFC4-6F175D3DCCD1}">
-              <a14:hiddenFill xmlns:a14="http://schemas.microsoft.com/office/drawing/2010/main">
-                <a:solidFill>
-                  <a:srgbClr val="FFFFFF"/>
-                </a:solidFill>
-              </a14:hiddenFill>
-            </a:ext>
-          </a:extLst>
-        </p:spPr>
-      </p:pic>
+          </p:cNvPr>
+          <p:cNvSpPr>
+            <a:spLocks noGrp="1"/>
+          </p:cNvSpPr>
+          <p:nvPr>
+            <p:ph idx="1"/>
+          </p:nvPr>
+        </p:nvSpPr>
+        <p:spPr/>
+        <p:txBody>
+          <a:bodyPr>
+            <a:normAutofit/>
+          </a:bodyPr>
+          <a:lstStyle/>
+          <a:p>
+            <a:pPr>
+              <a:lnSpc>
+                <a:spcPct val="150000"/>
+              </a:lnSpc>
+            </a:pPr>
+            <a:r>
+              <a:rPr lang="en-US" sz="2800" dirty="0"/>
+              <a:t>In statistics / econometrics</a:t>
+            </a:r>
+          </a:p>
+          <a:p>
+            <a:pPr lvl="1">
+              <a:lnSpc>
+                <a:spcPct val="150000"/>
+              </a:lnSpc>
+            </a:pPr>
+            <a:r>
+              <a:rPr lang="en-US" sz="2400" dirty="0"/>
+              <a:t>Learn a regression technique to analyze the elasticity of demand</a:t>
+            </a:r>
+          </a:p>
+          <a:p>
+            <a:pPr>
+              <a:lnSpc>
+                <a:spcPct val="150000"/>
+              </a:lnSpc>
+            </a:pPr>
+            <a:r>
+              <a:rPr lang="en-US" sz="2800" dirty="0"/>
+              <a:t>In NLP</a:t>
+            </a:r>
+          </a:p>
+          <a:p>
+            <a:pPr lvl="1">
+              <a:lnSpc>
+                <a:spcPct val="150000"/>
+              </a:lnSpc>
+            </a:pPr>
+            <a:r>
+              <a:rPr lang="en-US" sz="2400" dirty="0"/>
+              <a:t>Learn _____________________ to analyze _____________?</a:t>
+            </a:r>
+          </a:p>
+        </p:txBody>
+      </p:sp>
     </p:spTree>
     <p:extLst>
       <p:ext uri="{BB962C8B-B14F-4D97-AF65-F5344CB8AC3E}">
-        <p14:creationId xmlns:p14="http://schemas.microsoft.com/office/powerpoint/2010/main" val="1314227147"/>
+        <p14:creationId xmlns:p14="http://schemas.microsoft.com/office/powerpoint/2010/main" val="488552376"/>
       </p:ext>
     </p:extLst>
   </p:cSld>
@@ -7289,10 +10386,38 @@
       </p:grpSpPr>
       <p:sp>
         <p:nvSpPr>
+          <p:cNvPr id="2" name="Title 1">
+            <a:extLst>
+              <a:ext uri="{FF2B5EF4-FFF2-40B4-BE49-F238E27FC236}">
+                <a16:creationId xmlns:a16="http://schemas.microsoft.com/office/drawing/2014/main" id="{168E4DD8-42DE-34B7-1BD3-3279F3952AE2}"/>
+              </a:ext>
+            </a:extLst>
+          </p:cNvPr>
+          <p:cNvSpPr>
+            <a:spLocks noGrp="1"/>
+          </p:cNvSpPr>
+          <p:nvPr>
+            <p:ph type="title"/>
+          </p:nvPr>
+        </p:nvSpPr>
+        <p:spPr/>
+        <p:txBody>
+          <a:bodyPr/>
+          <a:lstStyle/>
+          <a:p>
+            <a:r>
+              <a:rPr lang="en-US" dirty="0"/>
+              <a:t>What is your data?</a:t>
+            </a:r>
+          </a:p>
+        </p:txBody>
+      </p:sp>
+      <p:sp>
+        <p:nvSpPr>
           <p:cNvPr id="3" name="Content Placeholder 2">
             <a:extLst>
               <a:ext uri="{FF2B5EF4-FFF2-40B4-BE49-F238E27FC236}">
-                <a16:creationId xmlns:a16="http://schemas.microsoft.com/office/drawing/2014/main" id="{4FE0D083-73B1-B7E7-23C1-F3D28B2B59E5}"/>
+                <a16:creationId xmlns:a16="http://schemas.microsoft.com/office/drawing/2014/main" id="{3D0A9258-00E1-6978-62E3-56D726A14DEF}"/>
               </a:ext>
             </a:extLst>
           </p:cNvPr>
@@ -7303,119 +10428,70 @@
             <p:ph idx="1"/>
           </p:nvPr>
         </p:nvSpPr>
-        <p:spPr>
-          <a:xfrm>
-            <a:off x="1069848" y="605481"/>
-            <a:ext cx="10058400" cy="5566719"/>
-          </a:xfrm>
-        </p:spPr>
+        <p:spPr/>
         <p:txBody>
           <a:bodyPr>
-            <a:normAutofit fontScale="85000" lnSpcReduction="20000"/>
+            <a:normAutofit/>
           </a:bodyPr>
           <a:lstStyle/>
           <a:p>
-            <a:pPr>
-              <a:lnSpc>
-                <a:spcPct val="150000"/>
-              </a:lnSpc>
-            </a:pPr>
-            <a:r>
-              <a:rPr lang="en-US" sz="3600" dirty="0"/>
-              <a:t>Information retrieval can money</a:t>
-            </a:r>
-          </a:p>
-          <a:p>
-            <a:pPr lvl="1">
-              <a:lnSpc>
-                <a:spcPct val="150000"/>
-              </a:lnSpc>
-            </a:pPr>
             <a:r>
               <a:rPr lang="en-US" sz="3200" dirty="0"/>
-              <a:t>Search engines are the most visited websites in most countries</a:t>
-            </a:r>
-          </a:p>
-          <a:p>
-            <a:pPr lvl="2">
-              <a:lnSpc>
-                <a:spcPct val="150000"/>
-              </a:lnSpc>
-            </a:pPr>
+              <a:t>What industry are you interested in?</a:t>
+            </a:r>
+          </a:p>
+          <a:p>
+            <a:pPr lvl="1"/>
+            <a:r>
+              <a:rPr lang="en-US" sz="2800" dirty="0"/>
+              <a:t>Finance</a:t>
+            </a:r>
+          </a:p>
+          <a:p>
+            <a:pPr lvl="1"/>
+            <a:r>
+              <a:rPr lang="en-US" sz="2800" dirty="0"/>
+              <a:t>Entertainment and Sports</a:t>
+            </a:r>
+          </a:p>
+          <a:p>
+            <a:pPr lvl="1"/>
+            <a:r>
+              <a:rPr lang="en-US" sz="2800" dirty="0"/>
+              <a:t>Living</a:t>
+            </a:r>
+          </a:p>
+          <a:p>
             <a:r>
               <a:rPr lang="en-US" sz="3200" dirty="0"/>
-              <a:t>Google, Bing, Baidu, Yahoo, AOL, Naver</a:t>
-            </a:r>
-          </a:p>
-          <a:p>
-            <a:pPr lvl="1">
-              <a:lnSpc>
-                <a:spcPct val="150000"/>
-              </a:lnSpc>
-            </a:pPr>
-            <a:r>
-              <a:rPr lang="en-US" sz="3200" dirty="0"/>
-              <a:t>Discussion platforms</a:t>
-            </a:r>
-          </a:p>
-          <a:p>
-            <a:pPr lvl="2">
-              <a:lnSpc>
-                <a:spcPct val="150000"/>
-              </a:lnSpc>
-            </a:pPr>
-            <a:r>
-              <a:rPr lang="en-US" sz="3200" dirty="0"/>
-              <a:t>Reddit, Quora, Stack Exchange</a:t>
-            </a:r>
-          </a:p>
-          <a:p>
-            <a:pPr lvl="1">
-              <a:lnSpc>
-                <a:spcPct val="150000"/>
-              </a:lnSpc>
-            </a:pPr>
-            <a:r>
-              <a:rPr lang="en-US" sz="3400" dirty="0"/>
-              <a:t>Shared knowledge</a:t>
-            </a:r>
-          </a:p>
-          <a:p>
-            <a:pPr lvl="2">
-              <a:lnSpc>
-                <a:spcPct val="150000"/>
-              </a:lnSpc>
-            </a:pPr>
-            <a:r>
-              <a:rPr lang="en-US" sz="3200" dirty="0"/>
-              <a:t>Wikipedia </a:t>
-            </a:r>
-          </a:p>
-          <a:p>
-            <a:pPr lvl="2">
-              <a:lnSpc>
-                <a:spcPct val="150000"/>
-              </a:lnSpc>
-            </a:pPr>
-            <a:r>
-              <a:rPr lang="en-US" sz="3200" dirty="0"/>
-              <a:t>Have you heard of Britannica?</a:t>
-            </a:r>
-          </a:p>
-          <a:p>
-            <a:pPr>
-              <a:lnSpc>
-                <a:spcPct val="150000"/>
-              </a:lnSpc>
-            </a:pPr>
-            <a:endParaRPr lang="en-US" sz="3600" dirty="0"/>
+              <a:t>What does your data look like?</a:t>
+            </a:r>
+            <a:endParaRPr lang="en-US" sz="3000" dirty="0"/>
+          </a:p>
+          <a:p>
+            <a:pPr lvl="1"/>
+            <a:r>
+              <a:rPr lang="en-US" sz="3000" dirty="0"/>
+              <a:t>Let’s see the latest 10-Q report for Apple: </a:t>
+            </a:r>
+            <a:r>
+              <a:rPr lang="en-US" sz="3000" dirty="0">
+                <a:hlinkClick r:id="rId2"/>
+              </a:rPr>
+              <a:t>Link</a:t>
+            </a:r>
+            <a:endParaRPr lang="en-US" sz="3000" dirty="0"/>
+          </a:p>
+          <a:p>
+            <a:pPr lvl="1"/>
+            <a:endParaRPr lang="en-US" sz="3000" dirty="0"/>
           </a:p>
         </p:txBody>
       </p:sp>
     </p:spTree>
     <p:extLst>
       <p:ext uri="{BB962C8B-B14F-4D97-AF65-F5344CB8AC3E}">
-        <p14:creationId xmlns:p14="http://schemas.microsoft.com/office/powerpoint/2010/main" val="4077176889"/>
+        <p14:creationId xmlns:p14="http://schemas.microsoft.com/office/powerpoint/2010/main" val="2658886996"/>
       </p:ext>
     </p:extLst>
   </p:cSld>
@@ -7447,7 +10523,7 @@
           <p:cNvPr id="2" name="Title 1">
             <a:extLst>
               <a:ext uri="{FF2B5EF4-FFF2-40B4-BE49-F238E27FC236}">
-                <a16:creationId xmlns:a16="http://schemas.microsoft.com/office/drawing/2014/main" id="{E988DED7-F7B4-9190-428C-9A10CDEC40DC}"/>
+                <a16:creationId xmlns:a16="http://schemas.microsoft.com/office/drawing/2014/main" id="{E191C9F4-CCF1-B040-3ACF-19C6DD750A8D}"/>
               </a:ext>
             </a:extLst>
           </p:cNvPr>
@@ -7465,7 +10541,7 @@
           <a:p>
             <a:r>
               <a:rPr lang="en-US" dirty="0"/>
-              <a:t>We start here</a:t>
+              <a:t>Questions</a:t>
             </a:r>
           </a:p>
         </p:txBody>
@@ -7475,7 +10551,7 @@
           <p:cNvPr id="3" name="Content Placeholder 2">
             <a:extLst>
               <a:ext uri="{FF2B5EF4-FFF2-40B4-BE49-F238E27FC236}">
-                <a16:creationId xmlns:a16="http://schemas.microsoft.com/office/drawing/2014/main" id="{A22AC53A-D712-300F-E3B7-91292EF0D8B6}"/>
+                <a16:creationId xmlns:a16="http://schemas.microsoft.com/office/drawing/2014/main" id="{9EB0C535-26EB-1DFD-D4AD-5CF3246EB5BF}"/>
               </a:ext>
             </a:extLst>
           </p:cNvPr>
@@ -7489,62 +10565,45 @@
         <p:spPr/>
         <p:txBody>
           <a:bodyPr>
-            <a:normAutofit lnSpcReduction="10000"/>
+            <a:normAutofit/>
           </a:bodyPr>
           <a:lstStyle/>
           <a:p>
-            <a:pPr>
-              <a:lnSpc>
-                <a:spcPct val="150000"/>
-              </a:lnSpc>
-            </a:pPr>
-            <a:r>
-              <a:rPr lang="en-US" sz="3200" dirty="0"/>
-              <a:t>Why IR?</a:t>
-            </a:r>
-          </a:p>
-          <a:p>
-            <a:pPr>
-              <a:lnSpc>
-                <a:spcPct val="150000"/>
-              </a:lnSpc>
-            </a:pPr>
-            <a:r>
-              <a:rPr lang="en-US" sz="3200" dirty="0"/>
-              <a:t>Simple to understand </a:t>
-            </a:r>
-          </a:p>
-          <a:p>
-            <a:pPr lvl="1">
-              <a:lnSpc>
-                <a:spcPct val="150000"/>
-              </a:lnSpc>
-            </a:pPr>
-            <a:r>
-              <a:rPr lang="en-US" sz="2800" dirty="0"/>
-              <a:t>But hard to implement</a:t>
-            </a:r>
-          </a:p>
-          <a:p>
-            <a:pPr>
-              <a:lnSpc>
-                <a:spcPct val="150000"/>
-              </a:lnSpc>
-            </a:pPr>
-            <a:r>
-              <a:rPr lang="en-US" sz="3200" dirty="0"/>
-              <a:t>Important to the world</a:t>
-            </a:r>
-          </a:p>
-          <a:p>
-            <a:pPr>
-              <a:lnSpc>
-                <a:spcPct val="150000"/>
-              </a:lnSpc>
-            </a:pPr>
-            <a:r>
-              <a:rPr lang="en-US" sz="3200" dirty="0"/>
-              <a:t>Building block for the course project</a:t>
+            <a:r>
+              <a:rPr lang="en-US" sz="2400" dirty="0"/>
+              <a:t>What makes you think that the text has contains (or better) information than numbers? </a:t>
+            </a:r>
+          </a:p>
+          <a:p>
+            <a:pPr lvl="1"/>
+            <a:r>
+              <a:rPr lang="en-US" sz="2000" dirty="0"/>
+              <a:t>Or opposite?</a:t>
+            </a:r>
+          </a:p>
+          <a:p>
+            <a:r>
+              <a:rPr lang="en-US" sz="2400" dirty="0"/>
+              <a:t>If so, how could we extract information from text?</a:t>
+            </a:r>
+          </a:p>
+          <a:p>
+            <a:pPr lvl="1"/>
+            <a:r>
+              <a:rPr lang="en-US" sz="2000" dirty="0"/>
+              <a:t>Wait, do machines understand text?</a:t>
+            </a:r>
+          </a:p>
+          <a:p>
+            <a:r>
+              <a:rPr lang="en-US" sz="2400" dirty="0"/>
+              <a:t>Why is it necessary to have knowledge of machine learning to perform this task?</a:t>
+            </a:r>
+          </a:p>
+          <a:p>
+            <a:r>
+              <a:rPr lang="en-US" sz="2400" dirty="0"/>
+              <a:t>Specifically, why is "deep learning" prevalent in most natural language processing (NLP) applications?</a:t>
             </a:r>
           </a:p>
         </p:txBody>
@@ -7552,7 +10611,7 @@
     </p:spTree>
     <p:extLst>
       <p:ext uri="{BB962C8B-B14F-4D97-AF65-F5344CB8AC3E}">
-        <p14:creationId xmlns:p14="http://schemas.microsoft.com/office/powerpoint/2010/main" val="373580454"/>
+        <p14:creationId xmlns:p14="http://schemas.microsoft.com/office/powerpoint/2010/main" val="1232729874"/>
       </p:ext>
     </p:extLst>
   </p:cSld>
@@ -7584,7 +10643,7 @@
           <p:cNvPr id="2" name="Title 1">
             <a:extLst>
               <a:ext uri="{FF2B5EF4-FFF2-40B4-BE49-F238E27FC236}">
-                <a16:creationId xmlns:a16="http://schemas.microsoft.com/office/drawing/2014/main" id="{4A6ED1D4-15CD-2A49-56F1-3E5600A8C365}"/>
+                <a16:creationId xmlns:a16="http://schemas.microsoft.com/office/drawing/2014/main" id="{3C596AA9-B349-95FD-E197-9917FEB086FF}"/>
               </a:ext>
             </a:extLst>
           </p:cNvPr>
@@ -7600,7 +10659,10 @@
           <a:bodyPr/>
           <a:lstStyle/>
           <a:p>
-            <a:endParaRPr lang="en-US" dirty="0"/>
+            <a:r>
+              <a:rPr lang="en-US" dirty="0"/>
+              <a:t>The scope of the course	</a:t>
+            </a:r>
           </a:p>
         </p:txBody>
       </p:sp>
@@ -7609,7 +10671,7 @@
           <p:cNvPr id="3" name="Content Placeholder 2">
             <a:extLst>
               <a:ext uri="{FF2B5EF4-FFF2-40B4-BE49-F238E27FC236}">
-                <a16:creationId xmlns:a16="http://schemas.microsoft.com/office/drawing/2014/main" id="{96EE5C26-27B8-EB94-53D0-8A6655388FF6}"/>
+                <a16:creationId xmlns:a16="http://schemas.microsoft.com/office/drawing/2014/main" id="{69641628-BBD4-D9D1-67CC-9403B92A8B76}"/>
               </a:ext>
             </a:extLst>
           </p:cNvPr>
@@ -7628,22 +10690,63 @@
           <a:lstStyle/>
           <a:p>
             <a:r>
-              <a:rPr lang="en-US" sz="2800" i="1" dirty="0"/>
-              <a:t>Information retrieval is finding material (usually documents) of an unstructured nature (usually text) that satisfies an information need from within large collections (usually stored on computers)</a:t>
-            </a:r>
-          </a:p>
-          <a:p>
-            <a:endParaRPr lang="en-US" sz="2800" i="1" dirty="0"/>
-          </a:p>
-          <a:p>
-            <a:endParaRPr lang="en-US" sz="2800" dirty="0"/>
+              <a:rPr lang="en-US" sz="2400" dirty="0"/>
+              <a:t>Again, this is not the typical introductory course for NLP</a:t>
+            </a:r>
+          </a:p>
+          <a:p>
+            <a:r>
+              <a:rPr lang="en-US" sz="2400" dirty="0"/>
+              <a:t>Delve into the text categorization task, with a particular focus on sentiment analysis, and explore some business-oriented examples</a:t>
+            </a:r>
+          </a:p>
+          <a:p>
+            <a:r>
+              <a:rPr lang="en-US" sz="2400" dirty="0"/>
+              <a:t>Early part of the class covers the text representation, and then move on to the classification task</a:t>
+            </a:r>
+          </a:p>
+          <a:p>
+            <a:pPr lvl="1"/>
+            <a:r>
+              <a:rPr lang="en-US" sz="2000" dirty="0"/>
+              <a:t>Frequency-based representation vs. word embeddings</a:t>
+            </a:r>
+          </a:p>
+          <a:p>
+            <a:pPr lvl="1"/>
+            <a:r>
+              <a:rPr lang="en-US" sz="2000" dirty="0"/>
+              <a:t>Traditional ML models: Naïve Bayes and Logistic Regression</a:t>
+            </a:r>
+          </a:p>
+          <a:p>
+            <a:pPr lvl="1"/>
+            <a:r>
+              <a:rPr lang="en-US" sz="2000" dirty="0"/>
+              <a:t>Deep learning application</a:t>
+            </a:r>
+          </a:p>
+          <a:p>
+            <a:pPr lvl="1"/>
+            <a:r>
+              <a:rPr lang="en-US" sz="2000" dirty="0"/>
+              <a:t>Transfer learning</a:t>
+            </a:r>
+          </a:p>
+          <a:p>
+            <a:pPr lvl="1"/>
+            <a:endParaRPr lang="en-US" sz="2000" dirty="0"/>
+          </a:p>
+          <a:p>
+            <a:endParaRPr lang="en-US" sz="2400" dirty="0"/>
           </a:p>
         </p:txBody>
       </p:sp>
     </p:spTree>
     <p:extLst>
       <p:ext uri="{BB962C8B-B14F-4D97-AF65-F5344CB8AC3E}">
-        <p14:creationId xmlns:p14="http://schemas.microsoft.com/office/powerpoint/2010/main" val="3144208507"/>
+        <p14:creationId xmlns:p14="http://schemas.microsoft.com/office/powerpoint/2010/main" val="2756703725"/>
       </p:ext>
     </p:extLst>
   </p:cSld>
@@ -7672,10 +10775,38 @@
       </p:grpSpPr>
       <p:sp>
         <p:nvSpPr>
+          <p:cNvPr id="2" name="Title 1">
+            <a:extLst>
+              <a:ext uri="{FF2B5EF4-FFF2-40B4-BE49-F238E27FC236}">
+                <a16:creationId xmlns:a16="http://schemas.microsoft.com/office/drawing/2014/main" id="{0D1E0E94-5AA2-67CE-8304-93EBC880EFC9}"/>
+              </a:ext>
+            </a:extLst>
+          </p:cNvPr>
+          <p:cNvSpPr>
+            <a:spLocks noGrp="1"/>
+          </p:cNvSpPr>
+          <p:nvPr>
+            <p:ph type="title"/>
+          </p:nvPr>
+        </p:nvSpPr>
+        <p:spPr/>
+        <p:txBody>
+          <a:bodyPr/>
+          <a:lstStyle/>
+          <a:p>
+            <a:r>
+              <a:rPr lang="en-US" dirty="0"/>
+              <a:t>More logistics</a:t>
+            </a:r>
+          </a:p>
+        </p:txBody>
+      </p:sp>
+      <p:sp>
+        <p:nvSpPr>
           <p:cNvPr id="3" name="Content Placeholder 2">
             <a:extLst>
               <a:ext uri="{FF2B5EF4-FFF2-40B4-BE49-F238E27FC236}">
-                <a16:creationId xmlns:a16="http://schemas.microsoft.com/office/drawing/2014/main" id="{4FE0D083-73B1-B7E7-23C1-F3D28B2B59E5}"/>
+                <a16:creationId xmlns:a16="http://schemas.microsoft.com/office/drawing/2014/main" id="{4466C549-0B56-5674-127E-150F808F94C7}"/>
               </a:ext>
             </a:extLst>
           </p:cNvPr>
@@ -7686,86 +10817,95 @@
             <p:ph idx="1"/>
           </p:nvPr>
         </p:nvSpPr>
-        <p:spPr>
-          <a:xfrm>
-            <a:off x="1069848" y="605481"/>
-            <a:ext cx="10058400" cy="5566719"/>
-          </a:xfrm>
-        </p:spPr>
+        <p:spPr/>
         <p:txBody>
           <a:bodyPr>
-            <a:normAutofit/>
+            <a:normAutofit fontScale="85000" lnSpcReduction="10000"/>
           </a:bodyPr>
           <a:lstStyle/>
           <a:p>
-            <a:r>
-              <a:rPr lang="en-US" sz="3600" dirty="0"/>
-              <a:t>Suppose you want to learn </a:t>
-            </a:r>
-            <a:r>
-              <a:rPr lang="en-US" sz="3600" i="1" dirty="0"/>
-              <a:t>Gradient Descent</a:t>
-            </a:r>
-          </a:p>
-          <a:p>
-            <a:r>
-              <a:rPr lang="en-US" sz="3600" dirty="0"/>
-              <a:t>Suppose you love a textbook treatment</a:t>
-            </a:r>
-          </a:p>
-          <a:p>
-            <a:pPr marL="2271400" lvl="8" indent="0">
-              <a:buNone/>
+            <a:pPr>
+              <a:lnSpc>
+                <a:spcPct val="150000"/>
+              </a:lnSpc>
             </a:pPr>
-            <a:endParaRPr lang="en-US" sz="3200" dirty="0"/>
-          </a:p>
-          <a:p>
-            <a:pPr lvl="8"/>
-            <a:r>
-              <a:rPr lang="en-US" sz="3200" dirty="0"/>
-              <a:t>       Control + F: </a:t>
-            </a:r>
-            <a:r>
-              <a:rPr lang="en-US" sz="3200" i="1" dirty="0"/>
-              <a:t>Gradient Descent</a:t>
-            </a:r>
-          </a:p>
-        </p:txBody>
-      </p:sp>
-      <p:pic>
-        <p:nvPicPr>
-          <p:cNvPr id="2" name="Content Placeholder 4" descr="A picture containing text, screenshot, font, graphic design&#10;&#10;Description automatically generated">
-            <a:extLst>
-              <a:ext uri="{FF2B5EF4-FFF2-40B4-BE49-F238E27FC236}">
-                <a16:creationId xmlns:a16="http://schemas.microsoft.com/office/drawing/2014/main" id="{DD6D5751-D8D7-077B-B7D1-6AD5DD9B456F}"/>
-              </a:ext>
-            </a:extLst>
-          </p:cNvPr>
-          <p:cNvPicPr>
-            <a:picLocks noChangeAspect="1"/>
-          </p:cNvPicPr>
-          <p:nvPr/>
-        </p:nvPicPr>
-        <p:blipFill>
-          <a:blip r:embed="rId2"/>
-          <a:stretch>
-            <a:fillRect/>
-          </a:stretch>
-        </p:blipFill>
-        <p:spPr>
-          <a:xfrm>
-            <a:off x="1546477" y="2141624"/>
-            <a:ext cx="2335425" cy="3945498"/>
-          </a:xfrm>
-          <a:prstGeom prst="rect">
-            <a:avLst/>
-          </a:prstGeom>
-        </p:spPr>
-      </p:pic>
+            <a:r>
+              <a:rPr lang="en-US" sz="2800" dirty="0"/>
+              <a:t>Readings are mandatory</a:t>
+            </a:r>
+          </a:p>
+          <a:p>
+            <a:pPr lvl="1">
+              <a:lnSpc>
+                <a:spcPct val="150000"/>
+              </a:lnSpc>
+            </a:pPr>
+            <a:r>
+              <a:rPr lang="en-US" sz="2400" dirty="0"/>
+              <a:t>Check the syllabus</a:t>
+            </a:r>
+          </a:p>
+          <a:p>
+            <a:pPr>
+              <a:lnSpc>
+                <a:spcPct val="150000"/>
+              </a:lnSpc>
+            </a:pPr>
+            <a:r>
+              <a:rPr lang="en-US" sz="2800" dirty="0"/>
+              <a:t>Weekly assignment: 55 %</a:t>
+            </a:r>
+          </a:p>
+          <a:p>
+            <a:pPr lvl="1">
+              <a:lnSpc>
+                <a:spcPct val="150000"/>
+              </a:lnSpc>
+            </a:pPr>
+            <a:r>
+              <a:rPr lang="en-US" sz="2400" dirty="0"/>
+              <a:t>5 in total</a:t>
+            </a:r>
+          </a:p>
+          <a:p>
+            <a:pPr lvl="1">
+              <a:lnSpc>
+                <a:spcPct val="150000"/>
+              </a:lnSpc>
+            </a:pPr>
+            <a:r>
+              <a:rPr lang="en-US" sz="2400" dirty="0"/>
+              <a:t>No accepted more than a day late (10 % off a day late)</a:t>
+            </a:r>
+          </a:p>
+          <a:p>
+            <a:pPr>
+              <a:lnSpc>
+                <a:spcPct val="150000"/>
+              </a:lnSpc>
+            </a:pPr>
+            <a:r>
+              <a:rPr lang="en-US" sz="2800" dirty="0"/>
+              <a:t>Final exam: 40 %</a:t>
+            </a:r>
+          </a:p>
+          <a:p>
+            <a:pPr>
+              <a:lnSpc>
+                <a:spcPct val="150000"/>
+              </a:lnSpc>
+            </a:pPr>
+            <a:r>
+              <a:rPr lang="en-US" sz="2800" dirty="0"/>
+              <a:t>Participation / Attendance: 5 %</a:t>
+            </a:r>
+          </a:p>
+        </p:txBody>
+      </p:sp>
     </p:spTree>
     <p:extLst>
       <p:ext uri="{BB962C8B-B14F-4D97-AF65-F5344CB8AC3E}">
-        <p14:creationId xmlns:p14="http://schemas.microsoft.com/office/powerpoint/2010/main" val="2361833481"/>
+        <p14:creationId xmlns:p14="http://schemas.microsoft.com/office/powerpoint/2010/main" val="3809877777"/>
       </p:ext>
     </p:extLst>
   </p:cSld>
@@ -7792,80 +10932,164 @@
           <a:chExt cx="0" cy="0"/>
         </a:xfrm>
       </p:grpSpPr>
-      <p:pic>
-        <p:nvPicPr>
-          <p:cNvPr id="5" name="Content Placeholder 4" descr="A picture containing text, screenshot, font, document&#10;&#10;Description automatically generated">
+      <p:sp>
+        <p:nvSpPr>
+          <p:cNvPr id="2" name="Title 1">
             <a:extLst>
               <a:ext uri="{FF2B5EF4-FFF2-40B4-BE49-F238E27FC236}">
-                <a16:creationId xmlns:a16="http://schemas.microsoft.com/office/drawing/2014/main" id="{0F46CF41-A9E0-A101-73D5-4CC0A007EFFB}"/>
+                <a16:creationId xmlns:a16="http://schemas.microsoft.com/office/drawing/2014/main" id="{AAD2404D-6DF6-8499-58AB-066693137EF4}"/>
               </a:ext>
             </a:extLst>
           </p:cNvPr>
-          <p:cNvPicPr>
-            <a:picLocks noGrp="1" noChangeAspect="1"/>
-          </p:cNvPicPr>
-          <p:nvPr>
-            <p:ph idx="1"/>
-          </p:nvPr>
-        </p:nvPicPr>
-        <p:blipFill>
-          <a:blip r:embed="rId2"/>
-          <a:stretch>
-            <a:fillRect/>
-          </a:stretch>
-        </p:blipFill>
-        <p:spPr>
-          <a:xfrm>
-            <a:off x="2788983" y="604838"/>
-            <a:ext cx="6620383" cy="5567362"/>
-          </a:xfrm>
-        </p:spPr>
-      </p:pic>
-      <p:sp>
-        <p:nvSpPr>
-          <p:cNvPr id="6" name="TextBox 5">
+          <p:cNvSpPr>
+            <a:spLocks noGrp="1"/>
+          </p:cNvSpPr>
+          <p:nvPr>
+            <p:ph type="title"/>
+          </p:nvPr>
+        </p:nvSpPr>
+        <p:spPr/>
+        <p:txBody>
+          <a:bodyPr/>
+          <a:lstStyle/>
+          <a:p>
+            <a:r>
+              <a:rPr lang="en-US" dirty="0"/>
+              <a:t>Note for Assignments</a:t>
+            </a:r>
+          </a:p>
+        </p:txBody>
+      </p:sp>
+      <p:sp>
+        <p:nvSpPr>
+          <p:cNvPr id="3" name="Content Placeholder 2">
             <a:extLst>
               <a:ext uri="{FF2B5EF4-FFF2-40B4-BE49-F238E27FC236}">
-                <a16:creationId xmlns:a16="http://schemas.microsoft.com/office/drawing/2014/main" id="{BC68E1A5-BA23-61C2-65BE-CD4C3C9F415C}"/>
+                <a16:creationId xmlns:a16="http://schemas.microsoft.com/office/drawing/2014/main" id="{528D6376-BA1D-9119-E71D-781A46E01A5A}"/>
               </a:ext>
             </a:extLst>
           </p:cNvPr>
-          <p:cNvSpPr txBox="1"/>
-          <p:nvPr/>
-        </p:nvSpPr>
-        <p:spPr>
-          <a:xfrm>
-            <a:off x="9144000" y="2680633"/>
-            <a:ext cx="3486217" cy="707886"/>
-          </a:xfrm>
-          <a:prstGeom prst="rect">
-            <a:avLst/>
-          </a:prstGeom>
-          <a:noFill/>
-        </p:spPr>
-        <p:txBody>
-          <a:bodyPr wrap="square" rtlCol="0">
-            <a:spAutoFit/>
+          <p:cNvSpPr>
+            <a:spLocks noGrp="1"/>
+          </p:cNvSpPr>
+          <p:nvPr>
+            <p:ph idx="1"/>
+          </p:nvPr>
+        </p:nvSpPr>
+        <p:spPr/>
+        <p:txBody>
+          <a:bodyPr>
+            <a:normAutofit/>
           </a:bodyPr>
           <a:lstStyle/>
           <a:p>
+            <a:pPr>
+              <a:lnSpc>
+                <a:spcPct val="150000"/>
+              </a:lnSpc>
+            </a:pPr>
+            <a:r>
+              <a:rPr lang="en-US" sz="2400" dirty="0"/>
+              <a:t>Each assignment should be completed individually</a:t>
+            </a:r>
+          </a:p>
+          <a:p>
+            <a:pPr>
+              <a:lnSpc>
+                <a:spcPct val="150000"/>
+              </a:lnSpc>
+            </a:pPr>
+            <a:r>
+              <a:rPr lang="en-US" sz="2400" dirty="0"/>
+              <a:t>Strongly encourage you to work alone to gain the maximum</a:t>
+            </a:r>
+          </a:p>
+          <a:p>
+            <a:pPr>
+              <a:lnSpc>
+                <a:spcPct val="150000"/>
+              </a:lnSpc>
+            </a:pPr>
+            <a:r>
+              <a:rPr lang="en-US" sz="2400" dirty="0"/>
+              <a:t>Understand allowed collaboration and how to document it </a:t>
+            </a:r>
+          </a:p>
+          <a:p>
+            <a:pPr lvl="1">
+              <a:lnSpc>
+                <a:spcPct val="150000"/>
+              </a:lnSpc>
+            </a:pPr>
             <a:r>
               <a:rPr lang="en-US" sz="2000" dirty="0"/>
-              <a:t>Assumption?</a:t>
-            </a:r>
-          </a:p>
-          <a:p>
+              <a:t>Do not take code off from the web</a:t>
+            </a:r>
+          </a:p>
+          <a:p>
+            <a:pPr lvl="1">
+              <a:lnSpc>
+                <a:spcPct val="150000"/>
+              </a:lnSpc>
+            </a:pPr>
+            <a:r>
+              <a:rPr lang="en-US" sz="2000" b="1" dirty="0"/>
+              <a:t>Must acknowledge</a:t>
+            </a:r>
             <a:r>
               <a:rPr lang="en-US" sz="2000" dirty="0"/>
-              <a:t>Why is this preferred?</a:t>
-            </a:r>
+              <a:t> working with other students</a:t>
+            </a:r>
+          </a:p>
+          <a:p>
+            <a:pPr lvl="1">
+              <a:lnSpc>
+                <a:spcPct val="150000"/>
+              </a:lnSpc>
+            </a:pPr>
+            <a:r>
+              <a:rPr lang="en-US" sz="2000" dirty="0"/>
+              <a:t>Must write your own assignment solutions</a:t>
+            </a:r>
+          </a:p>
+          <a:p>
+            <a:pPr lvl="1">
+              <a:lnSpc>
+                <a:spcPct val="150000"/>
+              </a:lnSpc>
+            </a:pPr>
+            <a:endParaRPr lang="en-US" sz="2000" dirty="0"/>
+          </a:p>
+          <a:p>
+            <a:pPr>
+              <a:lnSpc>
+                <a:spcPct val="150000"/>
+              </a:lnSpc>
+            </a:pPr>
+            <a:endParaRPr lang="en-US" sz="2400" dirty="0"/>
+          </a:p>
+          <a:p>
+            <a:pPr>
+              <a:lnSpc>
+                <a:spcPct val="150000"/>
+              </a:lnSpc>
+            </a:pPr>
+            <a:endParaRPr lang="en-US" sz="2400" dirty="0"/>
+          </a:p>
+          <a:p>
+            <a:pPr>
+              <a:lnSpc>
+                <a:spcPct val="150000"/>
+              </a:lnSpc>
+            </a:pPr>
+            <a:endParaRPr lang="en-US" sz="2400" dirty="0"/>
           </a:p>
         </p:txBody>
       </p:sp>
     </p:spTree>
     <p:extLst>
       <p:ext uri="{BB962C8B-B14F-4D97-AF65-F5344CB8AC3E}">
-        <p14:creationId xmlns:p14="http://schemas.microsoft.com/office/powerpoint/2010/main" val="2383933316"/>
+        <p14:creationId xmlns:p14="http://schemas.microsoft.com/office/powerpoint/2010/main" val="4104932417"/>
       </p:ext>
     </p:extLst>
   </p:cSld>
@@ -8102,4 +11326,299 @@
     </a:ext>
   </a:extLst>
 </a:theme>
+</file>
+
+<file path=ppt/theme/theme2.xml><?xml version="1.0" encoding="utf-8"?>
+<a:theme xmlns:a="http://schemas.openxmlformats.org/drawingml/2006/main" name="Office Theme">
+  <a:themeElements>
+    <a:clrScheme name="Office">
+      <a:dk1>
+        <a:sysClr val="windowText" lastClr="000000"/>
+      </a:dk1>
+      <a:lt1>
+        <a:sysClr val="window" lastClr="FFFFFF"/>
+      </a:lt1>
+      <a:dk2>
+        <a:srgbClr val="44546A"/>
+      </a:dk2>
+      <a:lt2>
+        <a:srgbClr val="E7E6E6"/>
+      </a:lt2>
+      <a:accent1>
+        <a:srgbClr val="4472C4"/>
+      </a:accent1>
+      <a:accent2>
+        <a:srgbClr val="ED7D31"/>
+      </a:accent2>
+      <a:accent3>
+        <a:srgbClr val="A5A5A5"/>
+      </a:accent3>
+      <a:accent4>
+        <a:srgbClr val="FFC000"/>
+      </a:accent4>
+      <a:accent5>
+        <a:srgbClr val="5B9BD5"/>
+      </a:accent5>
+      <a:accent6>
+        <a:srgbClr val="70AD47"/>
+      </a:accent6>
+      <a:hlink>
+        <a:srgbClr val="0563C1"/>
+      </a:hlink>
+      <a:folHlink>
+        <a:srgbClr val="954F72"/>
+      </a:folHlink>
+    </a:clrScheme>
+    <a:fontScheme name="Office">
+      <a:majorFont>
+        <a:latin typeface="Calibri Light" panose="020F0302020204030204"/>
+        <a:ea typeface=""/>
+        <a:cs typeface=""/>
+        <a:font script="Jpan" typeface="游ゴシック Light"/>
+        <a:font script="Hang" typeface="맑은 고딕"/>
+        <a:font script="Hans" typeface="等线 Light"/>
+        <a:font script="Hant" typeface="新細明體"/>
+        <a:font script="Arab" typeface="Times New Roman"/>
+        <a:font script="Hebr" typeface="Times New Roman"/>
+        <a:font script="Thai" typeface="Angsana New"/>
+        <a:font script="Ethi" typeface="Nyala"/>
+        <a:font script="Beng" typeface="Vrinda"/>
+        <a:font script="Gujr" typeface="Shruti"/>
+        <a:font script="Khmr" typeface="MoolBoran"/>
+        <a:font script="Knda" typeface="Tunga"/>
+        <a:font script="Guru" typeface="Raavi"/>
+        <a:font script="Cans" typeface="Euphemia"/>
+        <a:font script="Cher" typeface="Plantagenet Cherokee"/>
+        <a:font script="Yiii" typeface="Microsoft Yi Baiti"/>
+        <a:font script="Tibt" typeface="Microsoft Himalaya"/>
+        <a:font script="Thaa" typeface="MV Boli"/>
+        <a:font script="Deva" typeface="Mangal"/>
+        <a:font script="Telu" typeface="Gautami"/>
+        <a:font script="Taml" typeface="Latha"/>
+        <a:font script="Syrc" typeface="Estrangelo Edessa"/>
+        <a:font script="Orya" typeface="Kalinga"/>
+        <a:font script="Mlym" typeface="Kartika"/>
+        <a:font script="Laoo" typeface="DokChampa"/>
+        <a:font script="Sinh" typeface="Iskoola Pota"/>
+        <a:font script="Mong" typeface="Mongolian Baiti"/>
+        <a:font script="Viet" typeface="Times New Roman"/>
+        <a:font script="Uigh" typeface="Microsoft Uighur"/>
+        <a:font script="Geor" typeface="Sylfaen"/>
+        <a:font script="Armn" typeface="Arial"/>
+        <a:font script="Bugi" typeface="Leelawadee UI"/>
+        <a:font script="Bopo" typeface="Microsoft JhengHei"/>
+        <a:font script="Java" typeface="Javanese Text"/>
+        <a:font script="Lisu" typeface="Segoe UI"/>
+        <a:font script="Mymr" typeface="Myanmar Text"/>
+        <a:font script="Nkoo" typeface="Ebrima"/>
+        <a:font script="Olck" typeface="Nirmala UI"/>
+        <a:font script="Osma" typeface="Ebrima"/>
+        <a:font script="Phag" typeface="Phagspa"/>
+        <a:font script="Syrn" typeface="Estrangelo Edessa"/>
+        <a:font script="Syrj" typeface="Estrangelo Edessa"/>
+        <a:font script="Syre" typeface="Estrangelo Edessa"/>
+        <a:font script="Sora" typeface="Nirmala UI"/>
+        <a:font script="Tale" typeface="Microsoft Tai Le"/>
+        <a:font script="Talu" typeface="Microsoft New Tai Lue"/>
+        <a:font script="Tfng" typeface="Ebrima"/>
+      </a:majorFont>
+      <a:minorFont>
+        <a:latin typeface="Calibri" panose="020F0502020204030204"/>
+        <a:ea typeface=""/>
+        <a:cs typeface=""/>
+        <a:font script="Jpan" typeface="游ゴシック"/>
+        <a:font script="Hang" typeface="맑은 고딕"/>
+        <a:font script="Hans" typeface="等线"/>
+        <a:font script="Hant" typeface="新細明體"/>
+        <a:font script="Arab" typeface="Arial"/>
+        <a:font script="Hebr" typeface="Arial"/>
+        <a:font script="Thai" typeface="Cordia New"/>
+        <a:font script="Ethi" typeface="Nyala"/>
+        <a:font script="Beng" typeface="Vrinda"/>
+        <a:font script="Gujr" typeface="Shruti"/>
+        <a:font script="Khmr" typeface="DaunPenh"/>
+        <a:font script="Knda" typeface="Tunga"/>
+        <a:font script="Guru" typeface="Raavi"/>
+        <a:font script="Cans" typeface="Euphemia"/>
+        <a:font script="Cher" typeface="Plantagenet Cherokee"/>
+        <a:font script="Yiii" typeface="Microsoft Yi Baiti"/>
+        <a:font script="Tibt" typeface="Microsoft Himalaya"/>
+        <a:font script="Thaa" typeface="MV Boli"/>
+        <a:font script="Deva" typeface="Mangal"/>
+        <a:font script="Telu" typeface="Gautami"/>
+        <a:font script="Taml" typeface="Latha"/>
+        <a:font script="Syrc" typeface="Estrangelo Edessa"/>
+        <a:font script="Orya" typeface="Kalinga"/>
+        <a:font script="Mlym" typeface="Kartika"/>
+        <a:font script="Laoo" typeface="DokChampa"/>
+        <a:font script="Sinh" typeface="Iskoola Pota"/>
+        <a:font script="Mong" typeface="Mongolian Baiti"/>
+        <a:font script="Viet" typeface="Arial"/>
+        <a:font script="Uigh" typeface="Microsoft Uighur"/>
+        <a:font script="Geor" typeface="Sylfaen"/>
+        <a:font script="Armn" typeface="Arial"/>
+        <a:font script="Bugi" typeface="Leelawadee UI"/>
+        <a:font script="Bopo" typeface="Microsoft JhengHei"/>
+        <a:font script="Java" typeface="Javanese Text"/>
+        <a:font script="Lisu" typeface="Segoe UI"/>
+        <a:font script="Mymr" typeface="Myanmar Text"/>
+        <a:font script="Nkoo" typeface="Ebrima"/>
+        <a:font script="Olck" typeface="Nirmala UI"/>
+        <a:font script="Osma" typeface="Ebrima"/>
+        <a:font script="Phag" typeface="Phagspa"/>
+        <a:font script="Syrn" typeface="Estrangelo Edessa"/>
+        <a:font script="Syrj" typeface="Estrangelo Edessa"/>
+        <a:font script="Syre" typeface="Estrangelo Edessa"/>
+        <a:font script="Sora" typeface="Nirmala UI"/>
+        <a:font script="Tale" typeface="Microsoft Tai Le"/>
+        <a:font script="Talu" typeface="Microsoft New Tai Lue"/>
+        <a:font script="Tfng" typeface="Ebrima"/>
+      </a:minorFont>
+    </a:fontScheme>
+    <a:fmtScheme name="Office">
+      <a:fillStyleLst>
+        <a:solidFill>
+          <a:schemeClr val="phClr"/>
+        </a:solidFill>
+        <a:gradFill rotWithShape="1">
+          <a:gsLst>
+            <a:gs pos="0">
+              <a:schemeClr val="phClr">
+                <a:lumMod val="110000"/>
+                <a:satMod val="105000"/>
+                <a:tint val="67000"/>
+              </a:schemeClr>
+            </a:gs>
+            <a:gs pos="50000">
+              <a:schemeClr val="phClr">
+                <a:lumMod val="105000"/>
+                <a:satMod val="103000"/>
+                <a:tint val="73000"/>
+              </a:schemeClr>
+            </a:gs>
+            <a:gs pos="100000">
+              <a:schemeClr val="phClr">
+                <a:lumMod val="105000"/>
+                <a:satMod val="109000"/>
+                <a:tint val="81000"/>
+              </a:schemeClr>
+            </a:gs>
+          </a:gsLst>
+          <a:lin ang="5400000" scaled="0"/>
+        </a:gradFill>
+        <a:gradFill rotWithShape="1">
+          <a:gsLst>
+            <a:gs pos="0">
+              <a:schemeClr val="phClr">
+                <a:satMod val="103000"/>
+                <a:lumMod val="102000"/>
+                <a:tint val="94000"/>
+              </a:schemeClr>
+            </a:gs>
+            <a:gs pos="50000">
+              <a:schemeClr val="phClr">
+                <a:satMod val="110000"/>
+                <a:lumMod val="100000"/>
+                <a:shade val="100000"/>
+              </a:schemeClr>
+            </a:gs>
+            <a:gs pos="100000">
+              <a:schemeClr val="phClr">
+                <a:lumMod val="99000"/>
+                <a:satMod val="120000"/>
+                <a:shade val="78000"/>
+              </a:schemeClr>
+            </a:gs>
+          </a:gsLst>
+          <a:lin ang="5400000" scaled="0"/>
+        </a:gradFill>
+      </a:fillStyleLst>
+      <a:lnStyleLst>
+        <a:ln w="6350" cap="flat" cmpd="sng" algn="ctr">
+          <a:solidFill>
+            <a:schemeClr val="phClr"/>
+          </a:solidFill>
+          <a:prstDash val="solid"/>
+          <a:miter lim="800000"/>
+        </a:ln>
+        <a:ln w="12700" cap="flat" cmpd="sng" algn="ctr">
+          <a:solidFill>
+            <a:schemeClr val="phClr"/>
+          </a:solidFill>
+          <a:prstDash val="solid"/>
+          <a:miter lim="800000"/>
+        </a:ln>
+        <a:ln w="19050" cap="flat" cmpd="sng" algn="ctr">
+          <a:solidFill>
+            <a:schemeClr val="phClr"/>
+          </a:solidFill>
+          <a:prstDash val="solid"/>
+          <a:miter lim="800000"/>
+        </a:ln>
+      </a:lnStyleLst>
+      <a:effectStyleLst>
+        <a:effectStyle>
+          <a:effectLst/>
+        </a:effectStyle>
+        <a:effectStyle>
+          <a:effectLst/>
+        </a:effectStyle>
+        <a:effectStyle>
+          <a:effectLst>
+            <a:outerShdw blurRad="57150" dist="19050" dir="5400000" algn="ctr" rotWithShape="0">
+              <a:srgbClr val="000000">
+                <a:alpha val="63000"/>
+              </a:srgbClr>
+            </a:outerShdw>
+          </a:effectLst>
+        </a:effectStyle>
+      </a:effectStyleLst>
+      <a:bgFillStyleLst>
+        <a:solidFill>
+          <a:schemeClr val="phClr"/>
+        </a:solidFill>
+        <a:solidFill>
+          <a:schemeClr val="phClr">
+            <a:tint val="95000"/>
+            <a:satMod val="170000"/>
+          </a:schemeClr>
+        </a:solidFill>
+        <a:gradFill rotWithShape="1">
+          <a:gsLst>
+            <a:gs pos="0">
+              <a:schemeClr val="phClr">
+                <a:tint val="93000"/>
+                <a:satMod val="150000"/>
+                <a:shade val="98000"/>
+                <a:lumMod val="102000"/>
+              </a:schemeClr>
+            </a:gs>
+            <a:gs pos="50000">
+              <a:schemeClr val="phClr">
+                <a:tint val="98000"/>
+                <a:satMod val="130000"/>
+                <a:shade val="90000"/>
+                <a:lumMod val="103000"/>
+              </a:schemeClr>
+            </a:gs>
+            <a:gs pos="100000">
+              <a:schemeClr val="phClr">
+                <a:shade val="63000"/>
+                <a:satMod val="120000"/>
+              </a:schemeClr>
+            </a:gs>
+          </a:gsLst>
+          <a:lin ang="5400000" scaled="0"/>
+        </a:gradFill>
+      </a:bgFillStyleLst>
+    </a:fmtScheme>
+  </a:themeElements>
+  <a:objectDefaults/>
+  <a:extraClrSchemeLst/>
+  <a:extLst>
+    <a:ext uri="{05A4C25C-085E-4340-85A3-A5531E510DB2}">
+      <thm15:themeFamily xmlns:thm15="http://schemas.microsoft.com/office/thememl/2012/main" name="Office Theme" id="{62F939B6-93AF-4DB8-9C6B-D6C7DFDC589F}" vid="{4A3C46E8-61CC-4603-A589-7422A47A8E4A}"/>
+    </a:ext>
+  </a:extLst>
+</a:theme>
 </file>
--- a/Summer2023/BUS243/lecture_note/lecture1.pptx
+++ b/Summer2023/BUS243/lecture_note/lecture1.pptx
@@ -235,7 +235,7 @@
           <a:p>
             <a:fld id="{B6C6586F-D687-CC4C-A6CD-319E9FE1EF83}" type="datetimeFigureOut">
               <a:rPr lang="en-US" smtClean="0"/>
-              <a:t>7/7/23</a:t>
+              <a:t>7/10/23</a:t>
             </a:fld>
             <a:endParaRPr lang="en-US"/>
           </a:p>
@@ -1087,7 +1087,7 @@
           <a:p>
             <a:fld id="{3CADBD16-5BFB-4D9F-9646-C75D1B53BBB6}" type="datetimeFigureOut">
               <a:rPr lang="en-US" smtClean="0"/>
-              <a:t>7/7/23</a:t>
+              <a:t>7/10/23</a:t>
             </a:fld>
             <a:endParaRPr lang="en-US"/>
           </a:p>
@@ -1265,7 +1265,7 @@
             <a:fld id="{3CADBD16-5BFB-4D9F-9646-C75D1B53BBB6}" type="datetimeFigureOut">
               <a:rPr lang="en-US" smtClean="0"/>
               <a:pPr/>
-              <a:t>7/7/23</a:t>
+              <a:t>7/10/23</a:t>
             </a:fld>
             <a:endParaRPr lang="en-US" dirty="0"/>
           </a:p>
@@ -1447,7 +1447,7 @@
             <a:fld id="{3CADBD16-5BFB-4D9F-9646-C75D1B53BBB6}" type="datetimeFigureOut">
               <a:rPr lang="en-US" smtClean="0"/>
               <a:pPr/>
-              <a:t>7/7/23</a:t>
+              <a:t>7/10/23</a:t>
             </a:fld>
             <a:endParaRPr lang="en-US" dirty="0"/>
           </a:p>
@@ -1619,7 +1619,7 @@
             <a:fld id="{3CADBD16-5BFB-4D9F-9646-C75D1B53BBB6}" type="datetimeFigureOut">
               <a:rPr lang="en-US" smtClean="0"/>
               <a:pPr/>
-              <a:t>7/7/23</a:t>
+              <a:t>7/10/23</a:t>
             </a:fld>
             <a:endParaRPr lang="en-US" dirty="0"/>
           </a:p>
@@ -1941,7 +1941,7 @@
           <a:p>
             <a:fld id="{3CADBD16-5BFB-4D9F-9646-C75D1B53BBB6}" type="datetimeFigureOut">
               <a:rPr lang="en-US" smtClean="0"/>
-              <a:t>7/7/23</a:t>
+              <a:t>7/10/23</a:t>
             </a:fld>
             <a:endParaRPr lang="en-US"/>
           </a:p>
@@ -2402,7 +2402,7 @@
             <a:fld id="{3CADBD16-5BFB-4D9F-9646-C75D1B53BBB6}" type="datetimeFigureOut">
               <a:rPr lang="en-US" smtClean="0"/>
               <a:pPr/>
-              <a:t>7/7/23</a:t>
+              <a:t>7/10/23</a:t>
             </a:fld>
             <a:endParaRPr lang="en-US" dirty="0"/>
           </a:p>
@@ -2815,7 +2815,7 @@
             <a:fld id="{3CADBD16-5BFB-4D9F-9646-C75D1B53BBB6}" type="datetimeFigureOut">
               <a:rPr lang="en-US" smtClean="0"/>
               <a:pPr/>
-              <a:t>7/7/23</a:t>
+              <a:t>7/10/23</a:t>
             </a:fld>
             <a:endParaRPr lang="en-US" dirty="0"/>
           </a:p>
@@ -2934,7 +2934,7 @@
           <a:p>
             <a:fld id="{3CADBD16-5BFB-4D9F-9646-C75D1B53BBB6}" type="datetimeFigureOut">
               <a:rPr lang="en-US" smtClean="0"/>
-              <a:t>7/7/23</a:t>
+              <a:t>7/10/23</a:t>
             </a:fld>
             <a:endParaRPr lang="en-US"/>
           </a:p>
@@ -3051,7 +3051,7 @@
           <a:p>
             <a:fld id="{3CADBD16-5BFB-4D9F-9646-C75D1B53BBB6}" type="datetimeFigureOut">
               <a:rPr lang="en-US" smtClean="0"/>
-              <a:t>7/7/23</a:t>
+              <a:t>7/10/23</a:t>
             </a:fld>
             <a:endParaRPr lang="en-US"/>
           </a:p>
@@ -3410,7 +3410,7 @@
             <a:fld id="{3CADBD16-5BFB-4D9F-9646-C75D1B53BBB6}" type="datetimeFigureOut">
               <a:rPr lang="en-US" smtClean="0"/>
               <a:pPr/>
-              <a:t>7/7/23</a:t>
+              <a:t>7/10/23</a:t>
             </a:fld>
             <a:endParaRPr lang="en-US" dirty="0"/>
           </a:p>
@@ -3919,7 +3919,7 @@
             <a:fld id="{3CADBD16-5BFB-4D9F-9646-C75D1B53BBB6}" type="datetimeFigureOut">
               <a:rPr lang="en-US" smtClean="0"/>
               <a:pPr/>
-              <a:t>7/7/23</a:t>
+              <a:t>7/10/23</a:t>
             </a:fld>
             <a:endParaRPr lang="en-US" dirty="0"/>
           </a:p>
@@ -4276,7 +4276,7 @@
             <a:fld id="{3CADBD16-5BFB-4D9F-9646-C75D1B53BBB6}" type="datetimeFigureOut">
               <a:rPr lang="en-US" smtClean="0"/>
               <a:pPr/>
-              <a:t>7/7/23</a:t>
+              <a:t>7/10/23</a:t>
             </a:fld>
             <a:endParaRPr lang="en-US" dirty="0"/>
           </a:p>
@@ -5065,7 +5065,13 @@
           <a:p>
             <a:r>
               <a:rPr lang="en-US" dirty="0"/>
-              <a:t>Lecture 1: Information Retrieval</a:t>
+              <a:t>Lecture 1: Logistics /</a:t>
+            </a:r>
+          </a:p>
+          <a:p>
+            <a:r>
+              <a:rPr lang="en-US" dirty="0"/>
+              <a:t>Information Retrieval</a:t>
             </a:r>
           </a:p>
         </p:txBody>
@@ -5622,7 +5628,7 @@
             <a:pPr lvl="1"/>
             <a:r>
               <a:rPr lang="en-US" sz="2000" dirty="0"/>
-              <a:t>Again, what is AI?</a:t>
+              <a:t>This is pretty new</a:t>
             </a:r>
           </a:p>
           <a:p>
@@ -5687,7 +5693,7 @@
           <a:lstStyle/>
           <a:p>
             <a:r>
-              <a:rPr lang="en-US" sz="3200" b="1" dirty="0"/>
+              <a:rPr lang="en-US" sz="4000" dirty="0"/>
               <a:t>What does it mean for a language to be natural?</a:t>
             </a:r>
           </a:p>
@@ -5711,7 +5717,9 @@
         </p:nvSpPr>
         <p:spPr/>
         <p:txBody>
-          <a:bodyPr/>
+          <a:bodyPr>
+            <a:normAutofit/>
+          </a:bodyPr>
           <a:lstStyle/>
           <a:p>
             <a:pPr>
@@ -5720,7 +5728,7 @@
               </a:lnSpc>
             </a:pPr>
             <a:r>
-              <a:rPr lang="en-US" dirty="0"/>
+              <a:rPr lang="en-US" sz="2800" dirty="0"/>
               <a:t>You might wonder</a:t>
             </a:r>
           </a:p>
@@ -5731,7 +5739,7 @@
               </a:lnSpc>
             </a:pPr>
             <a:r>
-              <a:rPr lang="en-US" dirty="0"/>
+              <a:rPr lang="en-US" sz="2400" dirty="0"/>
               <a:t>Are there any unnatural languages?</a:t>
             </a:r>
           </a:p>
@@ -5742,7 +5750,7 @@
               </a:lnSpc>
             </a:pPr>
             <a:r>
-              <a:rPr lang="en-US" dirty="0"/>
+              <a:rPr lang="en-US" sz="2400" dirty="0"/>
               <a:t>Is English natural?</a:t>
             </a:r>
           </a:p>
@@ -5753,7 +5761,7 @@
               </a:lnSpc>
             </a:pPr>
             <a:r>
-              <a:rPr lang="en-US" dirty="0"/>
+              <a:rPr lang="en-US" sz="2400" dirty="0"/>
               <a:t>Is Spanish more natural than Korean?</a:t>
             </a:r>
           </a:p>
@@ -5764,7 +5772,7 @@
               </a:lnSpc>
             </a:pPr>
             <a:r>
-              <a:rPr lang="en-US" dirty="0"/>
+              <a:rPr lang="en-US" sz="2800" dirty="0"/>
               <a:t>Another tricky term is a formal language</a:t>
             </a:r>
           </a:p>
@@ -5775,7 +5783,7 @@
               </a:lnSpc>
             </a:pPr>
             <a:r>
-              <a:rPr lang="en-US" dirty="0"/>
+              <a:rPr lang="en-US" sz="2400" dirty="0"/>
               <a:t>Is English formal?</a:t>
             </a:r>
           </a:p>
@@ -5786,7 +5794,7 @@
               </a:lnSpc>
               <a:buNone/>
             </a:pPr>
-            <a:endParaRPr lang="en-US" dirty="0"/>
+            <a:endParaRPr lang="en-US" sz="2400" dirty="0"/>
           </a:p>
         </p:txBody>
       </p:sp>
@@ -5844,7 +5852,7 @@
           <a:lstStyle/>
           <a:p>
             <a:r>
-              <a:rPr lang="en-US" sz="4000" b="1" dirty="0"/>
+              <a:rPr lang="en-US" sz="4000" dirty="0"/>
               <a:t>Natural vs. Formal</a:t>
             </a:r>
           </a:p>
@@ -5869,7 +5877,7 @@
         <p:spPr/>
         <p:txBody>
           <a:bodyPr>
-            <a:normAutofit fontScale="92500" lnSpcReduction="20000"/>
+            <a:normAutofit/>
           </a:bodyPr>
           <a:lstStyle/>
           <a:p>
@@ -5910,7 +5918,7 @@
             </a:pPr>
             <a:r>
               <a:rPr lang="en-US" dirty="0"/>
-              <a:t>On the other hand, formal languages are types of languages that are invented by humans</a:t>
+              <a:t>Formal languages are types of languages that are invented by humans</a:t>
             </a:r>
           </a:p>
           <a:p>
@@ -5925,6 +5933,17 @@
             </a:r>
           </a:p>
           <a:p>
+            <a:pPr lvl="2">
+              <a:lnSpc>
+                <a:spcPct val="160000"/>
+              </a:lnSpc>
+            </a:pPr>
+            <a:r>
+              <a:rPr lang="en-US" dirty="0"/>
+              <a:t>Programming languages are examples</a:t>
+            </a:r>
+          </a:p>
+          <a:p>
             <a:pPr lvl="1">
               <a:lnSpc>
                 <a:spcPct val="160000"/>
@@ -5932,7 +5951,7 @@
             </a:pPr>
             <a:r>
               <a:rPr lang="en-US" dirty="0"/>
-              <a:t>Programming languages are examples</a:t>
+              <a:t>When you run a compiler on the code, you either get a syntax error or not</a:t>
             </a:r>
           </a:p>
           <a:p>
@@ -5943,18 +5962,7 @@
             </a:pPr>
             <a:r>
               <a:rPr lang="en-US" dirty="0"/>
-              <a:t>When you run a compiler or an interpreter on the code you write in those languages, you either get a syntax error or not</a:t>
-            </a:r>
-          </a:p>
-          <a:p>
-            <a:pPr lvl="1">
-              <a:lnSpc>
-                <a:spcPct val="160000"/>
-              </a:lnSpc>
-            </a:pPr>
-            <a:r>
-              <a:rPr lang="en-US" dirty="0"/>
-              <a:t>the behavior of your program is always the same if it’s run on the same code</a:t>
+              <a:t>The behavior of your program is always the same if it’s run on the same code</a:t>
             </a:r>
           </a:p>
         </p:txBody>
@@ -6013,7 +6021,7 @@
           <a:lstStyle/>
           <a:p>
             <a:r>
-              <a:rPr lang="en-US" sz="4000" b="1" dirty="0"/>
+              <a:rPr lang="en-US" sz="4400" dirty="0"/>
               <a:t>Natural language is hardly formal</a:t>
             </a:r>
           </a:p>
@@ -6048,15 +6056,15 @@
               </a:lnSpc>
             </a:pPr>
             <a:r>
-              <a:rPr lang="en-US" dirty="0"/>
+              <a:rPr lang="en-US" sz="2400" dirty="0"/>
               <a:t>You can write a sentence that is </a:t>
             </a:r>
             <a:r>
-              <a:rPr lang="en-US" i="1" dirty="0"/>
+              <a:rPr lang="en-US" sz="2400" i="1" dirty="0"/>
               <a:t>maybe</a:t>
             </a:r>
             <a:r>
-              <a:rPr lang="en-US" dirty="0"/>
+              <a:rPr lang="en-US" sz="2400" dirty="0"/>
               <a:t> grammatical</a:t>
             </a:r>
           </a:p>
@@ -6067,7 +6075,7 @@
               </a:lnSpc>
             </a:pPr>
             <a:r>
-              <a:rPr lang="en-US" dirty="0"/>
+              <a:rPr lang="en-US" sz="2000" dirty="0"/>
               <a:t>Subjective, and worse, time varying</a:t>
             </a:r>
           </a:p>
@@ -6078,7 +6086,7 @@
               </a:lnSpc>
             </a:pPr>
             <a:r>
-              <a:rPr lang="en-US" dirty="0"/>
+              <a:rPr lang="en-US" sz="2000" dirty="0"/>
               <a:t>There are some grammar topics where even experts disagree with each other</a:t>
             </a:r>
           </a:p>
@@ -6089,7 +6097,7 @@
               </a:lnSpc>
             </a:pPr>
             <a:r>
-              <a:rPr lang="en-US" dirty="0"/>
+              <a:rPr lang="en-US" sz="2400" dirty="0"/>
               <a:t>This is what makes human languages interesting but challenging, and why the entire field of NLP even exists</a:t>
             </a:r>
           </a:p>
@@ -6100,7 +6108,7 @@
               </a:lnSpc>
             </a:pPr>
             <a:r>
-              <a:rPr lang="en-US" dirty="0"/>
+              <a:rPr lang="en-US" sz="2400" dirty="0"/>
               <a:t>Bottom line: human languages are ambiguous</a:t>
             </a:r>
           </a:p>
@@ -6110,7 +6118,7 @@
                 <a:spcPct val="160000"/>
               </a:lnSpc>
             </a:pPr>
-            <a:endParaRPr lang="en-US" dirty="0"/>
+            <a:endParaRPr lang="en-US" sz="2400" dirty="0"/>
           </a:p>
         </p:txBody>
       </p:sp>
@@ -6168,7 +6176,7 @@
           <a:lstStyle/>
           <a:p>
             <a:r>
-              <a:rPr lang="en-US" sz="4000" b="1" dirty="0"/>
+              <a:rPr lang="en-US" sz="4400" dirty="0"/>
               <a:t>He saw a girl with a telescope</a:t>
             </a:r>
           </a:p>
@@ -6429,7 +6437,7 @@
           <a:lstStyle/>
           <a:p>
             <a:r>
-              <a:rPr lang="en-US" b="1" dirty="0"/>
+              <a:rPr lang="en-US" dirty="0"/>
               <a:t>Here comes a new challenger</a:t>
             </a:r>
           </a:p>
@@ -6454,7 +6462,7 @@
         <p:spPr/>
         <p:txBody>
           <a:bodyPr>
-            <a:normAutofit fontScale="92500" lnSpcReduction="20000"/>
+            <a:normAutofit fontScale="92500" lnSpcReduction="10000"/>
           </a:bodyPr>
           <a:lstStyle/>
           <a:p>
@@ -6476,7 +6484,7 @@
             </a:pPr>
             <a:r>
               <a:rPr lang="en-US" dirty="0"/>
-              <a:t>You are working as a junior data scientist at a midsized company that has a consumer-facing product line</a:t>
+              <a:t>You are working as a junior data scientist at a midsized company</a:t>
             </a:r>
           </a:p>
           <a:p>
@@ -6526,7 +6534,7 @@
             </a:pPr>
             <a:r>
               <a:rPr lang="en-US" dirty="0"/>
-              <a:t>a free-response question, where our customers can write whatever they feel about our product</a:t>
+              <a:t>A free-response question, where our customers can write whatever they feel about our product</a:t>
             </a:r>
           </a:p>
         </p:txBody>
@@ -6563,10 +6571,110 @@
       </p:grpSpPr>
       <p:sp>
         <p:nvSpPr>
-          <p:cNvPr id="2" name="Title 1">
+          <p:cNvPr id="3" name="Content Placeholder 2">
             <a:extLst>
               <a:ext uri="{FF2B5EF4-FFF2-40B4-BE49-F238E27FC236}">
-                <a16:creationId xmlns:a16="http://schemas.microsoft.com/office/drawing/2014/main" id="{A096B2B9-C6A3-F20B-5B9B-BC61E46BEC39}"/>
+                <a16:creationId xmlns:a16="http://schemas.microsoft.com/office/drawing/2014/main" id="{31BBDABA-8C36-342F-E3D9-85D2F7D66E2C}"/>
+              </a:ext>
+            </a:extLst>
+          </p:cNvPr>
+          <p:cNvSpPr>
+            <a:spLocks noGrp="1"/>
+          </p:cNvSpPr>
+          <p:nvPr>
+            <p:ph idx="1"/>
+          </p:nvPr>
+        </p:nvSpPr>
+        <p:spPr>
+          <a:xfrm>
+            <a:off x="1069848" y="1550504"/>
+            <a:ext cx="10058400" cy="4621696"/>
+          </a:xfrm>
+        </p:spPr>
+        <p:txBody>
+          <a:bodyPr>
+            <a:normAutofit/>
+          </a:bodyPr>
+          <a:lstStyle/>
+          <a:p>
+            <a:pPr>
+              <a:lnSpc>
+                <a:spcPct val="160000"/>
+              </a:lnSpc>
+            </a:pPr>
+            <a:r>
+              <a:rPr lang="en-US" sz="2400" dirty="0"/>
+              <a:t>The marketing team realized there was a bug in the online system and the answers to the second question were not recorded in the database at all</a:t>
+            </a:r>
+          </a:p>
+          <a:p>
+            <a:pPr>
+              <a:lnSpc>
+                <a:spcPct val="160000"/>
+              </a:lnSpc>
+            </a:pPr>
+            <a:r>
+              <a:rPr lang="en-US" sz="2400" dirty="0"/>
+              <a:t>Your task is whether you could recover the lost data</a:t>
+            </a:r>
+          </a:p>
+          <a:p>
+            <a:pPr>
+              <a:lnSpc>
+                <a:spcPct val="160000"/>
+              </a:lnSpc>
+            </a:pPr>
+            <a:r>
+              <a:rPr lang="en-US" sz="2400" dirty="0"/>
+              <a:t>Fortunately, data structure is fairly standard</a:t>
+            </a:r>
+          </a:p>
+          <a:p>
+            <a:pPr lvl="1">
+              <a:lnSpc>
+                <a:spcPct val="160000"/>
+              </a:lnSpc>
+            </a:pPr>
+            <a:r>
+              <a:rPr lang="en-US" sz="2000" dirty="0"/>
+              <a:t>It has several fields such as timestamps and submission IDs</a:t>
+            </a:r>
+          </a:p>
+          <a:p>
+            <a:pPr lvl="1">
+              <a:lnSpc>
+                <a:spcPct val="160000"/>
+              </a:lnSpc>
+            </a:pPr>
+            <a:r>
+              <a:rPr lang="en-US" sz="2000" dirty="0"/>
+              <a:t>At the end of each line is a lengthy field for the free-response question</a:t>
+            </a:r>
+          </a:p>
+          <a:p>
+            <a:pPr lvl="1">
+              <a:lnSpc>
+                <a:spcPct val="160000"/>
+              </a:lnSpc>
+            </a:pPr>
+            <a:endParaRPr lang="en-US" sz="2000" dirty="0"/>
+          </a:p>
+          <a:p>
+            <a:pPr lvl="1">
+              <a:lnSpc>
+                <a:spcPct val="160000"/>
+              </a:lnSpc>
+            </a:pPr>
+            <a:endParaRPr lang="en-US" sz="2000" dirty="0"/>
+          </a:p>
+        </p:txBody>
+      </p:sp>
+      <p:sp>
+        <p:nvSpPr>
+          <p:cNvPr id="5" name="Title 4">
+            <a:extLst>
+              <a:ext uri="{FF2B5EF4-FFF2-40B4-BE49-F238E27FC236}">
+                <a16:creationId xmlns:a16="http://schemas.microsoft.com/office/drawing/2014/main" id="{EEB58CC5-DDCE-E37C-2456-8994A2EF6C35}"/>
               </a:ext>
             </a:extLst>
           </p:cNvPr>
@@ -6582,104 +6690,6 @@
           <a:bodyPr/>
           <a:lstStyle/>
           <a:p>
-            <a:r>
-              <a:rPr lang="en-US" b="1" dirty="0"/>
-              <a:t>Here comes a new challenger</a:t>
-            </a:r>
-          </a:p>
-        </p:txBody>
-      </p:sp>
-      <p:sp>
-        <p:nvSpPr>
-          <p:cNvPr id="3" name="Content Placeholder 2">
-            <a:extLst>
-              <a:ext uri="{FF2B5EF4-FFF2-40B4-BE49-F238E27FC236}">
-                <a16:creationId xmlns:a16="http://schemas.microsoft.com/office/drawing/2014/main" id="{31BBDABA-8C36-342F-E3D9-85D2F7D66E2C}"/>
-              </a:ext>
-            </a:extLst>
-          </p:cNvPr>
-          <p:cNvSpPr>
-            <a:spLocks noGrp="1"/>
-          </p:cNvSpPr>
-          <p:nvPr>
-            <p:ph idx="1"/>
-          </p:nvPr>
-        </p:nvSpPr>
-        <p:spPr/>
-        <p:txBody>
-          <a:bodyPr>
-            <a:normAutofit/>
-          </a:bodyPr>
-          <a:lstStyle/>
-          <a:p>
-            <a:pPr>
-              <a:lnSpc>
-                <a:spcPct val="160000"/>
-              </a:lnSpc>
-            </a:pPr>
-            <a:r>
-              <a:rPr lang="en-US" dirty="0"/>
-              <a:t>The marketing team realized there was a bug in the online system and the answers to the second question were not recorded in the database at all</a:t>
-            </a:r>
-          </a:p>
-          <a:p>
-            <a:pPr>
-              <a:lnSpc>
-                <a:spcPct val="160000"/>
-              </a:lnSpc>
-            </a:pPr>
-            <a:r>
-              <a:rPr lang="en-US" dirty="0"/>
-              <a:t>Your task is whether you could recover the lost data</a:t>
-            </a:r>
-          </a:p>
-          <a:p>
-            <a:pPr>
-              <a:lnSpc>
-                <a:spcPct val="160000"/>
-              </a:lnSpc>
-            </a:pPr>
-            <a:r>
-              <a:rPr lang="en-US" dirty="0"/>
-              <a:t>Fortunately, data structure is fairly standard</a:t>
-            </a:r>
-          </a:p>
-          <a:p>
-            <a:pPr lvl="1">
-              <a:lnSpc>
-                <a:spcPct val="160000"/>
-              </a:lnSpc>
-            </a:pPr>
-            <a:r>
-              <a:rPr lang="en-US" dirty="0"/>
-              <a:t>It has several fields such as timestamps and submission IDs</a:t>
-            </a:r>
-          </a:p>
-          <a:p>
-            <a:pPr lvl="1">
-              <a:lnSpc>
-                <a:spcPct val="160000"/>
-              </a:lnSpc>
-            </a:pPr>
-            <a:r>
-              <a:rPr lang="en-US" dirty="0"/>
-              <a:t>At the end of each line is a lengthy field for the free-response question</a:t>
-            </a:r>
-          </a:p>
-          <a:p>
-            <a:pPr lvl="1">
-              <a:lnSpc>
-                <a:spcPct val="160000"/>
-              </a:lnSpc>
-            </a:pPr>
-            <a:endParaRPr lang="en-US" dirty="0"/>
-          </a:p>
-          <a:p>
-            <a:pPr lvl="1">
-              <a:lnSpc>
-                <a:spcPct val="160000"/>
-              </a:lnSpc>
-            </a:pPr>
             <a:endParaRPr lang="en-US" dirty="0"/>
           </a:p>
         </p:txBody>
@@ -6738,7 +6748,7 @@
           <a:lstStyle/>
           <a:p>
             <a:r>
-              <a:rPr lang="en-US" sz="4000" b="1" dirty="0"/>
+              <a:rPr lang="en-US" sz="4000" dirty="0"/>
               <a:t>First try</a:t>
             </a:r>
           </a:p>
@@ -6826,6 +6836,81 @@
   <p:clrMapOvr>
     <a:masterClrMapping/>
   </p:clrMapOvr>
+  <p:timing>
+    <p:tnLst>
+      <p:par>
+        <p:cTn id="1" dur="indefinite" restart="never" nodeType="tmRoot">
+          <p:childTnLst>
+            <p:seq concurrent="1" nextAc="seek">
+              <p:cTn id="2" dur="indefinite" nodeType="mainSeq">
+                <p:childTnLst>
+                  <p:par>
+                    <p:cTn id="3" fill="hold">
+                      <p:stCondLst>
+                        <p:cond delay="indefinite"/>
+                      </p:stCondLst>
+                      <p:childTnLst>
+                        <p:par>
+                          <p:cTn id="4" fill="hold">
+                            <p:stCondLst>
+                              <p:cond delay="0"/>
+                            </p:stCondLst>
+                            <p:childTnLst>
+                              <p:par>
+                                <p:cTn id="5" presetID="1" presetClass="entr" presetSubtype="0" fill="hold" nodeType="clickEffect">
+                                  <p:stCondLst>
+                                    <p:cond delay="0"/>
+                                  </p:stCondLst>
+                                  <p:childTnLst>
+                                    <p:set>
+                                      <p:cBhvr>
+                                        <p:cTn id="6" dur="1" fill="hold">
+                                          <p:stCondLst>
+                                            <p:cond delay="0"/>
+                                          </p:stCondLst>
+                                        </p:cTn>
+                                        <p:tgtEl>
+                                          <p:spTgt spid="5"/>
+                                        </p:tgtEl>
+                                        <p:attrNameLst>
+                                          <p:attrName>style.visibility</p:attrName>
+                                        </p:attrNameLst>
+                                      </p:cBhvr>
+                                      <p:to>
+                                        <p:strVal val="visible"/>
+                                      </p:to>
+                                    </p:set>
+                                  </p:childTnLst>
+                                </p:cTn>
+                              </p:par>
+                            </p:childTnLst>
+                          </p:cTn>
+                        </p:par>
+                      </p:childTnLst>
+                    </p:cTn>
+                  </p:par>
+                </p:childTnLst>
+              </p:cTn>
+              <p:prevCondLst>
+                <p:cond evt="onPrev" delay="0">
+                  <p:tgtEl>
+                    <p:sldTgt/>
+                  </p:tgtEl>
+                </p:cond>
+              </p:prevCondLst>
+              <p:nextCondLst>
+                <p:cond evt="onNext" delay="0">
+                  <p:tgtEl>
+                    <p:sldTgt/>
+                  </p:tgtEl>
+                </p:cond>
+              </p:nextCondLst>
+            </p:seq>
+          </p:childTnLst>
+        </p:cTn>
+      </p:par>
+    </p:tnLst>
+  </p:timing>
 </p:sld>
 </file>
 
@@ -6870,7 +6955,7 @@
           <a:lstStyle/>
           <a:p>
             <a:r>
-              <a:rPr lang="en-US" sz="4000" b="1" dirty="0"/>
+              <a:rPr lang="en-US" sz="4000" dirty="0"/>
               <a:t>Again, natural language is ambiguous</a:t>
             </a:r>
           </a:p>
@@ -6973,6 +7058,81 @@
   <p:clrMapOvr>
     <a:masterClrMapping/>
   </p:clrMapOvr>
+  <p:timing>
+    <p:tnLst>
+      <p:par>
+        <p:cTn id="1" dur="indefinite" restart="never" nodeType="tmRoot">
+          <p:childTnLst>
+            <p:seq concurrent="1" nextAc="seek">
+              <p:cTn id="2" dur="indefinite" nodeType="mainSeq">
+                <p:childTnLst>
+                  <p:par>
+                    <p:cTn id="3" fill="hold">
+                      <p:stCondLst>
+                        <p:cond delay="indefinite"/>
+                      </p:stCondLst>
+                      <p:childTnLst>
+                        <p:par>
+                          <p:cTn id="4" fill="hold">
+                            <p:stCondLst>
+                              <p:cond delay="0"/>
+                            </p:stCondLst>
+                            <p:childTnLst>
+                              <p:par>
+                                <p:cTn id="5" presetID="1" presetClass="entr" presetSubtype="0" fill="hold" nodeType="clickEffect">
+                                  <p:stCondLst>
+                                    <p:cond delay="0"/>
+                                  </p:stCondLst>
+                                  <p:childTnLst>
+                                    <p:set>
+                                      <p:cBhvr>
+                                        <p:cTn id="6" dur="1" fill="hold">
+                                          <p:stCondLst>
+                                            <p:cond delay="0"/>
+                                          </p:stCondLst>
+                                        </p:cTn>
+                                        <p:tgtEl>
+                                          <p:spTgt spid="5"/>
+                                        </p:tgtEl>
+                                        <p:attrNameLst>
+                                          <p:attrName>style.visibility</p:attrName>
+                                        </p:attrNameLst>
+                                      </p:cBhvr>
+                                      <p:to>
+                                        <p:strVal val="visible"/>
+                                      </p:to>
+                                    </p:set>
+                                  </p:childTnLst>
+                                </p:cTn>
+                              </p:par>
+                            </p:childTnLst>
+                          </p:cTn>
+                        </p:par>
+                      </p:childTnLst>
+                    </p:cTn>
+                  </p:par>
+                </p:childTnLst>
+              </p:cTn>
+              <p:prevCondLst>
+                <p:cond evt="onPrev" delay="0">
+                  <p:tgtEl>
+                    <p:sldTgt/>
+                  </p:tgtEl>
+                </p:cond>
+              </p:prevCondLst>
+              <p:nextCondLst>
+                <p:cond evt="onNext" delay="0">
+                  <p:tgtEl>
+                    <p:sldTgt/>
+                  </p:tgtEl>
+                </p:cond>
+              </p:nextCondLst>
+            </p:seq>
+          </p:childTnLst>
+        </p:cTn>
+      </p:par>
+    </p:tnLst>
+  </p:timing>
 </p:sld>
 </file>
 
@@ -7046,7 +7206,7 @@
           <a:p>
             <a:r>
               <a:rPr lang="en-US" sz="3600" dirty="0"/>
-              <a:t>Instructor: Yeabin Moon</a:t>
+              <a:t>Instructor: Yeabin Moon, Ph.D.</a:t>
             </a:r>
           </a:p>
           <a:p>
@@ -7304,7 +7464,9 @@
         </p:nvSpPr>
         <p:spPr/>
         <p:txBody>
-          <a:bodyPr/>
+          <a:bodyPr>
+            <a:normAutofit/>
+          </a:bodyPr>
           <a:lstStyle/>
           <a:p>
             <a:pPr>
@@ -7313,7 +7475,7 @@
               </a:lnSpc>
             </a:pPr>
             <a:r>
-              <a:rPr lang="en-US" dirty="0"/>
+              <a:rPr lang="en-US" sz="2800" dirty="0"/>
               <a:t>What does it mean? Another ambiguity</a:t>
             </a:r>
           </a:p>
@@ -7324,7 +7486,7 @@
               </a:lnSpc>
             </a:pPr>
             <a:r>
-              <a:rPr lang="en-US" dirty="0"/>
+              <a:rPr lang="en-US" sz="2800" dirty="0"/>
               <a:t>This course will save you because it will teach you either</a:t>
             </a:r>
           </a:p>
@@ -7337,7 +7499,7 @@
               <a:buAutoNum type="arabicPeriod"/>
             </a:pPr>
             <a:r>
-              <a:rPr lang="en-US" dirty="0"/>
+              <a:rPr lang="en-US" sz="2400" dirty="0"/>
               <a:t>How to deal with the problems described above</a:t>
             </a:r>
           </a:p>
@@ -7350,7 +7512,7 @@
               <a:buAutoNum type="arabicPeriod"/>
             </a:pPr>
             <a:r>
-              <a:rPr lang="en-US" dirty="0"/>
+              <a:rPr lang="en-US" sz="2400" dirty="0"/>
               <a:t>They are impossible to solve</a:t>
             </a:r>
           </a:p>
@@ -7362,7 +7524,7 @@
               <a:buFont typeface="+mj-lt"/>
               <a:buAutoNum type="arabicPeriod"/>
             </a:pPr>
-            <a:endParaRPr lang="en-US" dirty="0"/>
+            <a:endParaRPr lang="en-US" sz="2400" dirty="0"/>
           </a:p>
           <a:p>
             <a:pPr marL="457200" lvl="1" indent="0">
@@ -7371,7 +7533,7 @@
               </a:lnSpc>
               <a:buNone/>
             </a:pPr>
-            <a:endParaRPr lang="en-US" dirty="0"/>
+            <a:endParaRPr lang="en-US" sz="2400" dirty="0"/>
           </a:p>
         </p:txBody>
       </p:sp>
@@ -7385,6 +7547,134 @@
   <p:clrMapOvr>
     <a:masterClrMapping/>
   </p:clrMapOvr>
+  <p:timing>
+    <p:tnLst>
+      <p:par>
+        <p:cTn id="1" dur="indefinite" restart="never" nodeType="tmRoot">
+          <p:childTnLst>
+            <p:seq concurrent="1" nextAc="seek">
+              <p:cTn id="2" dur="indefinite" nodeType="mainSeq">
+                <p:childTnLst>
+                  <p:par>
+                    <p:cTn id="3" fill="hold">
+                      <p:stCondLst>
+                        <p:cond delay="indefinite"/>
+                      </p:stCondLst>
+                      <p:childTnLst>
+                        <p:par>
+                          <p:cTn id="4" fill="hold">
+                            <p:stCondLst>
+                              <p:cond delay="0"/>
+                            </p:stCondLst>
+                            <p:childTnLst>
+                              <p:par>
+                                <p:cTn id="5" presetID="1" presetClass="entr" presetSubtype="0" fill="hold" nodeType="clickEffect">
+                                  <p:stCondLst>
+                                    <p:cond delay="0"/>
+                                  </p:stCondLst>
+                                  <p:childTnLst>
+                                    <p:set>
+                                      <p:cBhvr>
+                                        <p:cTn id="6" dur="1" fill="hold">
+                                          <p:stCondLst>
+                                            <p:cond delay="0"/>
+                                          </p:stCondLst>
+                                        </p:cTn>
+                                        <p:tgtEl>
+                                          <p:spTgt spid="3">
+                                            <p:txEl>
+                                              <p:pRg st="2" end="2"/>
+                                            </p:txEl>
+                                          </p:spTgt>
+                                        </p:tgtEl>
+                                        <p:attrNameLst>
+                                          <p:attrName>style.visibility</p:attrName>
+                                        </p:attrNameLst>
+                                      </p:cBhvr>
+                                      <p:to>
+                                        <p:strVal val="visible"/>
+                                      </p:to>
+                                    </p:set>
+                                  </p:childTnLst>
+                                </p:cTn>
+                              </p:par>
+                            </p:childTnLst>
+                          </p:cTn>
+                        </p:par>
+                      </p:childTnLst>
+                    </p:cTn>
+                  </p:par>
+                  <p:par>
+                    <p:cTn id="7" fill="hold">
+                      <p:stCondLst>
+                        <p:cond delay="indefinite"/>
+                      </p:stCondLst>
+                      <p:childTnLst>
+                        <p:par>
+                          <p:cTn id="8" fill="hold">
+                            <p:stCondLst>
+                              <p:cond delay="0"/>
+                            </p:stCondLst>
+                            <p:childTnLst>
+                              <p:par>
+                                <p:cTn id="9" presetID="1" presetClass="entr" presetSubtype="0" fill="hold" nodeType="clickEffect">
+                                  <p:stCondLst>
+                                    <p:cond delay="0"/>
+                                  </p:stCondLst>
+                                  <p:childTnLst>
+                                    <p:set>
+                                      <p:cBhvr>
+                                        <p:cTn id="10" dur="1" fill="hold">
+                                          <p:stCondLst>
+                                            <p:cond delay="0"/>
+                                          </p:stCondLst>
+                                        </p:cTn>
+                                        <p:tgtEl>
+                                          <p:spTgt spid="3">
+                                            <p:txEl>
+                                              <p:pRg st="3" end="3"/>
+                                            </p:txEl>
+                                          </p:spTgt>
+                                        </p:tgtEl>
+                                        <p:attrNameLst>
+                                          <p:attrName>style.visibility</p:attrName>
+                                        </p:attrNameLst>
+                                      </p:cBhvr>
+                                      <p:to>
+                                        <p:strVal val="visible"/>
+                                      </p:to>
+                                    </p:set>
+                                  </p:childTnLst>
+                                </p:cTn>
+                              </p:par>
+                            </p:childTnLst>
+                          </p:cTn>
+                        </p:par>
+                      </p:childTnLst>
+                    </p:cTn>
+                  </p:par>
+                </p:childTnLst>
+              </p:cTn>
+              <p:prevCondLst>
+                <p:cond evt="onPrev" delay="0">
+                  <p:tgtEl>
+                    <p:sldTgt/>
+                  </p:tgtEl>
+                </p:cond>
+              </p:prevCondLst>
+              <p:nextCondLst>
+                <p:cond evt="onNext" delay="0">
+                  <p:tgtEl>
+                    <p:sldTgt/>
+                  </p:tgtEl>
+                </p:cond>
+              </p:nextCondLst>
+            </p:seq>
+          </p:childTnLst>
+        </p:cTn>
+      </p:par>
+    </p:tnLst>
+  </p:timing>
 </p:sld>
 </file>
 
@@ -7687,6 +7977,379 @@
   <p:clrMapOvr>
     <a:masterClrMapping/>
   </p:clrMapOvr>
+  <p:timing>
+    <p:tnLst>
+      <p:par>
+        <p:cTn id="1" dur="indefinite" restart="never" nodeType="tmRoot">
+          <p:childTnLst>
+            <p:seq concurrent="1" nextAc="seek">
+              <p:cTn id="2" dur="indefinite" nodeType="mainSeq">
+                <p:childTnLst>
+                  <p:par>
+                    <p:cTn id="3" fill="hold">
+                      <p:stCondLst>
+                        <p:cond delay="indefinite"/>
+                      </p:stCondLst>
+                      <p:childTnLst>
+                        <p:par>
+                          <p:cTn id="4" fill="hold">
+                            <p:stCondLst>
+                              <p:cond delay="0"/>
+                            </p:stCondLst>
+                            <p:childTnLst>
+                              <p:par>
+                                <p:cTn id="5" presetID="1" presetClass="entr" presetSubtype="0" fill="hold" nodeType="clickEffect">
+                                  <p:stCondLst>
+                                    <p:cond delay="0"/>
+                                  </p:stCondLst>
+                                  <p:childTnLst>
+                                    <p:set>
+                                      <p:cBhvr>
+                                        <p:cTn id="6" dur="1" fill="hold">
+                                          <p:stCondLst>
+                                            <p:cond delay="0"/>
+                                          </p:stCondLst>
+                                        </p:cTn>
+                                        <p:tgtEl>
+                                          <p:spTgt spid="3">
+                                            <p:txEl>
+                                              <p:pRg st="1" end="1"/>
+                                            </p:txEl>
+                                          </p:spTgt>
+                                        </p:tgtEl>
+                                        <p:attrNameLst>
+                                          <p:attrName>style.visibility</p:attrName>
+                                        </p:attrNameLst>
+                                      </p:cBhvr>
+                                      <p:to>
+                                        <p:strVal val="visible"/>
+                                      </p:to>
+                                    </p:set>
+                                  </p:childTnLst>
+                                </p:cTn>
+                              </p:par>
+                            </p:childTnLst>
+                          </p:cTn>
+                        </p:par>
+                      </p:childTnLst>
+                    </p:cTn>
+                  </p:par>
+                  <p:par>
+                    <p:cTn id="7" fill="hold">
+                      <p:stCondLst>
+                        <p:cond delay="indefinite"/>
+                      </p:stCondLst>
+                      <p:childTnLst>
+                        <p:par>
+                          <p:cTn id="8" fill="hold">
+                            <p:stCondLst>
+                              <p:cond delay="0"/>
+                            </p:stCondLst>
+                            <p:childTnLst>
+                              <p:par>
+                                <p:cTn id="9" presetID="1" presetClass="entr" presetSubtype="0" fill="hold" nodeType="clickEffect">
+                                  <p:stCondLst>
+                                    <p:cond delay="0"/>
+                                  </p:stCondLst>
+                                  <p:childTnLst>
+                                    <p:set>
+                                      <p:cBhvr>
+                                        <p:cTn id="10" dur="1" fill="hold">
+                                          <p:stCondLst>
+                                            <p:cond delay="0"/>
+                                          </p:stCondLst>
+                                        </p:cTn>
+                                        <p:tgtEl>
+                                          <p:spTgt spid="3">
+                                            <p:txEl>
+                                              <p:pRg st="2" end="2"/>
+                                            </p:txEl>
+                                          </p:spTgt>
+                                        </p:tgtEl>
+                                        <p:attrNameLst>
+                                          <p:attrName>style.visibility</p:attrName>
+                                        </p:attrNameLst>
+                                      </p:cBhvr>
+                                      <p:to>
+                                        <p:strVal val="visible"/>
+                                      </p:to>
+                                    </p:set>
+                                  </p:childTnLst>
+                                </p:cTn>
+                              </p:par>
+                            </p:childTnLst>
+                          </p:cTn>
+                        </p:par>
+                      </p:childTnLst>
+                    </p:cTn>
+                  </p:par>
+                  <p:par>
+                    <p:cTn id="11" fill="hold">
+                      <p:stCondLst>
+                        <p:cond delay="indefinite"/>
+                      </p:stCondLst>
+                      <p:childTnLst>
+                        <p:par>
+                          <p:cTn id="12" fill="hold">
+                            <p:stCondLst>
+                              <p:cond delay="0"/>
+                            </p:stCondLst>
+                            <p:childTnLst>
+                              <p:par>
+                                <p:cTn id="13" presetID="1" presetClass="entr" presetSubtype="0" fill="hold" nodeType="clickEffect">
+                                  <p:stCondLst>
+                                    <p:cond delay="0"/>
+                                  </p:stCondLst>
+                                  <p:childTnLst>
+                                    <p:set>
+                                      <p:cBhvr>
+                                        <p:cTn id="14" dur="1" fill="hold">
+                                          <p:stCondLst>
+                                            <p:cond delay="0"/>
+                                          </p:stCondLst>
+                                        </p:cTn>
+                                        <p:tgtEl>
+                                          <p:spTgt spid="3">
+                                            <p:txEl>
+                                              <p:pRg st="3" end="3"/>
+                                            </p:txEl>
+                                          </p:spTgt>
+                                        </p:tgtEl>
+                                        <p:attrNameLst>
+                                          <p:attrName>style.visibility</p:attrName>
+                                        </p:attrNameLst>
+                                      </p:cBhvr>
+                                      <p:to>
+                                        <p:strVal val="visible"/>
+                                      </p:to>
+                                    </p:set>
+                                  </p:childTnLst>
+                                </p:cTn>
+                              </p:par>
+                            </p:childTnLst>
+                          </p:cTn>
+                        </p:par>
+                      </p:childTnLst>
+                    </p:cTn>
+                  </p:par>
+                  <p:par>
+                    <p:cTn id="15" fill="hold">
+                      <p:stCondLst>
+                        <p:cond delay="indefinite"/>
+                      </p:stCondLst>
+                      <p:childTnLst>
+                        <p:par>
+                          <p:cTn id="16" fill="hold">
+                            <p:stCondLst>
+                              <p:cond delay="0"/>
+                            </p:stCondLst>
+                            <p:childTnLst>
+                              <p:par>
+                                <p:cTn id="17" presetID="1" presetClass="entr" presetSubtype="0" fill="hold" nodeType="clickEffect">
+                                  <p:stCondLst>
+                                    <p:cond delay="0"/>
+                                  </p:stCondLst>
+                                  <p:childTnLst>
+                                    <p:set>
+                                      <p:cBhvr>
+                                        <p:cTn id="18" dur="1" fill="hold">
+                                          <p:stCondLst>
+                                            <p:cond delay="0"/>
+                                          </p:stCondLst>
+                                        </p:cTn>
+                                        <p:tgtEl>
+                                          <p:spTgt spid="3">
+                                            <p:txEl>
+                                              <p:pRg st="4" end="4"/>
+                                            </p:txEl>
+                                          </p:spTgt>
+                                        </p:tgtEl>
+                                        <p:attrNameLst>
+                                          <p:attrName>style.visibility</p:attrName>
+                                        </p:attrNameLst>
+                                      </p:cBhvr>
+                                      <p:to>
+                                        <p:strVal val="visible"/>
+                                      </p:to>
+                                    </p:set>
+                                  </p:childTnLst>
+                                </p:cTn>
+                              </p:par>
+                            </p:childTnLst>
+                          </p:cTn>
+                        </p:par>
+                      </p:childTnLst>
+                    </p:cTn>
+                  </p:par>
+                  <p:par>
+                    <p:cTn id="19" fill="hold">
+                      <p:stCondLst>
+                        <p:cond delay="indefinite"/>
+                      </p:stCondLst>
+                      <p:childTnLst>
+                        <p:par>
+                          <p:cTn id="20" fill="hold">
+                            <p:stCondLst>
+                              <p:cond delay="0"/>
+                            </p:stCondLst>
+                            <p:childTnLst>
+                              <p:par>
+                                <p:cTn id="21" presetID="1" presetClass="entr" presetSubtype="0" fill="hold" nodeType="clickEffect">
+                                  <p:stCondLst>
+                                    <p:cond delay="0"/>
+                                  </p:stCondLst>
+                                  <p:childTnLst>
+                                    <p:set>
+                                      <p:cBhvr>
+                                        <p:cTn id="22" dur="1" fill="hold">
+                                          <p:stCondLst>
+                                            <p:cond delay="0"/>
+                                          </p:stCondLst>
+                                        </p:cTn>
+                                        <p:tgtEl>
+                                          <p:spTgt spid="3">
+                                            <p:txEl>
+                                              <p:pRg st="5" end="5"/>
+                                            </p:txEl>
+                                          </p:spTgt>
+                                        </p:tgtEl>
+                                        <p:attrNameLst>
+                                          <p:attrName>style.visibility</p:attrName>
+                                        </p:attrNameLst>
+                                      </p:cBhvr>
+                                      <p:to>
+                                        <p:strVal val="visible"/>
+                                      </p:to>
+                                    </p:set>
+                                  </p:childTnLst>
+                                </p:cTn>
+                              </p:par>
+                            </p:childTnLst>
+                          </p:cTn>
+                        </p:par>
+                      </p:childTnLst>
+                    </p:cTn>
+                  </p:par>
+                  <p:par>
+                    <p:cTn id="23" fill="hold">
+                      <p:stCondLst>
+                        <p:cond delay="indefinite"/>
+                      </p:stCondLst>
+                      <p:childTnLst>
+                        <p:par>
+                          <p:cTn id="24" fill="hold">
+                            <p:stCondLst>
+                              <p:cond delay="0"/>
+                            </p:stCondLst>
+                            <p:childTnLst>
+                              <p:par>
+                                <p:cTn id="25" presetID="1" presetClass="entr" presetSubtype="0" fill="hold" nodeType="clickEffect">
+                                  <p:stCondLst>
+                                    <p:cond delay="0"/>
+                                  </p:stCondLst>
+                                  <p:childTnLst>
+                                    <p:set>
+                                      <p:cBhvr>
+                                        <p:cTn id="26" dur="1" fill="hold">
+                                          <p:stCondLst>
+                                            <p:cond delay="0"/>
+                                          </p:stCondLst>
+                                        </p:cTn>
+                                        <p:tgtEl>
+                                          <p:spTgt spid="3">
+                                            <p:txEl>
+                                              <p:pRg st="6" end="6"/>
+                                            </p:txEl>
+                                          </p:spTgt>
+                                        </p:tgtEl>
+                                        <p:attrNameLst>
+                                          <p:attrName>style.visibility</p:attrName>
+                                        </p:attrNameLst>
+                                      </p:cBhvr>
+                                      <p:to>
+                                        <p:strVal val="visible"/>
+                                      </p:to>
+                                    </p:set>
+                                  </p:childTnLst>
+                                </p:cTn>
+                              </p:par>
+                            </p:childTnLst>
+                          </p:cTn>
+                        </p:par>
+                      </p:childTnLst>
+                    </p:cTn>
+                  </p:par>
+                  <p:par>
+                    <p:cTn id="27" fill="hold">
+                      <p:stCondLst>
+                        <p:cond delay="indefinite"/>
+                      </p:stCondLst>
+                      <p:childTnLst>
+                        <p:par>
+                          <p:cTn id="28" fill="hold">
+                            <p:stCondLst>
+                              <p:cond delay="0"/>
+                            </p:stCondLst>
+                            <p:childTnLst>
+                              <p:par>
+                                <p:cTn id="29" presetID="1" presetClass="entr" presetSubtype="0" fill="hold" nodeType="clickEffect">
+                                  <p:stCondLst>
+                                    <p:cond delay="0"/>
+                                  </p:stCondLst>
+                                  <p:childTnLst>
+                                    <p:set>
+                                      <p:cBhvr>
+                                        <p:cTn id="30" dur="1" fill="hold">
+                                          <p:stCondLst>
+                                            <p:cond delay="0"/>
+                                          </p:stCondLst>
+                                        </p:cTn>
+                                        <p:tgtEl>
+                                          <p:spTgt spid="3">
+                                            <p:txEl>
+                                              <p:pRg st="7" end="7"/>
+                                            </p:txEl>
+                                          </p:spTgt>
+                                        </p:tgtEl>
+                                        <p:attrNameLst>
+                                          <p:attrName>style.visibility</p:attrName>
+                                        </p:attrNameLst>
+                                      </p:cBhvr>
+                                      <p:to>
+                                        <p:strVal val="visible"/>
+                                      </p:to>
+                                    </p:set>
+                                  </p:childTnLst>
+                                </p:cTn>
+                              </p:par>
+                            </p:childTnLst>
+                          </p:cTn>
+                        </p:par>
+                      </p:childTnLst>
+                    </p:cTn>
+                  </p:par>
+                </p:childTnLst>
+              </p:cTn>
+              <p:prevCondLst>
+                <p:cond evt="onPrev" delay="0">
+                  <p:tgtEl>
+                    <p:sldTgt/>
+                  </p:tgtEl>
+                </p:cond>
+              </p:prevCondLst>
+              <p:nextCondLst>
+                <p:cond evt="onNext" delay="0">
+                  <p:tgtEl>
+                    <p:sldTgt/>
+                  </p:tgtEl>
+                </p:cond>
+              </p:nextCondLst>
+            </p:seq>
+          </p:childTnLst>
+        </p:cTn>
+      </p:par>
+    </p:tnLst>
+  </p:timing>
 </p:sld>
 </file>
 
@@ -7754,7 +8417,7 @@
         <p:spPr/>
         <p:txBody>
           <a:bodyPr>
-            <a:normAutofit lnSpcReduction="10000"/>
+            <a:normAutofit/>
           </a:bodyPr>
           <a:lstStyle/>
           <a:p>
@@ -7799,17 +8462,6 @@
             <a:r>
               <a:rPr lang="en-US" sz="3200" dirty="0"/>
               <a:t>Important to the world</a:t>
-            </a:r>
-          </a:p>
-          <a:p>
-            <a:pPr>
-              <a:lnSpc>
-                <a:spcPct val="150000"/>
-              </a:lnSpc>
-            </a:pPr>
-            <a:r>
-              <a:rPr lang="en-US" sz="3200" dirty="0"/>
-              <a:t>Building block for the course project</a:t>
             </a:r>
           </a:p>
         </p:txBody>
@@ -7893,15 +8545,15 @@
           <a:lstStyle/>
           <a:p>
             <a:r>
-              <a:rPr lang="en-US" sz="2800" i="1" dirty="0"/>
+              <a:rPr lang="en-US" sz="3600" i="1" dirty="0"/>
               <a:t>Information retrieval is finding material (usually documents) of an unstructured nature (usually text) that satisfies an information need from within large collections (usually stored on computers)</a:t>
             </a:r>
           </a:p>
           <a:p>
-            <a:endParaRPr lang="en-US" sz="2800" i="1" dirty="0"/>
-          </a:p>
-          <a:p>
-            <a:endParaRPr lang="en-US" sz="2800" dirty="0"/>
+            <a:endParaRPr lang="en-US" sz="3600" i="1" dirty="0"/>
+          </a:p>
+          <a:p>
+            <a:endParaRPr lang="en-US" sz="3600" dirty="0"/>
           </a:p>
         </p:txBody>
       </p:sp>
@@ -8037,6 +8689,228 @@
   <p:clrMapOvr>
     <a:masterClrMapping/>
   </p:clrMapOvr>
+  <p:timing>
+    <p:tnLst>
+      <p:par>
+        <p:cTn id="1" dur="indefinite" restart="never" nodeType="tmRoot">
+          <p:childTnLst>
+            <p:seq concurrent="1" nextAc="seek">
+              <p:cTn id="2" dur="indefinite" nodeType="mainSeq">
+                <p:childTnLst>
+                  <p:par>
+                    <p:cTn id="3" fill="hold">
+                      <p:stCondLst>
+                        <p:cond delay="indefinite"/>
+                      </p:stCondLst>
+                      <p:childTnLst>
+                        <p:par>
+                          <p:cTn id="4" fill="hold">
+                            <p:stCondLst>
+                              <p:cond delay="0"/>
+                            </p:stCondLst>
+                            <p:childTnLst>
+                              <p:par>
+                                <p:cTn id="5" presetID="1" presetClass="entr" presetSubtype="0" fill="hold" nodeType="clickEffect">
+                                  <p:stCondLst>
+                                    <p:cond delay="0"/>
+                                  </p:stCondLst>
+                                  <p:childTnLst>
+                                    <p:set>
+                                      <p:cBhvr>
+                                        <p:cTn id="6" dur="1" fill="hold">
+                                          <p:stCondLst>
+                                            <p:cond delay="0"/>
+                                          </p:stCondLst>
+                                        </p:cTn>
+                                        <p:tgtEl>
+                                          <p:spTgt spid="3">
+                                            <p:txEl>
+                                              <p:pRg st="0" end="0"/>
+                                            </p:txEl>
+                                          </p:spTgt>
+                                        </p:tgtEl>
+                                        <p:attrNameLst>
+                                          <p:attrName>style.visibility</p:attrName>
+                                        </p:attrNameLst>
+                                      </p:cBhvr>
+                                      <p:to>
+                                        <p:strVal val="visible"/>
+                                      </p:to>
+                                    </p:set>
+                                  </p:childTnLst>
+                                </p:cTn>
+                              </p:par>
+                            </p:childTnLst>
+                          </p:cTn>
+                        </p:par>
+                      </p:childTnLst>
+                    </p:cTn>
+                  </p:par>
+                  <p:par>
+                    <p:cTn id="7" fill="hold">
+                      <p:stCondLst>
+                        <p:cond delay="indefinite"/>
+                      </p:stCondLst>
+                      <p:childTnLst>
+                        <p:par>
+                          <p:cTn id="8" fill="hold">
+                            <p:stCondLst>
+                              <p:cond delay="0"/>
+                            </p:stCondLst>
+                            <p:childTnLst>
+                              <p:par>
+                                <p:cTn id="9" presetID="1" presetClass="entr" presetSubtype="0" fill="hold" nodeType="clickEffect">
+                                  <p:stCondLst>
+                                    <p:cond delay="0"/>
+                                  </p:stCondLst>
+                                  <p:childTnLst>
+                                    <p:set>
+                                      <p:cBhvr>
+                                        <p:cTn id="10" dur="1" fill="hold">
+                                          <p:stCondLst>
+                                            <p:cond delay="0"/>
+                                          </p:stCondLst>
+                                        </p:cTn>
+                                        <p:tgtEl>
+                                          <p:spTgt spid="3">
+                                            <p:txEl>
+                                              <p:pRg st="1" end="1"/>
+                                            </p:txEl>
+                                          </p:spTgt>
+                                        </p:tgtEl>
+                                        <p:attrNameLst>
+                                          <p:attrName>style.visibility</p:attrName>
+                                        </p:attrNameLst>
+                                      </p:cBhvr>
+                                      <p:to>
+                                        <p:strVal val="visible"/>
+                                      </p:to>
+                                    </p:set>
+                                  </p:childTnLst>
+                                </p:cTn>
+                              </p:par>
+                            </p:childTnLst>
+                          </p:cTn>
+                        </p:par>
+                      </p:childTnLst>
+                    </p:cTn>
+                  </p:par>
+                  <p:par>
+                    <p:cTn id="11" fill="hold">
+                      <p:stCondLst>
+                        <p:cond delay="indefinite"/>
+                      </p:stCondLst>
+                      <p:childTnLst>
+                        <p:par>
+                          <p:cTn id="12" fill="hold">
+                            <p:stCondLst>
+                              <p:cond delay="0"/>
+                            </p:stCondLst>
+                            <p:childTnLst>
+                              <p:par>
+                                <p:cTn id="13" presetID="1" presetClass="entr" presetSubtype="0" fill="hold" nodeType="clickEffect">
+                                  <p:stCondLst>
+                                    <p:cond delay="0"/>
+                                  </p:stCondLst>
+                                  <p:childTnLst>
+                                    <p:set>
+                                      <p:cBhvr>
+                                        <p:cTn id="14" dur="1" fill="hold">
+                                          <p:stCondLst>
+                                            <p:cond delay="0"/>
+                                          </p:stCondLst>
+                                        </p:cTn>
+                                        <p:tgtEl>
+                                          <p:spTgt spid="2"/>
+                                        </p:tgtEl>
+                                        <p:attrNameLst>
+                                          <p:attrName>style.visibility</p:attrName>
+                                        </p:attrNameLst>
+                                      </p:cBhvr>
+                                      <p:to>
+                                        <p:strVal val="visible"/>
+                                      </p:to>
+                                    </p:set>
+                                  </p:childTnLst>
+                                </p:cTn>
+                              </p:par>
+                            </p:childTnLst>
+                          </p:cTn>
+                        </p:par>
+                      </p:childTnLst>
+                    </p:cTn>
+                  </p:par>
+                  <p:par>
+                    <p:cTn id="15" fill="hold">
+                      <p:stCondLst>
+                        <p:cond delay="indefinite"/>
+                      </p:stCondLst>
+                      <p:childTnLst>
+                        <p:par>
+                          <p:cTn id="16" fill="hold">
+                            <p:stCondLst>
+                              <p:cond delay="0"/>
+                            </p:stCondLst>
+                            <p:childTnLst>
+                              <p:par>
+                                <p:cTn id="17" presetID="1" presetClass="entr" presetSubtype="0" fill="hold" nodeType="clickEffect">
+                                  <p:stCondLst>
+                                    <p:cond delay="0"/>
+                                  </p:stCondLst>
+                                  <p:childTnLst>
+                                    <p:set>
+                                      <p:cBhvr>
+                                        <p:cTn id="18" dur="1" fill="hold">
+                                          <p:stCondLst>
+                                            <p:cond delay="0"/>
+                                          </p:stCondLst>
+                                        </p:cTn>
+                                        <p:tgtEl>
+                                          <p:spTgt spid="3">
+                                            <p:txEl>
+                                              <p:pRg st="3" end="3"/>
+                                            </p:txEl>
+                                          </p:spTgt>
+                                        </p:tgtEl>
+                                        <p:attrNameLst>
+                                          <p:attrName>style.visibility</p:attrName>
+                                        </p:attrNameLst>
+                                      </p:cBhvr>
+                                      <p:to>
+                                        <p:strVal val="visible"/>
+                                      </p:to>
+                                    </p:set>
+                                  </p:childTnLst>
+                                </p:cTn>
+                              </p:par>
+                            </p:childTnLst>
+                          </p:cTn>
+                        </p:par>
+                      </p:childTnLst>
+                    </p:cTn>
+                  </p:par>
+                </p:childTnLst>
+              </p:cTn>
+              <p:prevCondLst>
+                <p:cond evt="onPrev" delay="0">
+                  <p:tgtEl>
+                    <p:sldTgt/>
+                  </p:tgtEl>
+                </p:cond>
+              </p:prevCondLst>
+              <p:nextCondLst>
+                <p:cond evt="onNext" delay="0">
+                  <p:tgtEl>
+                    <p:sldTgt/>
+                  </p:tgtEl>
+                </p:cond>
+              </p:nextCondLst>
+            </p:seq>
+          </p:childTnLst>
+        </p:cTn>
+      </p:par>
+    </p:tnLst>
+  </p:timing>
 </p:sld>
 </file>
 
@@ -8137,6 +9011,161 @@
   <p:clrMapOvr>
     <a:masterClrMapping/>
   </p:clrMapOvr>
+  <p:timing>
+    <p:tnLst>
+      <p:par>
+        <p:cTn id="1" dur="indefinite" restart="never" nodeType="tmRoot">
+          <p:childTnLst>
+            <p:seq concurrent="1" nextAc="seek">
+              <p:cTn id="2" dur="indefinite" nodeType="mainSeq">
+                <p:childTnLst>
+                  <p:par>
+                    <p:cTn id="3" fill="hold">
+                      <p:stCondLst>
+                        <p:cond delay="indefinite"/>
+                      </p:stCondLst>
+                      <p:childTnLst>
+                        <p:par>
+                          <p:cTn id="4" fill="hold">
+                            <p:stCondLst>
+                              <p:cond delay="0"/>
+                            </p:stCondLst>
+                            <p:childTnLst>
+                              <p:par>
+                                <p:cTn id="5" presetID="1" presetClass="entr" presetSubtype="0" fill="hold" nodeType="clickEffect">
+                                  <p:stCondLst>
+                                    <p:cond delay="0"/>
+                                  </p:stCondLst>
+                                  <p:childTnLst>
+                                    <p:set>
+                                      <p:cBhvr>
+                                        <p:cTn id="6" dur="1" fill="hold">
+                                          <p:stCondLst>
+                                            <p:cond delay="0"/>
+                                          </p:stCondLst>
+                                        </p:cTn>
+                                        <p:tgtEl>
+                                          <p:spTgt spid="5"/>
+                                        </p:tgtEl>
+                                        <p:attrNameLst>
+                                          <p:attrName>style.visibility</p:attrName>
+                                        </p:attrNameLst>
+                                      </p:cBhvr>
+                                      <p:to>
+                                        <p:strVal val="visible"/>
+                                      </p:to>
+                                    </p:set>
+                                  </p:childTnLst>
+                                </p:cTn>
+                              </p:par>
+                            </p:childTnLst>
+                          </p:cTn>
+                        </p:par>
+                      </p:childTnLst>
+                    </p:cTn>
+                  </p:par>
+                  <p:par>
+                    <p:cTn id="7" fill="hold">
+                      <p:stCondLst>
+                        <p:cond delay="indefinite"/>
+                      </p:stCondLst>
+                      <p:childTnLst>
+                        <p:par>
+                          <p:cTn id="8" fill="hold">
+                            <p:stCondLst>
+                              <p:cond delay="0"/>
+                            </p:stCondLst>
+                            <p:childTnLst>
+                              <p:par>
+                                <p:cTn id="9" presetID="1" presetClass="entr" presetSubtype="0" fill="hold" nodeType="clickEffect">
+                                  <p:stCondLst>
+                                    <p:cond delay="0"/>
+                                  </p:stCondLst>
+                                  <p:childTnLst>
+                                    <p:set>
+                                      <p:cBhvr>
+                                        <p:cTn id="10" dur="1" fill="hold">
+                                          <p:stCondLst>
+                                            <p:cond delay="0"/>
+                                          </p:stCondLst>
+                                        </p:cTn>
+                                        <p:tgtEl>
+                                          <p:spTgt spid="6">
+                                            <p:txEl>
+                                              <p:pRg st="0" end="0"/>
+                                            </p:txEl>
+                                          </p:spTgt>
+                                        </p:tgtEl>
+                                        <p:attrNameLst>
+                                          <p:attrName>style.visibility</p:attrName>
+                                        </p:attrNameLst>
+                                      </p:cBhvr>
+                                      <p:to>
+                                        <p:strVal val="visible"/>
+                                      </p:to>
+                                    </p:set>
+                                  </p:childTnLst>
+                                </p:cTn>
+                              </p:par>
+                              <p:par>
+                                <p:cTn id="11" presetID="1" presetClass="entr" presetSubtype="0" fill="hold" nodeType="withEffect">
+                                  <p:stCondLst>
+                                    <p:cond delay="0"/>
+                                  </p:stCondLst>
+                                  <p:childTnLst>
+                                    <p:set>
+                                      <p:cBhvr>
+                                        <p:cTn id="12" dur="1" fill="hold">
+                                          <p:stCondLst>
+                                            <p:cond delay="0"/>
+                                          </p:stCondLst>
+                                        </p:cTn>
+                                        <p:tgtEl>
+                                          <p:spTgt spid="6">
+                                            <p:txEl>
+                                              <p:pRg st="1" end="1"/>
+                                            </p:txEl>
+                                          </p:spTgt>
+                                        </p:tgtEl>
+                                        <p:attrNameLst>
+                                          <p:attrName>style.visibility</p:attrName>
+                                        </p:attrNameLst>
+                                      </p:cBhvr>
+                                      <p:to>
+                                        <p:strVal val="visible"/>
+                                      </p:to>
+                                    </p:set>
+                                  </p:childTnLst>
+                                </p:cTn>
+                              </p:par>
+                            </p:childTnLst>
+                          </p:cTn>
+                        </p:par>
+                      </p:childTnLst>
+                    </p:cTn>
+                  </p:par>
+                </p:childTnLst>
+              </p:cTn>
+              <p:prevCondLst>
+                <p:cond evt="onPrev" delay="0">
+                  <p:tgtEl>
+                    <p:sldTgt/>
+                  </p:tgtEl>
+                </p:cond>
+              </p:prevCondLst>
+              <p:nextCondLst>
+                <p:cond evt="onNext" delay="0">
+                  <p:tgtEl>
+                    <p:sldTgt/>
+                  </p:tgtEl>
+                </p:cond>
+              </p:nextCondLst>
+            </p:seq>
+          </p:childTnLst>
+        </p:cTn>
+      </p:par>
+    </p:tnLst>
+  </p:timing>
 </p:sld>
 </file>
 
@@ -8255,6 +9284,85 @@
   <p:clrMapOvr>
     <a:masterClrMapping/>
   </p:clrMapOvr>
+  <p:timing>
+    <p:tnLst>
+      <p:par>
+        <p:cTn id="1" dur="indefinite" restart="never" nodeType="tmRoot">
+          <p:childTnLst>
+            <p:seq concurrent="1" nextAc="seek">
+              <p:cTn id="2" dur="indefinite" nodeType="mainSeq">
+                <p:childTnLst>
+                  <p:par>
+                    <p:cTn id="3" fill="hold">
+                      <p:stCondLst>
+                        <p:cond delay="indefinite"/>
+                      </p:stCondLst>
+                      <p:childTnLst>
+                        <p:par>
+                          <p:cTn id="4" fill="hold">
+                            <p:stCondLst>
+                              <p:cond delay="0"/>
+                            </p:stCondLst>
+                            <p:childTnLst>
+                              <p:par>
+                                <p:cTn id="5" presetID="1" presetClass="entr" presetSubtype="0" fill="hold" nodeType="clickEffect">
+                                  <p:stCondLst>
+                                    <p:cond delay="0"/>
+                                  </p:stCondLst>
+                                  <p:childTnLst>
+                                    <p:set>
+                                      <p:cBhvr>
+                                        <p:cTn id="6" dur="1" fill="hold">
+                                          <p:stCondLst>
+                                            <p:cond delay="0"/>
+                                          </p:stCondLst>
+                                        </p:cTn>
+                                        <p:tgtEl>
+                                          <p:spTgt spid="6">
+                                            <p:txEl>
+                                              <p:pRg st="0" end="0"/>
+                                            </p:txEl>
+                                          </p:spTgt>
+                                        </p:tgtEl>
+                                        <p:attrNameLst>
+                                          <p:attrName>style.visibility</p:attrName>
+                                        </p:attrNameLst>
+                                      </p:cBhvr>
+                                      <p:to>
+                                        <p:strVal val="visible"/>
+                                      </p:to>
+                                    </p:set>
+                                  </p:childTnLst>
+                                </p:cTn>
+                              </p:par>
+                            </p:childTnLst>
+                          </p:cTn>
+                        </p:par>
+                      </p:childTnLst>
+                    </p:cTn>
+                  </p:par>
+                </p:childTnLst>
+              </p:cTn>
+              <p:prevCondLst>
+                <p:cond evt="onPrev" delay="0">
+                  <p:tgtEl>
+                    <p:sldTgt/>
+                  </p:tgtEl>
+                </p:cond>
+              </p:prevCondLst>
+              <p:nextCondLst>
+                <p:cond evt="onNext" delay="0">
+                  <p:tgtEl>
+                    <p:sldTgt/>
+                  </p:tgtEl>
+                </p:cond>
+              </p:nextCondLst>
+            </p:seq>
+          </p:childTnLst>
+        </p:cTn>
+      </p:par>
+    </p:tnLst>
+  </p:timing>
 </p:sld>
 </file>
 
@@ -8533,6 +9641,228 @@
   <p:clrMapOvr>
     <a:masterClrMapping/>
   </p:clrMapOvr>
+  <p:timing>
+    <p:tnLst>
+      <p:par>
+        <p:cTn id="1" dur="indefinite" restart="never" nodeType="tmRoot">
+          <p:childTnLst>
+            <p:seq concurrent="1" nextAc="seek">
+              <p:cTn id="2" dur="indefinite" nodeType="mainSeq">
+                <p:childTnLst>
+                  <p:par>
+                    <p:cTn id="3" fill="hold">
+                      <p:stCondLst>
+                        <p:cond delay="indefinite"/>
+                      </p:stCondLst>
+                      <p:childTnLst>
+                        <p:par>
+                          <p:cTn id="4" fill="hold">
+                            <p:stCondLst>
+                              <p:cond delay="0"/>
+                            </p:stCondLst>
+                            <p:childTnLst>
+                              <p:par>
+                                <p:cTn id="5" presetID="1" presetClass="entr" presetSubtype="0" fill="hold" nodeType="clickEffect">
+                                  <p:stCondLst>
+                                    <p:cond delay="0"/>
+                                  </p:stCondLst>
+                                  <p:childTnLst>
+                                    <p:set>
+                                      <p:cBhvr>
+                                        <p:cTn id="6" dur="1" fill="hold">
+                                          <p:stCondLst>
+                                            <p:cond delay="0"/>
+                                          </p:stCondLst>
+                                        </p:cTn>
+                                        <p:tgtEl>
+                                          <p:spTgt spid="3">
+                                            <p:txEl>
+                                              <p:pRg st="0" end="0"/>
+                                            </p:txEl>
+                                          </p:spTgt>
+                                        </p:tgtEl>
+                                        <p:attrNameLst>
+                                          <p:attrName>style.visibility</p:attrName>
+                                        </p:attrNameLst>
+                                      </p:cBhvr>
+                                      <p:to>
+                                        <p:strVal val="visible"/>
+                                      </p:to>
+                                    </p:set>
+                                  </p:childTnLst>
+                                </p:cTn>
+                              </p:par>
+                            </p:childTnLst>
+                          </p:cTn>
+                        </p:par>
+                      </p:childTnLst>
+                    </p:cTn>
+                  </p:par>
+                  <p:par>
+                    <p:cTn id="7" fill="hold">
+                      <p:stCondLst>
+                        <p:cond delay="indefinite"/>
+                      </p:stCondLst>
+                      <p:childTnLst>
+                        <p:par>
+                          <p:cTn id="8" fill="hold">
+                            <p:stCondLst>
+                              <p:cond delay="0"/>
+                            </p:stCondLst>
+                            <p:childTnLst>
+                              <p:par>
+                                <p:cTn id="9" presetID="1" presetClass="entr" presetSubtype="0" fill="hold" nodeType="clickEffect">
+                                  <p:stCondLst>
+                                    <p:cond delay="0"/>
+                                  </p:stCondLst>
+                                  <p:childTnLst>
+                                    <p:set>
+                                      <p:cBhvr>
+                                        <p:cTn id="10" dur="1" fill="hold">
+                                          <p:stCondLst>
+                                            <p:cond delay="0"/>
+                                          </p:stCondLst>
+                                        </p:cTn>
+                                        <p:tgtEl>
+                                          <p:spTgt spid="3">
+                                            <p:txEl>
+                                              <p:pRg st="1" end="1"/>
+                                            </p:txEl>
+                                          </p:spTgt>
+                                        </p:tgtEl>
+                                        <p:attrNameLst>
+                                          <p:attrName>style.visibility</p:attrName>
+                                        </p:attrNameLst>
+                                      </p:cBhvr>
+                                      <p:to>
+                                        <p:strVal val="visible"/>
+                                      </p:to>
+                                    </p:set>
+                                  </p:childTnLst>
+                                </p:cTn>
+                              </p:par>
+                            </p:childTnLst>
+                          </p:cTn>
+                        </p:par>
+                      </p:childTnLst>
+                    </p:cTn>
+                  </p:par>
+                  <p:par>
+                    <p:cTn id="11" fill="hold">
+                      <p:stCondLst>
+                        <p:cond delay="indefinite"/>
+                      </p:stCondLst>
+                      <p:childTnLst>
+                        <p:par>
+                          <p:cTn id="12" fill="hold">
+                            <p:stCondLst>
+                              <p:cond delay="0"/>
+                            </p:stCondLst>
+                            <p:childTnLst>
+                              <p:par>
+                                <p:cTn id="13" presetID="1" presetClass="entr" presetSubtype="0" fill="hold" nodeType="clickEffect">
+                                  <p:stCondLst>
+                                    <p:cond delay="0"/>
+                                  </p:stCondLst>
+                                  <p:childTnLst>
+                                    <p:set>
+                                      <p:cBhvr>
+                                        <p:cTn id="14" dur="1" fill="hold">
+                                          <p:stCondLst>
+                                            <p:cond delay="0"/>
+                                          </p:stCondLst>
+                                        </p:cTn>
+                                        <p:tgtEl>
+                                          <p:spTgt spid="4"/>
+                                        </p:tgtEl>
+                                        <p:attrNameLst>
+                                          <p:attrName>style.visibility</p:attrName>
+                                        </p:attrNameLst>
+                                      </p:cBhvr>
+                                      <p:to>
+                                        <p:strVal val="visible"/>
+                                      </p:to>
+                                    </p:set>
+                                  </p:childTnLst>
+                                </p:cTn>
+                              </p:par>
+                            </p:childTnLst>
+                          </p:cTn>
+                        </p:par>
+                      </p:childTnLst>
+                    </p:cTn>
+                  </p:par>
+                  <p:par>
+                    <p:cTn id="15" fill="hold">
+                      <p:stCondLst>
+                        <p:cond delay="indefinite"/>
+                      </p:stCondLst>
+                      <p:childTnLst>
+                        <p:par>
+                          <p:cTn id="16" fill="hold">
+                            <p:stCondLst>
+                              <p:cond delay="0"/>
+                            </p:stCondLst>
+                            <p:childTnLst>
+                              <p:par>
+                                <p:cTn id="17" presetID="1" presetClass="entr" presetSubtype="0" fill="hold" nodeType="clickEffect">
+                                  <p:stCondLst>
+                                    <p:cond delay="0"/>
+                                  </p:stCondLst>
+                                  <p:childTnLst>
+                                    <p:set>
+                                      <p:cBhvr>
+                                        <p:cTn id="18" dur="1" fill="hold">
+                                          <p:stCondLst>
+                                            <p:cond delay="0"/>
+                                          </p:stCondLst>
+                                        </p:cTn>
+                                        <p:tgtEl>
+                                          <p:spTgt spid="3">
+                                            <p:txEl>
+                                              <p:pRg st="8" end="8"/>
+                                            </p:txEl>
+                                          </p:spTgt>
+                                        </p:tgtEl>
+                                        <p:attrNameLst>
+                                          <p:attrName>style.visibility</p:attrName>
+                                        </p:attrNameLst>
+                                      </p:cBhvr>
+                                      <p:to>
+                                        <p:strVal val="visible"/>
+                                      </p:to>
+                                    </p:set>
+                                  </p:childTnLst>
+                                </p:cTn>
+                              </p:par>
+                            </p:childTnLst>
+                          </p:cTn>
+                        </p:par>
+                      </p:childTnLst>
+                    </p:cTn>
+                  </p:par>
+                </p:childTnLst>
+              </p:cTn>
+              <p:prevCondLst>
+                <p:cond evt="onPrev" delay="0">
+                  <p:tgtEl>
+                    <p:sldTgt/>
+                  </p:tgtEl>
+                </p:cond>
+              </p:prevCondLst>
+              <p:nextCondLst>
+                <p:cond evt="onNext" delay="0">
+                  <p:tgtEl>
+                    <p:sldTgt/>
+                  </p:tgtEl>
+                </p:cond>
+              </p:nextCondLst>
+            </p:seq>
+          </p:childTnLst>
+        </p:cTn>
+      </p:par>
+    </p:tnLst>
+  </p:timing>
 </p:sld>
 </file>
 
@@ -8581,40 +9911,40 @@
           </a:bodyPr>
           <a:lstStyle/>
           <a:p>
-            <a:endParaRPr lang="en-US" sz="3600" dirty="0"/>
-          </a:p>
-          <a:p>
-            <a:endParaRPr lang="en-US" sz="3600" dirty="0"/>
-          </a:p>
-          <a:p>
-            <a:endParaRPr lang="en-US" sz="3600" dirty="0"/>
-          </a:p>
-          <a:p>
-            <a:endParaRPr lang="en-US" sz="3600" dirty="0"/>
-          </a:p>
-          <a:p>
-            <a:endParaRPr lang="en-US" sz="3600" dirty="0"/>
-          </a:p>
-          <a:p>
-            <a:endParaRPr lang="en-US" sz="3600" dirty="0"/>
-          </a:p>
-          <a:p>
-            <a:r>
-              <a:rPr lang="en-US" sz="3600" dirty="0"/>
+            <a:endParaRPr lang="en-US" sz="3200" dirty="0"/>
+          </a:p>
+          <a:p>
+            <a:endParaRPr lang="en-US" sz="3200" dirty="0"/>
+          </a:p>
+          <a:p>
+            <a:endParaRPr lang="en-US" sz="3200" dirty="0"/>
+          </a:p>
+          <a:p>
+            <a:endParaRPr lang="en-US" sz="3200" dirty="0"/>
+          </a:p>
+          <a:p>
+            <a:endParaRPr lang="en-US" sz="3200" dirty="0"/>
+          </a:p>
+          <a:p>
+            <a:endParaRPr lang="en-US" sz="3200" dirty="0"/>
+          </a:p>
+          <a:p>
+            <a:r>
+              <a:rPr lang="en-US" sz="3200" dirty="0"/>
               <a:t>To answer the question:</a:t>
             </a:r>
           </a:p>
           <a:p>
             <a:pPr lvl="1"/>
             <a:r>
-              <a:rPr lang="en-US" sz="3400" dirty="0"/>
+              <a:rPr lang="en-US" sz="3200" dirty="0"/>
               <a:t>110100 AND 110111 AND 101111 = 100100</a:t>
             </a:r>
           </a:p>
           <a:p>
             <a:pPr lvl="1"/>
             <a:r>
-              <a:rPr lang="en-US" sz="3400" dirty="0"/>
+              <a:rPr lang="en-US" sz="3200" dirty="0"/>
               <a:t>What’s the answer?</a:t>
             </a:r>
           </a:p>
@@ -8727,17 +10057,26 @@
         <p:spPr/>
         <p:txBody>
           <a:bodyPr>
-            <a:normAutofit/>
+            <a:normAutofit fontScale="85000" lnSpcReduction="10000"/>
           </a:bodyPr>
           <a:lstStyle/>
           <a:p>
+            <a:pPr>
+              <a:lnSpc>
+                <a:spcPct val="150000"/>
+              </a:lnSpc>
+            </a:pPr>
             <a:r>
               <a:rPr lang="en-US" sz="2800" dirty="0"/>
               <a:t>The Boolean retrieval model is an IR model</a:t>
             </a:r>
           </a:p>
           <a:p>
-            <a:pPr lvl="1"/>
+            <a:pPr lvl="1">
+              <a:lnSpc>
+                <a:spcPct val="150000"/>
+              </a:lnSpc>
+            </a:pPr>
             <a:r>
               <a:rPr lang="en-US" sz="2400" dirty="0"/>
               <a:t>Formulate queries using </a:t>
@@ -8752,42 +10091,66 @@
             </a:r>
           </a:p>
           <a:p>
-            <a:pPr lvl="2"/>
+            <a:pPr lvl="2">
+              <a:lnSpc>
+                <a:spcPct val="150000"/>
+              </a:lnSpc>
+            </a:pPr>
             <a:r>
               <a:rPr lang="en-US" sz="2000" dirty="0"/>
               <a:t>AND, OR, and NOT</a:t>
             </a:r>
           </a:p>
           <a:p>
-            <a:pPr lvl="2"/>
+            <a:pPr lvl="2">
+              <a:lnSpc>
+                <a:spcPct val="150000"/>
+              </a:lnSpc>
+            </a:pPr>
             <a:r>
               <a:rPr lang="en-US" sz="2000" dirty="0"/>
               <a:t>Can be arbitrarily nested</a:t>
             </a:r>
           </a:p>
           <a:p>
-            <a:pPr lvl="1"/>
+            <a:pPr lvl="1">
+              <a:lnSpc>
+                <a:spcPct val="150000"/>
+              </a:lnSpc>
+            </a:pPr>
             <a:r>
               <a:rPr lang="en-US" sz="2400" dirty="0"/>
               <a:t>The model views each document as just a set of words </a:t>
             </a:r>
           </a:p>
           <a:p>
-            <a:pPr lvl="1"/>
+            <a:pPr lvl="1">
+              <a:lnSpc>
+                <a:spcPct val="150000"/>
+              </a:lnSpc>
+            </a:pPr>
             <a:r>
               <a:rPr lang="en-US" sz="2400" dirty="0"/>
               <a:t>Any given query divides the collection into two sets: retrieved, not-retrieved</a:t>
             </a:r>
           </a:p>
           <a:p>
-            <a:pPr lvl="2"/>
+            <a:pPr lvl="2">
+              <a:lnSpc>
+                <a:spcPct val="150000"/>
+              </a:lnSpc>
+            </a:pPr>
             <a:r>
               <a:rPr lang="en-US" sz="2200" dirty="0"/>
               <a:t>Pure Boolean systems do not define an ordering of the results</a:t>
             </a:r>
           </a:p>
           <a:p>
-            <a:pPr lvl="3"/>
+            <a:pPr lvl="3">
+              <a:lnSpc>
+                <a:spcPct val="150000"/>
+              </a:lnSpc>
+            </a:pPr>
             <a:r>
               <a:rPr lang="en-US" sz="2200" dirty="0"/>
               <a:t>What does it mean?</a:t>
@@ -8924,7 +10287,7 @@
             <a:pPr lvl="1"/>
             <a:r>
               <a:rPr lang="en-US" dirty="0"/>
-              <a:t>No control over size of result set: either too many hits or none </a:t>
+              <a:t>No control over size of result set: either too many hits or none </a:t>
             </a:r>
           </a:p>
           <a:p>
@@ -8953,6 +10316,385 @@
   <p:clrMapOvr>
     <a:masterClrMapping/>
   </p:clrMapOvr>
+  <p:timing>
+    <p:tnLst>
+      <p:par>
+        <p:cTn id="1" dur="indefinite" restart="never" nodeType="tmRoot">
+          <p:childTnLst>
+            <p:seq concurrent="1" nextAc="seek">
+              <p:cTn id="2" dur="indefinite" nodeType="mainSeq">
+                <p:childTnLst>
+                  <p:par>
+                    <p:cTn id="3" fill="hold">
+                      <p:stCondLst>
+                        <p:cond delay="indefinite"/>
+                      </p:stCondLst>
+                      <p:childTnLst>
+                        <p:par>
+                          <p:cTn id="4" fill="hold">
+                            <p:stCondLst>
+                              <p:cond delay="0"/>
+                            </p:stCondLst>
+                            <p:childTnLst>
+                              <p:par>
+                                <p:cTn id="5" presetID="1" presetClass="entr" presetSubtype="0" fill="hold" grpId="0" nodeType="clickEffect">
+                                  <p:stCondLst>
+                                    <p:cond delay="0"/>
+                                  </p:stCondLst>
+                                  <p:childTnLst>
+                                    <p:set>
+                                      <p:cBhvr>
+                                        <p:cTn id="6" dur="1" fill="hold">
+                                          <p:stCondLst>
+                                            <p:cond delay="0"/>
+                                          </p:stCondLst>
+                                        </p:cTn>
+                                        <p:tgtEl>
+                                          <p:spTgt spid="3">
+                                            <p:txEl>
+                                              <p:pRg st="0" end="0"/>
+                                            </p:txEl>
+                                          </p:spTgt>
+                                        </p:tgtEl>
+                                        <p:attrNameLst>
+                                          <p:attrName>style.visibility</p:attrName>
+                                        </p:attrNameLst>
+                                      </p:cBhvr>
+                                      <p:to>
+                                        <p:strVal val="visible"/>
+                                      </p:to>
+                                    </p:set>
+                                  </p:childTnLst>
+                                </p:cTn>
+                              </p:par>
+                              <p:par>
+                                <p:cTn id="7" presetID="1" presetClass="entr" presetSubtype="0" fill="hold" grpId="0" nodeType="withEffect">
+                                  <p:stCondLst>
+                                    <p:cond delay="0"/>
+                                  </p:stCondLst>
+                                  <p:childTnLst>
+                                    <p:set>
+                                      <p:cBhvr>
+                                        <p:cTn id="8" dur="1" fill="hold">
+                                          <p:stCondLst>
+                                            <p:cond delay="0"/>
+                                          </p:stCondLst>
+                                        </p:cTn>
+                                        <p:tgtEl>
+                                          <p:spTgt spid="3">
+                                            <p:txEl>
+                                              <p:pRg st="1" end="1"/>
+                                            </p:txEl>
+                                          </p:spTgt>
+                                        </p:tgtEl>
+                                        <p:attrNameLst>
+                                          <p:attrName>style.visibility</p:attrName>
+                                        </p:attrNameLst>
+                                      </p:cBhvr>
+                                      <p:to>
+                                        <p:strVal val="visible"/>
+                                      </p:to>
+                                    </p:set>
+                                  </p:childTnLst>
+                                </p:cTn>
+                              </p:par>
+                              <p:par>
+                                <p:cTn id="9" presetID="1" presetClass="entr" presetSubtype="0" fill="hold" grpId="0" nodeType="withEffect">
+                                  <p:stCondLst>
+                                    <p:cond delay="0"/>
+                                  </p:stCondLst>
+                                  <p:childTnLst>
+                                    <p:set>
+                                      <p:cBhvr>
+                                        <p:cTn id="10" dur="1" fill="hold">
+                                          <p:stCondLst>
+                                            <p:cond delay="0"/>
+                                          </p:stCondLst>
+                                        </p:cTn>
+                                        <p:tgtEl>
+                                          <p:spTgt spid="3">
+                                            <p:txEl>
+                                              <p:pRg st="2" end="2"/>
+                                            </p:txEl>
+                                          </p:spTgt>
+                                        </p:tgtEl>
+                                        <p:attrNameLst>
+                                          <p:attrName>style.visibility</p:attrName>
+                                        </p:attrNameLst>
+                                      </p:cBhvr>
+                                      <p:to>
+                                        <p:strVal val="visible"/>
+                                      </p:to>
+                                    </p:set>
+                                  </p:childTnLst>
+                                </p:cTn>
+                              </p:par>
+                              <p:par>
+                                <p:cTn id="11" presetID="1" presetClass="entr" presetSubtype="0" fill="hold" grpId="0" nodeType="withEffect">
+                                  <p:stCondLst>
+                                    <p:cond delay="0"/>
+                                  </p:stCondLst>
+                                  <p:childTnLst>
+                                    <p:set>
+                                      <p:cBhvr>
+                                        <p:cTn id="12" dur="1" fill="hold">
+                                          <p:stCondLst>
+                                            <p:cond delay="0"/>
+                                          </p:stCondLst>
+                                        </p:cTn>
+                                        <p:tgtEl>
+                                          <p:spTgt spid="3">
+                                            <p:txEl>
+                                              <p:pRg st="3" end="3"/>
+                                            </p:txEl>
+                                          </p:spTgt>
+                                        </p:tgtEl>
+                                        <p:attrNameLst>
+                                          <p:attrName>style.visibility</p:attrName>
+                                        </p:attrNameLst>
+                                      </p:cBhvr>
+                                      <p:to>
+                                        <p:strVal val="visible"/>
+                                      </p:to>
+                                    </p:set>
+                                  </p:childTnLst>
+                                </p:cTn>
+                              </p:par>
+                            </p:childTnLst>
+                          </p:cTn>
+                        </p:par>
+                      </p:childTnLst>
+                    </p:cTn>
+                  </p:par>
+                  <p:par>
+                    <p:cTn id="13" fill="hold">
+                      <p:stCondLst>
+                        <p:cond delay="indefinite"/>
+                      </p:stCondLst>
+                      <p:childTnLst>
+                        <p:par>
+                          <p:cTn id="14" fill="hold">
+                            <p:stCondLst>
+                              <p:cond delay="0"/>
+                            </p:stCondLst>
+                            <p:childTnLst>
+                              <p:par>
+                                <p:cTn id="15" presetID="1" presetClass="entr" presetSubtype="0" fill="hold" grpId="0" nodeType="clickEffect">
+                                  <p:stCondLst>
+                                    <p:cond delay="0"/>
+                                  </p:stCondLst>
+                                  <p:childTnLst>
+                                    <p:set>
+                                      <p:cBhvr>
+                                        <p:cTn id="16" dur="1" fill="hold">
+                                          <p:stCondLst>
+                                            <p:cond delay="0"/>
+                                          </p:stCondLst>
+                                        </p:cTn>
+                                        <p:tgtEl>
+                                          <p:spTgt spid="3">
+                                            <p:txEl>
+                                              <p:pRg st="4" end="4"/>
+                                            </p:txEl>
+                                          </p:spTgt>
+                                        </p:tgtEl>
+                                        <p:attrNameLst>
+                                          <p:attrName>style.visibility</p:attrName>
+                                        </p:attrNameLst>
+                                      </p:cBhvr>
+                                      <p:to>
+                                        <p:strVal val="visible"/>
+                                      </p:to>
+                                    </p:set>
+                                  </p:childTnLst>
+                                </p:cTn>
+                              </p:par>
+                              <p:par>
+                                <p:cTn id="17" presetID="1" presetClass="entr" presetSubtype="0" fill="hold" grpId="0" nodeType="withEffect">
+                                  <p:stCondLst>
+                                    <p:cond delay="0"/>
+                                  </p:stCondLst>
+                                  <p:childTnLst>
+                                    <p:set>
+                                      <p:cBhvr>
+                                        <p:cTn id="18" dur="1" fill="hold">
+                                          <p:stCondLst>
+                                            <p:cond delay="0"/>
+                                          </p:stCondLst>
+                                        </p:cTn>
+                                        <p:tgtEl>
+                                          <p:spTgt spid="3">
+                                            <p:txEl>
+                                              <p:pRg st="5" end="5"/>
+                                            </p:txEl>
+                                          </p:spTgt>
+                                        </p:tgtEl>
+                                        <p:attrNameLst>
+                                          <p:attrName>style.visibility</p:attrName>
+                                        </p:attrNameLst>
+                                      </p:cBhvr>
+                                      <p:to>
+                                        <p:strVal val="visible"/>
+                                      </p:to>
+                                    </p:set>
+                                  </p:childTnLst>
+                                </p:cTn>
+                              </p:par>
+                              <p:par>
+                                <p:cTn id="19" presetID="1" presetClass="entr" presetSubtype="0" fill="hold" grpId="0" nodeType="withEffect">
+                                  <p:stCondLst>
+                                    <p:cond delay="0"/>
+                                  </p:stCondLst>
+                                  <p:childTnLst>
+                                    <p:set>
+                                      <p:cBhvr>
+                                        <p:cTn id="20" dur="1" fill="hold">
+                                          <p:stCondLst>
+                                            <p:cond delay="0"/>
+                                          </p:stCondLst>
+                                        </p:cTn>
+                                        <p:tgtEl>
+                                          <p:spTgt spid="3">
+                                            <p:txEl>
+                                              <p:pRg st="6" end="6"/>
+                                            </p:txEl>
+                                          </p:spTgt>
+                                        </p:tgtEl>
+                                        <p:attrNameLst>
+                                          <p:attrName>style.visibility</p:attrName>
+                                        </p:attrNameLst>
+                                      </p:cBhvr>
+                                      <p:to>
+                                        <p:strVal val="visible"/>
+                                      </p:to>
+                                    </p:set>
+                                  </p:childTnLst>
+                                </p:cTn>
+                              </p:par>
+                              <p:par>
+                                <p:cTn id="21" presetID="1" presetClass="entr" presetSubtype="0" fill="hold" grpId="0" nodeType="withEffect">
+                                  <p:stCondLst>
+                                    <p:cond delay="0"/>
+                                  </p:stCondLst>
+                                  <p:childTnLst>
+                                    <p:set>
+                                      <p:cBhvr>
+                                        <p:cTn id="22" dur="1" fill="hold">
+                                          <p:stCondLst>
+                                            <p:cond delay="0"/>
+                                          </p:stCondLst>
+                                        </p:cTn>
+                                        <p:tgtEl>
+                                          <p:spTgt spid="3">
+                                            <p:txEl>
+                                              <p:pRg st="7" end="7"/>
+                                            </p:txEl>
+                                          </p:spTgt>
+                                        </p:tgtEl>
+                                        <p:attrNameLst>
+                                          <p:attrName>style.visibility</p:attrName>
+                                        </p:attrNameLst>
+                                      </p:cBhvr>
+                                      <p:to>
+                                        <p:strVal val="visible"/>
+                                      </p:to>
+                                    </p:set>
+                                  </p:childTnLst>
+                                </p:cTn>
+                              </p:par>
+                              <p:par>
+                                <p:cTn id="23" presetID="1" presetClass="entr" presetSubtype="0" fill="hold" grpId="0" nodeType="withEffect">
+                                  <p:stCondLst>
+                                    <p:cond delay="0"/>
+                                  </p:stCondLst>
+                                  <p:childTnLst>
+                                    <p:set>
+                                      <p:cBhvr>
+                                        <p:cTn id="24" dur="1" fill="hold">
+                                          <p:stCondLst>
+                                            <p:cond delay="0"/>
+                                          </p:stCondLst>
+                                        </p:cTn>
+                                        <p:tgtEl>
+                                          <p:spTgt spid="3">
+                                            <p:txEl>
+                                              <p:pRg st="8" end="8"/>
+                                            </p:txEl>
+                                          </p:spTgt>
+                                        </p:tgtEl>
+                                        <p:attrNameLst>
+                                          <p:attrName>style.visibility</p:attrName>
+                                        </p:attrNameLst>
+                                      </p:cBhvr>
+                                      <p:to>
+                                        <p:strVal val="visible"/>
+                                      </p:to>
+                                    </p:set>
+                                  </p:childTnLst>
+                                </p:cTn>
+                              </p:par>
+                              <p:par>
+                                <p:cTn id="25" presetID="1" presetClass="entr" presetSubtype="0" fill="hold" grpId="0" nodeType="withEffect">
+                                  <p:stCondLst>
+                                    <p:cond delay="0"/>
+                                  </p:stCondLst>
+                                  <p:childTnLst>
+                                    <p:set>
+                                      <p:cBhvr>
+                                        <p:cTn id="26" dur="1" fill="hold">
+                                          <p:stCondLst>
+                                            <p:cond delay="0"/>
+                                          </p:stCondLst>
+                                        </p:cTn>
+                                        <p:tgtEl>
+                                          <p:spTgt spid="3">
+                                            <p:txEl>
+                                              <p:pRg st="9" end="9"/>
+                                            </p:txEl>
+                                          </p:spTgt>
+                                        </p:tgtEl>
+                                        <p:attrNameLst>
+                                          <p:attrName>style.visibility</p:attrName>
+                                        </p:attrNameLst>
+                                      </p:cBhvr>
+                                      <p:to>
+                                        <p:strVal val="visible"/>
+                                      </p:to>
+                                    </p:set>
+                                  </p:childTnLst>
+                                </p:cTn>
+                              </p:par>
+                            </p:childTnLst>
+                          </p:cTn>
+                        </p:par>
+                      </p:childTnLst>
+                    </p:cTn>
+                  </p:par>
+                </p:childTnLst>
+              </p:cTn>
+              <p:prevCondLst>
+                <p:cond evt="onPrev" delay="0">
+                  <p:tgtEl>
+                    <p:sldTgt/>
+                  </p:tgtEl>
+                </p:cond>
+              </p:prevCondLst>
+              <p:nextCondLst>
+                <p:cond evt="onNext" delay="0">
+                  <p:tgtEl>
+                    <p:sldTgt/>
+                  </p:tgtEl>
+                </p:cond>
+              </p:nextCondLst>
+            </p:seq>
+          </p:childTnLst>
+        </p:cTn>
+      </p:par>
+    </p:tnLst>
+    <p:bldLst>
+      <p:bldP spid="3" grpId="0" build="p"/>
+    </p:bldLst>
+  </p:timing>
 </p:sld>
 </file>
 
@@ -9030,7 +10772,7 @@
               </a:lnSpc>
             </a:pPr>
             <a:r>
-              <a:rPr lang="en-US" sz="2200" dirty="0"/>
+              <a:rPr lang="en-US" sz="2800" dirty="0"/>
               <a:t>Write your own definition and list the corresponding examples in the Shakespeare’s works</a:t>
             </a:r>
           </a:p>
@@ -9041,7 +10783,7 @@
               </a:lnSpc>
             </a:pPr>
             <a:r>
-              <a:rPr lang="en-US" sz="2000" dirty="0"/>
+              <a:rPr lang="en-US" sz="2800" dirty="0"/>
               <a:t>Terms</a:t>
             </a:r>
           </a:p>
@@ -9052,7 +10794,7 @@
               </a:lnSpc>
             </a:pPr>
             <a:r>
-              <a:rPr lang="en-US" sz="2000" dirty="0"/>
+              <a:rPr lang="en-US" sz="2800" dirty="0"/>
               <a:t>Documents</a:t>
             </a:r>
           </a:p>
@@ -9063,7 +10805,7 @@
               </a:lnSpc>
             </a:pPr>
             <a:r>
-              <a:rPr lang="en-US" sz="2000" dirty="0"/>
+              <a:rPr lang="en-US" sz="2800" dirty="0"/>
               <a:t>Corpus</a:t>
             </a:r>
           </a:p>
@@ -10431,45 +12173,72 @@
         <p:spPr/>
         <p:txBody>
           <a:bodyPr>
-            <a:normAutofit/>
+            <a:normAutofit fontScale="92500" lnSpcReduction="20000"/>
           </a:bodyPr>
           <a:lstStyle/>
           <a:p>
+            <a:pPr>
+              <a:lnSpc>
+                <a:spcPct val="150000"/>
+              </a:lnSpc>
+            </a:pPr>
             <a:r>
               <a:rPr lang="en-US" sz="3200" dirty="0"/>
               <a:t>What industry are you interested in?</a:t>
             </a:r>
           </a:p>
           <a:p>
-            <a:pPr lvl="1"/>
+            <a:pPr lvl="1">
+              <a:lnSpc>
+                <a:spcPct val="150000"/>
+              </a:lnSpc>
+            </a:pPr>
             <a:r>
               <a:rPr lang="en-US" sz="2800" dirty="0"/>
               <a:t>Finance</a:t>
             </a:r>
           </a:p>
           <a:p>
-            <a:pPr lvl="1"/>
+            <a:pPr lvl="1">
+              <a:lnSpc>
+                <a:spcPct val="150000"/>
+              </a:lnSpc>
+            </a:pPr>
             <a:r>
               <a:rPr lang="en-US" sz="2800" dirty="0"/>
               <a:t>Entertainment and Sports</a:t>
             </a:r>
           </a:p>
           <a:p>
-            <a:pPr lvl="1"/>
+            <a:pPr lvl="1">
+              <a:lnSpc>
+                <a:spcPct val="150000"/>
+              </a:lnSpc>
+            </a:pPr>
             <a:r>
               <a:rPr lang="en-US" sz="2800" dirty="0"/>
               <a:t>Living</a:t>
             </a:r>
-          </a:p>
-          <a:p>
+            <a:endParaRPr lang="en-US" sz="3000" dirty="0"/>
+          </a:p>
+          <a:p>
+            <a:pPr>
+              <a:lnSpc>
+                <a:spcPct val="150000"/>
+              </a:lnSpc>
+            </a:pPr>
             <a:r>
               <a:rPr lang="en-US" sz="3200" dirty="0"/>
-              <a:t>What does your data look like?</a:t>
+              <a:t>NLP is necessary?</a:t>
             </a:r>
             <a:endParaRPr lang="en-US" sz="3000" dirty="0"/>
           </a:p>
           <a:p>
-            <a:pPr lvl="1"/>
+            <a:pPr lvl="1">
+              <a:lnSpc>
+                <a:spcPct val="150000"/>
+              </a:lnSpc>
+            </a:pPr>
             <a:r>
               <a:rPr lang="en-US" sz="3000" dirty="0"/>
               <a:t>Let’s see the latest 10-Q report for Apple: </a:t>
@@ -10483,7 +12252,11 @@
             <a:endParaRPr lang="en-US" sz="3000" dirty="0"/>
           </a:p>
           <a:p>
-            <a:pPr lvl="1"/>
+            <a:pPr lvl="1">
+              <a:lnSpc>
+                <a:spcPct val="150000"/>
+              </a:lnSpc>
+            </a:pPr>
             <a:endParaRPr lang="en-US" sz="3000" dirty="0"/>
           </a:p>
         </p:txBody>
@@ -10498,6 +12271,294 @@
   <p:clrMapOvr>
     <a:masterClrMapping/>
   </p:clrMapOvr>
+  <p:timing>
+    <p:tnLst>
+      <p:par>
+        <p:cTn id="1" dur="indefinite" restart="never" nodeType="tmRoot">
+          <p:childTnLst>
+            <p:seq concurrent="1" nextAc="seek">
+              <p:cTn id="2" dur="indefinite" nodeType="mainSeq">
+                <p:childTnLst>
+                  <p:par>
+                    <p:cTn id="3" fill="hold">
+                      <p:stCondLst>
+                        <p:cond delay="indefinite"/>
+                      </p:stCondLst>
+                      <p:childTnLst>
+                        <p:par>
+                          <p:cTn id="4" fill="hold">
+                            <p:stCondLst>
+                              <p:cond delay="0"/>
+                            </p:stCondLst>
+                            <p:childTnLst>
+                              <p:par>
+                                <p:cTn id="5" presetID="1" presetClass="entr" presetSubtype="0" fill="hold" nodeType="clickEffect">
+                                  <p:stCondLst>
+                                    <p:cond delay="0"/>
+                                  </p:stCondLst>
+                                  <p:childTnLst>
+                                    <p:set>
+                                      <p:cBhvr>
+                                        <p:cTn id="6" dur="1" fill="hold">
+                                          <p:stCondLst>
+                                            <p:cond delay="0"/>
+                                          </p:stCondLst>
+                                        </p:cTn>
+                                        <p:tgtEl>
+                                          <p:spTgt spid="3">
+                                            <p:txEl>
+                                              <p:pRg st="0" end="0"/>
+                                            </p:txEl>
+                                          </p:spTgt>
+                                        </p:tgtEl>
+                                        <p:attrNameLst>
+                                          <p:attrName>style.visibility</p:attrName>
+                                        </p:attrNameLst>
+                                      </p:cBhvr>
+                                      <p:to>
+                                        <p:strVal val="visible"/>
+                                      </p:to>
+                                    </p:set>
+                                  </p:childTnLst>
+                                </p:cTn>
+                              </p:par>
+                            </p:childTnLst>
+                          </p:cTn>
+                        </p:par>
+                      </p:childTnLst>
+                    </p:cTn>
+                  </p:par>
+                  <p:par>
+                    <p:cTn id="7" fill="hold">
+                      <p:stCondLst>
+                        <p:cond delay="indefinite"/>
+                      </p:stCondLst>
+                      <p:childTnLst>
+                        <p:par>
+                          <p:cTn id="8" fill="hold">
+                            <p:stCondLst>
+                              <p:cond delay="0"/>
+                            </p:stCondLst>
+                            <p:childTnLst>
+                              <p:par>
+                                <p:cTn id="9" presetID="1" presetClass="entr" presetSubtype="0" fill="hold" nodeType="clickEffect">
+                                  <p:stCondLst>
+                                    <p:cond delay="0"/>
+                                  </p:stCondLst>
+                                  <p:childTnLst>
+                                    <p:set>
+                                      <p:cBhvr>
+                                        <p:cTn id="10" dur="1" fill="hold">
+                                          <p:stCondLst>
+                                            <p:cond delay="0"/>
+                                          </p:stCondLst>
+                                        </p:cTn>
+                                        <p:tgtEl>
+                                          <p:spTgt spid="3">
+                                            <p:txEl>
+                                              <p:pRg st="1" end="1"/>
+                                            </p:txEl>
+                                          </p:spTgt>
+                                        </p:tgtEl>
+                                        <p:attrNameLst>
+                                          <p:attrName>style.visibility</p:attrName>
+                                        </p:attrNameLst>
+                                      </p:cBhvr>
+                                      <p:to>
+                                        <p:strVal val="visible"/>
+                                      </p:to>
+                                    </p:set>
+                                  </p:childTnLst>
+                                </p:cTn>
+                              </p:par>
+                              <p:par>
+                                <p:cTn id="11" presetID="1" presetClass="entr" presetSubtype="0" fill="hold" nodeType="withEffect">
+                                  <p:stCondLst>
+                                    <p:cond delay="0"/>
+                                  </p:stCondLst>
+                                  <p:childTnLst>
+                                    <p:set>
+                                      <p:cBhvr>
+                                        <p:cTn id="12" dur="1" fill="hold">
+                                          <p:stCondLst>
+                                            <p:cond delay="0"/>
+                                          </p:stCondLst>
+                                        </p:cTn>
+                                        <p:tgtEl>
+                                          <p:spTgt spid="3">
+                                            <p:txEl>
+                                              <p:pRg st="2" end="2"/>
+                                            </p:txEl>
+                                          </p:spTgt>
+                                        </p:tgtEl>
+                                        <p:attrNameLst>
+                                          <p:attrName>style.visibility</p:attrName>
+                                        </p:attrNameLst>
+                                      </p:cBhvr>
+                                      <p:to>
+                                        <p:strVal val="visible"/>
+                                      </p:to>
+                                    </p:set>
+                                  </p:childTnLst>
+                                </p:cTn>
+                              </p:par>
+                              <p:par>
+                                <p:cTn id="13" presetID="1" presetClass="entr" presetSubtype="0" fill="hold" nodeType="withEffect">
+                                  <p:stCondLst>
+                                    <p:cond delay="0"/>
+                                  </p:stCondLst>
+                                  <p:childTnLst>
+                                    <p:set>
+                                      <p:cBhvr>
+                                        <p:cTn id="14" dur="1" fill="hold">
+                                          <p:stCondLst>
+                                            <p:cond delay="0"/>
+                                          </p:stCondLst>
+                                        </p:cTn>
+                                        <p:tgtEl>
+                                          <p:spTgt spid="3">
+                                            <p:txEl>
+                                              <p:pRg st="3" end="3"/>
+                                            </p:txEl>
+                                          </p:spTgt>
+                                        </p:tgtEl>
+                                        <p:attrNameLst>
+                                          <p:attrName>style.visibility</p:attrName>
+                                        </p:attrNameLst>
+                                      </p:cBhvr>
+                                      <p:to>
+                                        <p:strVal val="visible"/>
+                                      </p:to>
+                                    </p:set>
+                                  </p:childTnLst>
+                                </p:cTn>
+                              </p:par>
+                            </p:childTnLst>
+                          </p:cTn>
+                        </p:par>
+                      </p:childTnLst>
+                    </p:cTn>
+                  </p:par>
+                  <p:par>
+                    <p:cTn id="15" fill="hold">
+                      <p:stCondLst>
+                        <p:cond delay="indefinite"/>
+                      </p:stCondLst>
+                      <p:childTnLst>
+                        <p:par>
+                          <p:cTn id="16" fill="hold">
+                            <p:stCondLst>
+                              <p:cond delay="0"/>
+                            </p:stCondLst>
+                            <p:childTnLst>
+                              <p:par>
+                                <p:cTn id="17" presetID="1" presetClass="entr" presetSubtype="0" fill="hold" nodeType="clickEffect">
+                                  <p:stCondLst>
+                                    <p:cond delay="0"/>
+                                  </p:stCondLst>
+                                  <p:childTnLst>
+                                    <p:set>
+                                      <p:cBhvr>
+                                        <p:cTn id="18" dur="1" fill="hold">
+                                          <p:stCondLst>
+                                            <p:cond delay="0"/>
+                                          </p:stCondLst>
+                                        </p:cTn>
+                                        <p:tgtEl>
+                                          <p:spTgt spid="3">
+                                            <p:txEl>
+                                              <p:pRg st="4" end="4"/>
+                                            </p:txEl>
+                                          </p:spTgt>
+                                        </p:tgtEl>
+                                        <p:attrNameLst>
+                                          <p:attrName>style.visibility</p:attrName>
+                                        </p:attrNameLst>
+                                      </p:cBhvr>
+                                      <p:to>
+                                        <p:strVal val="visible"/>
+                                      </p:to>
+                                    </p:set>
+                                  </p:childTnLst>
+                                </p:cTn>
+                              </p:par>
+                            </p:childTnLst>
+                          </p:cTn>
+                        </p:par>
+                      </p:childTnLst>
+                    </p:cTn>
+                  </p:par>
+                  <p:par>
+                    <p:cTn id="19" fill="hold">
+                      <p:stCondLst>
+                        <p:cond delay="indefinite"/>
+                      </p:stCondLst>
+                      <p:childTnLst>
+                        <p:par>
+                          <p:cTn id="20" fill="hold">
+                            <p:stCondLst>
+                              <p:cond delay="0"/>
+                            </p:stCondLst>
+                            <p:childTnLst>
+                              <p:par>
+                                <p:cTn id="21" presetID="1" presetClass="entr" presetSubtype="0" fill="hold" nodeType="clickEffect">
+                                  <p:stCondLst>
+                                    <p:cond delay="0"/>
+                                  </p:stCondLst>
+                                  <p:childTnLst>
+                                    <p:set>
+                                      <p:cBhvr>
+                                        <p:cTn id="22" dur="1" fill="hold">
+                                          <p:stCondLst>
+                                            <p:cond delay="0"/>
+                                          </p:stCondLst>
+                                        </p:cTn>
+                                        <p:tgtEl>
+                                          <p:spTgt spid="3">
+                                            <p:txEl>
+                                              <p:pRg st="5" end="5"/>
+                                            </p:txEl>
+                                          </p:spTgt>
+                                        </p:tgtEl>
+                                        <p:attrNameLst>
+                                          <p:attrName>style.visibility</p:attrName>
+                                        </p:attrNameLst>
+                                      </p:cBhvr>
+                                      <p:to>
+                                        <p:strVal val="visible"/>
+                                      </p:to>
+                                    </p:set>
+                                  </p:childTnLst>
+                                </p:cTn>
+                              </p:par>
+                            </p:childTnLst>
+                          </p:cTn>
+                        </p:par>
+                      </p:childTnLst>
+                    </p:cTn>
+                  </p:par>
+                </p:childTnLst>
+              </p:cTn>
+              <p:prevCondLst>
+                <p:cond evt="onPrev" delay="0">
+                  <p:tgtEl>
+                    <p:sldTgt/>
+                  </p:tgtEl>
+                </p:cond>
+              </p:prevCondLst>
+              <p:nextCondLst>
+                <p:cond evt="onNext" delay="0">
+                  <p:tgtEl>
+                    <p:sldTgt/>
+                  </p:tgtEl>
+                </p:cond>
+              </p:nextCondLst>
+            </p:seq>
+          </p:childTnLst>
+        </p:cTn>
+      </p:par>
+    </p:tnLst>
+  </p:timing>
 </p:sld>
 </file>
 
@@ -10565,45 +12626,73 @@
         <p:spPr/>
         <p:txBody>
           <a:bodyPr>
-            <a:normAutofit/>
+            <a:normAutofit lnSpcReduction="10000"/>
           </a:bodyPr>
           <a:lstStyle/>
           <a:p>
+            <a:pPr>
+              <a:lnSpc>
+                <a:spcPct val="150000"/>
+              </a:lnSpc>
+            </a:pPr>
+            <a:r>
+              <a:rPr lang="en-US" sz="2800" dirty="0"/>
+              <a:t>The text has more (or better) information than numbers? </a:t>
+            </a:r>
+          </a:p>
+          <a:p>
+            <a:pPr lvl="1">
+              <a:lnSpc>
+                <a:spcPct val="150000"/>
+              </a:lnSpc>
+            </a:pPr>
             <a:r>
               <a:rPr lang="en-US" sz="2400" dirty="0"/>
-              <a:t>What makes you think that the text has contains (or better) information than numbers? </a:t>
-            </a:r>
-          </a:p>
-          <a:p>
-            <a:pPr lvl="1"/>
-            <a:r>
-              <a:rPr lang="en-US" sz="2000" dirty="0"/>
               <a:t>Or opposite?</a:t>
             </a:r>
           </a:p>
           <a:p>
+            <a:pPr>
+              <a:lnSpc>
+                <a:spcPct val="150000"/>
+              </a:lnSpc>
+            </a:pPr>
+            <a:r>
+              <a:rPr lang="en-US" sz="2800" dirty="0"/>
+              <a:t>If so, how could we extract information from text?</a:t>
+            </a:r>
+          </a:p>
+          <a:p>
+            <a:pPr lvl="1">
+              <a:lnSpc>
+                <a:spcPct val="150000"/>
+              </a:lnSpc>
+            </a:pPr>
             <a:r>
               <a:rPr lang="en-US" sz="2400" dirty="0"/>
-              <a:t>If so, how could we extract information from text?</a:t>
-            </a:r>
-          </a:p>
-          <a:p>
-            <a:pPr lvl="1"/>
-            <a:r>
-              <a:rPr lang="en-US" sz="2000" dirty="0"/>
               <a:t>Wait, do machines understand text?</a:t>
             </a:r>
           </a:p>
           <a:p>
+            <a:pPr>
+              <a:lnSpc>
+                <a:spcPct val="150000"/>
+              </a:lnSpc>
+            </a:pPr>
+            <a:r>
+              <a:rPr lang="en-US" sz="2800" dirty="0"/>
+              <a:t>Why Machine Learning?</a:t>
+            </a:r>
+          </a:p>
+          <a:p>
+            <a:pPr lvl="1">
+              <a:lnSpc>
+                <a:spcPct val="150000"/>
+              </a:lnSpc>
+            </a:pPr>
             <a:r>
               <a:rPr lang="en-US" sz="2400" dirty="0"/>
-              <a:t>Why is it necessary to have knowledge of machine learning to perform this task?</a:t>
-            </a:r>
-          </a:p>
-          <a:p>
-            <a:r>
-              <a:rPr lang="en-US" sz="2400" dirty="0"/>
-              <a:t>Specifically, why is "deep learning" prevalent in most natural language processing (NLP) applications?</a:t>
+              <a:t>Deep learning?</a:t>
             </a:r>
           </a:p>
         </p:txBody>
@@ -10618,6 +12707,330 @@
   <p:clrMapOvr>
     <a:masterClrMapping/>
   </p:clrMapOvr>
+  <p:timing>
+    <p:tnLst>
+      <p:par>
+        <p:cTn id="1" dur="indefinite" restart="never" nodeType="tmRoot">
+          <p:childTnLst>
+            <p:seq concurrent="1" nextAc="seek">
+              <p:cTn id="2" dur="indefinite" nodeType="mainSeq">
+                <p:childTnLst>
+                  <p:par>
+                    <p:cTn id="3" fill="hold">
+                      <p:stCondLst>
+                        <p:cond delay="indefinite"/>
+                      </p:stCondLst>
+                      <p:childTnLst>
+                        <p:par>
+                          <p:cTn id="4" fill="hold">
+                            <p:stCondLst>
+                              <p:cond delay="0"/>
+                            </p:stCondLst>
+                            <p:childTnLst>
+                              <p:par>
+                                <p:cTn id="5" presetID="1" presetClass="entr" presetSubtype="0" fill="hold" nodeType="clickEffect">
+                                  <p:stCondLst>
+                                    <p:cond delay="0"/>
+                                  </p:stCondLst>
+                                  <p:childTnLst>
+                                    <p:set>
+                                      <p:cBhvr>
+                                        <p:cTn id="6" dur="1" fill="hold">
+                                          <p:stCondLst>
+                                            <p:cond delay="0"/>
+                                          </p:stCondLst>
+                                        </p:cTn>
+                                        <p:tgtEl>
+                                          <p:spTgt spid="3">
+                                            <p:txEl>
+                                              <p:pRg st="0" end="0"/>
+                                            </p:txEl>
+                                          </p:spTgt>
+                                        </p:tgtEl>
+                                        <p:attrNameLst>
+                                          <p:attrName>style.visibility</p:attrName>
+                                        </p:attrNameLst>
+                                      </p:cBhvr>
+                                      <p:to>
+                                        <p:strVal val="visible"/>
+                                      </p:to>
+                                    </p:set>
+                                  </p:childTnLst>
+                                </p:cTn>
+                              </p:par>
+                            </p:childTnLst>
+                          </p:cTn>
+                        </p:par>
+                      </p:childTnLst>
+                    </p:cTn>
+                  </p:par>
+                  <p:par>
+                    <p:cTn id="7" fill="hold">
+                      <p:stCondLst>
+                        <p:cond delay="indefinite"/>
+                      </p:stCondLst>
+                      <p:childTnLst>
+                        <p:par>
+                          <p:cTn id="8" fill="hold">
+                            <p:stCondLst>
+                              <p:cond delay="0"/>
+                            </p:stCondLst>
+                            <p:childTnLst>
+                              <p:par>
+                                <p:cTn id="9" presetID="1" presetClass="entr" presetSubtype="0" fill="hold" nodeType="clickEffect">
+                                  <p:stCondLst>
+                                    <p:cond delay="0"/>
+                                  </p:stCondLst>
+                                  <p:childTnLst>
+                                    <p:set>
+                                      <p:cBhvr>
+                                        <p:cTn id="10" dur="1" fill="hold">
+                                          <p:stCondLst>
+                                            <p:cond delay="0"/>
+                                          </p:stCondLst>
+                                        </p:cTn>
+                                        <p:tgtEl>
+                                          <p:spTgt spid="3">
+                                            <p:txEl>
+                                              <p:pRg st="1" end="1"/>
+                                            </p:txEl>
+                                          </p:spTgt>
+                                        </p:tgtEl>
+                                        <p:attrNameLst>
+                                          <p:attrName>style.visibility</p:attrName>
+                                        </p:attrNameLst>
+                                      </p:cBhvr>
+                                      <p:to>
+                                        <p:strVal val="visible"/>
+                                      </p:to>
+                                    </p:set>
+                                  </p:childTnLst>
+                                </p:cTn>
+                              </p:par>
+                            </p:childTnLst>
+                          </p:cTn>
+                        </p:par>
+                      </p:childTnLst>
+                    </p:cTn>
+                  </p:par>
+                  <p:par>
+                    <p:cTn id="11" fill="hold">
+                      <p:stCondLst>
+                        <p:cond delay="indefinite"/>
+                      </p:stCondLst>
+                      <p:childTnLst>
+                        <p:par>
+                          <p:cTn id="12" fill="hold">
+                            <p:stCondLst>
+                              <p:cond delay="0"/>
+                            </p:stCondLst>
+                            <p:childTnLst>
+                              <p:par>
+                                <p:cTn id="13" presetID="1" presetClass="entr" presetSubtype="0" fill="hold" nodeType="clickEffect">
+                                  <p:stCondLst>
+                                    <p:cond delay="0"/>
+                                  </p:stCondLst>
+                                  <p:childTnLst>
+                                    <p:set>
+                                      <p:cBhvr>
+                                        <p:cTn id="14" dur="1" fill="hold">
+                                          <p:stCondLst>
+                                            <p:cond delay="0"/>
+                                          </p:stCondLst>
+                                        </p:cTn>
+                                        <p:tgtEl>
+                                          <p:spTgt spid="3">
+                                            <p:txEl>
+                                              <p:pRg st="2" end="2"/>
+                                            </p:txEl>
+                                          </p:spTgt>
+                                        </p:tgtEl>
+                                        <p:attrNameLst>
+                                          <p:attrName>style.visibility</p:attrName>
+                                        </p:attrNameLst>
+                                      </p:cBhvr>
+                                      <p:to>
+                                        <p:strVal val="visible"/>
+                                      </p:to>
+                                    </p:set>
+                                  </p:childTnLst>
+                                </p:cTn>
+                              </p:par>
+                            </p:childTnLst>
+                          </p:cTn>
+                        </p:par>
+                      </p:childTnLst>
+                    </p:cTn>
+                  </p:par>
+                  <p:par>
+                    <p:cTn id="15" fill="hold">
+                      <p:stCondLst>
+                        <p:cond delay="indefinite"/>
+                      </p:stCondLst>
+                      <p:childTnLst>
+                        <p:par>
+                          <p:cTn id="16" fill="hold">
+                            <p:stCondLst>
+                              <p:cond delay="0"/>
+                            </p:stCondLst>
+                            <p:childTnLst>
+                              <p:par>
+                                <p:cTn id="17" presetID="1" presetClass="entr" presetSubtype="0" fill="hold" nodeType="clickEffect">
+                                  <p:stCondLst>
+                                    <p:cond delay="0"/>
+                                  </p:stCondLst>
+                                  <p:childTnLst>
+                                    <p:set>
+                                      <p:cBhvr>
+                                        <p:cTn id="18" dur="1" fill="hold">
+                                          <p:stCondLst>
+                                            <p:cond delay="0"/>
+                                          </p:stCondLst>
+                                        </p:cTn>
+                                        <p:tgtEl>
+                                          <p:spTgt spid="3">
+                                            <p:txEl>
+                                              <p:pRg st="3" end="3"/>
+                                            </p:txEl>
+                                          </p:spTgt>
+                                        </p:tgtEl>
+                                        <p:attrNameLst>
+                                          <p:attrName>style.visibility</p:attrName>
+                                        </p:attrNameLst>
+                                      </p:cBhvr>
+                                      <p:to>
+                                        <p:strVal val="visible"/>
+                                      </p:to>
+                                    </p:set>
+                                  </p:childTnLst>
+                                </p:cTn>
+                              </p:par>
+                            </p:childTnLst>
+                          </p:cTn>
+                        </p:par>
+                      </p:childTnLst>
+                    </p:cTn>
+                  </p:par>
+                  <p:par>
+                    <p:cTn id="19" fill="hold">
+                      <p:stCondLst>
+                        <p:cond delay="indefinite"/>
+                      </p:stCondLst>
+                      <p:childTnLst>
+                        <p:par>
+                          <p:cTn id="20" fill="hold">
+                            <p:stCondLst>
+                              <p:cond delay="0"/>
+                            </p:stCondLst>
+                            <p:childTnLst>
+                              <p:par>
+                                <p:cTn id="21" presetID="1" presetClass="entr" presetSubtype="0" fill="hold" nodeType="clickEffect">
+                                  <p:stCondLst>
+                                    <p:cond delay="0"/>
+                                  </p:stCondLst>
+                                  <p:childTnLst>
+                                    <p:set>
+                                      <p:cBhvr>
+                                        <p:cTn id="22" dur="1" fill="hold">
+                                          <p:stCondLst>
+                                            <p:cond delay="0"/>
+                                          </p:stCondLst>
+                                        </p:cTn>
+                                        <p:tgtEl>
+                                          <p:spTgt spid="3">
+                                            <p:txEl>
+                                              <p:pRg st="4" end="4"/>
+                                            </p:txEl>
+                                          </p:spTgt>
+                                        </p:tgtEl>
+                                        <p:attrNameLst>
+                                          <p:attrName>style.visibility</p:attrName>
+                                        </p:attrNameLst>
+                                      </p:cBhvr>
+                                      <p:to>
+                                        <p:strVal val="visible"/>
+                                      </p:to>
+                                    </p:set>
+                                  </p:childTnLst>
+                                </p:cTn>
+                              </p:par>
+                            </p:childTnLst>
+                          </p:cTn>
+                        </p:par>
+                      </p:childTnLst>
+                    </p:cTn>
+                  </p:par>
+                  <p:par>
+                    <p:cTn id="23" fill="hold">
+                      <p:stCondLst>
+                        <p:cond delay="indefinite"/>
+                      </p:stCondLst>
+                      <p:childTnLst>
+                        <p:par>
+                          <p:cTn id="24" fill="hold">
+                            <p:stCondLst>
+                              <p:cond delay="0"/>
+                            </p:stCondLst>
+                            <p:childTnLst>
+                              <p:par>
+                                <p:cTn id="25" presetID="1" presetClass="entr" presetSubtype="0" fill="hold" nodeType="clickEffect">
+                                  <p:stCondLst>
+                                    <p:cond delay="0"/>
+                                  </p:stCondLst>
+                                  <p:childTnLst>
+                                    <p:set>
+                                      <p:cBhvr>
+                                        <p:cTn id="26" dur="1" fill="hold">
+                                          <p:stCondLst>
+                                            <p:cond delay="0"/>
+                                          </p:stCondLst>
+                                        </p:cTn>
+                                        <p:tgtEl>
+                                          <p:spTgt spid="3">
+                                            <p:txEl>
+                                              <p:pRg st="5" end="5"/>
+                                            </p:txEl>
+                                          </p:spTgt>
+                                        </p:tgtEl>
+                                        <p:attrNameLst>
+                                          <p:attrName>style.visibility</p:attrName>
+                                        </p:attrNameLst>
+                                      </p:cBhvr>
+                                      <p:to>
+                                        <p:strVal val="visible"/>
+                                      </p:to>
+                                    </p:set>
+                                  </p:childTnLst>
+                                </p:cTn>
+                              </p:par>
+                            </p:childTnLst>
+                          </p:cTn>
+                        </p:par>
+                      </p:childTnLst>
+                    </p:cTn>
+                  </p:par>
+                </p:childTnLst>
+              </p:cTn>
+              <p:prevCondLst>
+                <p:cond evt="onPrev" delay="0">
+                  <p:tgtEl>
+                    <p:sldTgt/>
+                  </p:tgtEl>
+                </p:cond>
+              </p:prevCondLst>
+              <p:nextCondLst>
+                <p:cond evt="onNext" delay="0">
+                  <p:tgtEl>
+                    <p:sldTgt/>
+                  </p:tgtEl>
+                </p:cond>
+              </p:nextCondLst>
+            </p:seq>
+          </p:childTnLst>
+        </p:cTn>
+      </p:par>
+    </p:tnLst>
+  </p:timing>
 </p:sld>
 </file>
 
@@ -10685,60 +13098,111 @@
         <p:spPr/>
         <p:txBody>
           <a:bodyPr>
-            <a:normAutofit/>
+            <a:normAutofit fontScale="92500" lnSpcReduction="10000"/>
           </a:bodyPr>
           <a:lstStyle/>
           <a:p>
+            <a:pPr>
+              <a:lnSpc>
+                <a:spcPct val="120000"/>
+              </a:lnSpc>
+            </a:pPr>
             <a:r>
               <a:rPr lang="en-US" sz="2400" dirty="0"/>
               <a:t>Again, this is not the typical introductory course for NLP</a:t>
             </a:r>
           </a:p>
           <a:p>
+            <a:pPr>
+              <a:lnSpc>
+                <a:spcPct val="120000"/>
+              </a:lnSpc>
+            </a:pPr>
             <a:r>
               <a:rPr lang="en-US" sz="2400" dirty="0"/>
-              <a:t>Delve into the text categorization task, with a particular focus on sentiment analysis, and explore some business-oriented examples</a:t>
-            </a:r>
-          </a:p>
-          <a:p>
+              <a:t>Delve into the text categorization task</a:t>
+            </a:r>
+          </a:p>
+          <a:p>
+            <a:pPr>
+              <a:lnSpc>
+                <a:spcPct val="120000"/>
+              </a:lnSpc>
+            </a:pPr>
             <a:r>
               <a:rPr lang="en-US" sz="2400" dirty="0"/>
               <a:t>Early part of the class covers the text representation, and then move on to the classification task</a:t>
             </a:r>
           </a:p>
           <a:p>
-            <a:pPr lvl="1"/>
+            <a:pPr lvl="1">
+              <a:lnSpc>
+                <a:spcPct val="120000"/>
+              </a:lnSpc>
+            </a:pPr>
             <a:r>
               <a:rPr lang="en-US" sz="2000" dirty="0"/>
               <a:t>Frequency-based representation vs. word embeddings</a:t>
             </a:r>
           </a:p>
           <a:p>
-            <a:pPr lvl="1"/>
+            <a:pPr lvl="1">
+              <a:lnSpc>
+                <a:spcPct val="120000"/>
+              </a:lnSpc>
+            </a:pPr>
             <a:r>
               <a:rPr lang="en-US" sz="2000" dirty="0"/>
               <a:t>Traditional ML models: Naïve Bayes and Logistic Regression</a:t>
             </a:r>
           </a:p>
           <a:p>
-            <a:pPr lvl="1"/>
+            <a:pPr lvl="1">
+              <a:lnSpc>
+                <a:spcPct val="120000"/>
+              </a:lnSpc>
+            </a:pPr>
             <a:r>
               <a:rPr lang="en-US" sz="2000" dirty="0"/>
               <a:t>Deep learning application</a:t>
             </a:r>
           </a:p>
           <a:p>
-            <a:pPr lvl="1"/>
+            <a:pPr lvl="1">
+              <a:lnSpc>
+                <a:spcPct val="120000"/>
+              </a:lnSpc>
+            </a:pPr>
             <a:r>
               <a:rPr lang="en-US" sz="2000" dirty="0"/>
               <a:t>Transfer learning</a:t>
             </a:r>
           </a:p>
           <a:p>
-            <a:pPr lvl="1"/>
+            <a:pPr>
+              <a:lnSpc>
+                <a:spcPct val="120000"/>
+              </a:lnSpc>
+            </a:pPr>
+            <a:r>
+              <a:rPr lang="en-US" sz="2200" dirty="0"/>
+              <a:t>Let’s see the Syllabus</a:t>
+            </a:r>
+          </a:p>
+          <a:p>
+            <a:pPr lvl="1">
+              <a:lnSpc>
+                <a:spcPct val="120000"/>
+              </a:lnSpc>
+            </a:pPr>
             <a:endParaRPr lang="en-US" sz="2000" dirty="0"/>
           </a:p>
           <a:p>
+            <a:pPr>
+              <a:lnSpc>
+                <a:spcPct val="120000"/>
+              </a:lnSpc>
+            </a:pPr>
             <a:endParaRPr lang="en-US" sz="2400" dirty="0"/>
           </a:p>
         </p:txBody>
@@ -10753,6 +13217,428 @@
   <p:clrMapOvr>
     <a:masterClrMapping/>
   </p:clrMapOvr>
+  <p:timing>
+    <p:tnLst>
+      <p:par>
+        <p:cTn id="1" dur="indefinite" restart="never" nodeType="tmRoot">
+          <p:childTnLst>
+            <p:seq concurrent="1" nextAc="seek">
+              <p:cTn id="2" dur="indefinite" nodeType="mainSeq">
+                <p:childTnLst>
+                  <p:par>
+                    <p:cTn id="3" fill="hold">
+                      <p:stCondLst>
+                        <p:cond delay="indefinite"/>
+                      </p:stCondLst>
+                      <p:childTnLst>
+                        <p:par>
+                          <p:cTn id="4" fill="hold">
+                            <p:stCondLst>
+                              <p:cond delay="0"/>
+                            </p:stCondLst>
+                            <p:childTnLst>
+                              <p:par>
+                                <p:cTn id="5" presetID="1" presetClass="entr" presetSubtype="0" fill="hold" nodeType="clickEffect">
+                                  <p:stCondLst>
+                                    <p:cond delay="0"/>
+                                  </p:stCondLst>
+                                  <p:childTnLst>
+                                    <p:set>
+                                      <p:cBhvr>
+                                        <p:cTn id="6" dur="1" fill="hold">
+                                          <p:stCondLst>
+                                            <p:cond delay="0"/>
+                                          </p:stCondLst>
+                                        </p:cTn>
+                                        <p:tgtEl>
+                                          <p:spTgt spid="3">
+                                            <p:txEl>
+                                              <p:pRg st="0" end="0"/>
+                                            </p:txEl>
+                                          </p:spTgt>
+                                        </p:tgtEl>
+                                        <p:attrNameLst>
+                                          <p:attrName>style.visibility</p:attrName>
+                                        </p:attrNameLst>
+                                      </p:cBhvr>
+                                      <p:to>
+                                        <p:strVal val="visible"/>
+                                      </p:to>
+                                    </p:set>
+                                  </p:childTnLst>
+                                </p:cTn>
+                              </p:par>
+                            </p:childTnLst>
+                          </p:cTn>
+                        </p:par>
+                      </p:childTnLst>
+                    </p:cTn>
+                  </p:par>
+                  <p:par>
+                    <p:cTn id="7" fill="hold">
+                      <p:stCondLst>
+                        <p:cond delay="indefinite"/>
+                      </p:stCondLst>
+                      <p:childTnLst>
+                        <p:par>
+                          <p:cTn id="8" fill="hold">
+                            <p:stCondLst>
+                              <p:cond delay="0"/>
+                            </p:stCondLst>
+                            <p:childTnLst>
+                              <p:par>
+                                <p:cTn id="9" presetID="1" presetClass="entr" presetSubtype="0" fill="hold" nodeType="clickEffect">
+                                  <p:stCondLst>
+                                    <p:cond delay="0"/>
+                                  </p:stCondLst>
+                                  <p:childTnLst>
+                                    <p:set>
+                                      <p:cBhvr>
+                                        <p:cTn id="10" dur="1" fill="hold">
+                                          <p:stCondLst>
+                                            <p:cond delay="0"/>
+                                          </p:stCondLst>
+                                        </p:cTn>
+                                        <p:tgtEl>
+                                          <p:spTgt spid="3">
+                                            <p:txEl>
+                                              <p:pRg st="1" end="1"/>
+                                            </p:txEl>
+                                          </p:spTgt>
+                                        </p:tgtEl>
+                                        <p:attrNameLst>
+                                          <p:attrName>style.visibility</p:attrName>
+                                        </p:attrNameLst>
+                                      </p:cBhvr>
+                                      <p:to>
+                                        <p:strVal val="visible"/>
+                                      </p:to>
+                                    </p:set>
+                                  </p:childTnLst>
+                                </p:cTn>
+                              </p:par>
+                            </p:childTnLst>
+                          </p:cTn>
+                        </p:par>
+                      </p:childTnLst>
+                    </p:cTn>
+                  </p:par>
+                  <p:par>
+                    <p:cTn id="11" fill="hold">
+                      <p:stCondLst>
+                        <p:cond delay="indefinite"/>
+                      </p:stCondLst>
+                      <p:childTnLst>
+                        <p:par>
+                          <p:cTn id="12" fill="hold">
+                            <p:stCondLst>
+                              <p:cond delay="0"/>
+                            </p:stCondLst>
+                            <p:childTnLst>
+                              <p:par>
+                                <p:cTn id="13" presetID="1" presetClass="entr" presetSubtype="0" fill="hold" nodeType="clickEffect">
+                                  <p:stCondLst>
+                                    <p:cond delay="0"/>
+                                  </p:stCondLst>
+                                  <p:childTnLst>
+                                    <p:set>
+                                      <p:cBhvr>
+                                        <p:cTn id="14" dur="1" fill="hold">
+                                          <p:stCondLst>
+                                            <p:cond delay="0"/>
+                                          </p:stCondLst>
+                                        </p:cTn>
+                                        <p:tgtEl>
+                                          <p:spTgt spid="3">
+                                            <p:txEl>
+                                              <p:pRg st="2" end="2"/>
+                                            </p:txEl>
+                                          </p:spTgt>
+                                        </p:tgtEl>
+                                        <p:attrNameLst>
+                                          <p:attrName>style.visibility</p:attrName>
+                                        </p:attrNameLst>
+                                      </p:cBhvr>
+                                      <p:to>
+                                        <p:strVal val="visible"/>
+                                      </p:to>
+                                    </p:set>
+                                  </p:childTnLst>
+                                </p:cTn>
+                              </p:par>
+                            </p:childTnLst>
+                          </p:cTn>
+                        </p:par>
+                      </p:childTnLst>
+                    </p:cTn>
+                  </p:par>
+                  <p:par>
+                    <p:cTn id="15" fill="hold">
+                      <p:stCondLst>
+                        <p:cond delay="indefinite"/>
+                      </p:stCondLst>
+                      <p:childTnLst>
+                        <p:par>
+                          <p:cTn id="16" fill="hold">
+                            <p:stCondLst>
+                              <p:cond delay="0"/>
+                            </p:stCondLst>
+                            <p:childTnLst>
+                              <p:par>
+                                <p:cTn id="17" presetID="1" presetClass="entr" presetSubtype="0" fill="hold" nodeType="clickEffect">
+                                  <p:stCondLst>
+                                    <p:cond delay="0"/>
+                                  </p:stCondLst>
+                                  <p:childTnLst>
+                                    <p:set>
+                                      <p:cBhvr>
+                                        <p:cTn id="18" dur="1" fill="hold">
+                                          <p:stCondLst>
+                                            <p:cond delay="0"/>
+                                          </p:stCondLst>
+                                        </p:cTn>
+                                        <p:tgtEl>
+                                          <p:spTgt spid="3">
+                                            <p:txEl>
+                                              <p:pRg st="3" end="3"/>
+                                            </p:txEl>
+                                          </p:spTgt>
+                                        </p:tgtEl>
+                                        <p:attrNameLst>
+                                          <p:attrName>style.visibility</p:attrName>
+                                        </p:attrNameLst>
+                                      </p:cBhvr>
+                                      <p:to>
+                                        <p:strVal val="visible"/>
+                                      </p:to>
+                                    </p:set>
+                                  </p:childTnLst>
+                                </p:cTn>
+                              </p:par>
+                            </p:childTnLst>
+                          </p:cTn>
+                        </p:par>
+                      </p:childTnLst>
+                    </p:cTn>
+                  </p:par>
+                  <p:par>
+                    <p:cTn id="19" fill="hold">
+                      <p:stCondLst>
+                        <p:cond delay="indefinite"/>
+                      </p:stCondLst>
+                      <p:childTnLst>
+                        <p:par>
+                          <p:cTn id="20" fill="hold">
+                            <p:stCondLst>
+                              <p:cond delay="0"/>
+                            </p:stCondLst>
+                            <p:childTnLst>
+                              <p:par>
+                                <p:cTn id="21" presetID="1" presetClass="entr" presetSubtype="0" fill="hold" nodeType="clickEffect">
+                                  <p:stCondLst>
+                                    <p:cond delay="0"/>
+                                  </p:stCondLst>
+                                  <p:childTnLst>
+                                    <p:set>
+                                      <p:cBhvr>
+                                        <p:cTn id="22" dur="1" fill="hold">
+                                          <p:stCondLst>
+                                            <p:cond delay="0"/>
+                                          </p:stCondLst>
+                                        </p:cTn>
+                                        <p:tgtEl>
+                                          <p:spTgt spid="3">
+                                            <p:txEl>
+                                              <p:pRg st="4" end="4"/>
+                                            </p:txEl>
+                                          </p:spTgt>
+                                        </p:tgtEl>
+                                        <p:attrNameLst>
+                                          <p:attrName>style.visibility</p:attrName>
+                                        </p:attrNameLst>
+                                      </p:cBhvr>
+                                      <p:to>
+                                        <p:strVal val="visible"/>
+                                      </p:to>
+                                    </p:set>
+                                  </p:childTnLst>
+                                </p:cTn>
+                              </p:par>
+                            </p:childTnLst>
+                          </p:cTn>
+                        </p:par>
+                      </p:childTnLst>
+                    </p:cTn>
+                  </p:par>
+                  <p:par>
+                    <p:cTn id="23" fill="hold">
+                      <p:stCondLst>
+                        <p:cond delay="indefinite"/>
+                      </p:stCondLst>
+                      <p:childTnLst>
+                        <p:par>
+                          <p:cTn id="24" fill="hold">
+                            <p:stCondLst>
+                              <p:cond delay="0"/>
+                            </p:stCondLst>
+                            <p:childTnLst>
+                              <p:par>
+                                <p:cTn id="25" presetID="1" presetClass="entr" presetSubtype="0" fill="hold" nodeType="clickEffect">
+                                  <p:stCondLst>
+                                    <p:cond delay="0"/>
+                                  </p:stCondLst>
+                                  <p:childTnLst>
+                                    <p:set>
+                                      <p:cBhvr>
+                                        <p:cTn id="26" dur="1" fill="hold">
+                                          <p:stCondLst>
+                                            <p:cond delay="0"/>
+                                          </p:stCondLst>
+                                        </p:cTn>
+                                        <p:tgtEl>
+                                          <p:spTgt spid="3">
+                                            <p:txEl>
+                                              <p:pRg st="5" end="5"/>
+                                            </p:txEl>
+                                          </p:spTgt>
+                                        </p:tgtEl>
+                                        <p:attrNameLst>
+                                          <p:attrName>style.visibility</p:attrName>
+                                        </p:attrNameLst>
+                                      </p:cBhvr>
+                                      <p:to>
+                                        <p:strVal val="visible"/>
+                                      </p:to>
+                                    </p:set>
+                                  </p:childTnLst>
+                                </p:cTn>
+                              </p:par>
+                            </p:childTnLst>
+                          </p:cTn>
+                        </p:par>
+                      </p:childTnLst>
+                    </p:cTn>
+                  </p:par>
+                  <p:par>
+                    <p:cTn id="27" fill="hold">
+                      <p:stCondLst>
+                        <p:cond delay="indefinite"/>
+                      </p:stCondLst>
+                      <p:childTnLst>
+                        <p:par>
+                          <p:cTn id="28" fill="hold">
+                            <p:stCondLst>
+                              <p:cond delay="0"/>
+                            </p:stCondLst>
+                            <p:childTnLst>
+                              <p:par>
+                                <p:cTn id="29" presetID="1" presetClass="entr" presetSubtype="0" fill="hold" nodeType="clickEffect">
+                                  <p:stCondLst>
+                                    <p:cond delay="0"/>
+                                  </p:stCondLst>
+                                  <p:childTnLst>
+                                    <p:set>
+                                      <p:cBhvr>
+                                        <p:cTn id="30" dur="1" fill="hold">
+                                          <p:stCondLst>
+                                            <p:cond delay="0"/>
+                                          </p:stCondLst>
+                                        </p:cTn>
+                                        <p:tgtEl>
+                                          <p:spTgt spid="3">
+                                            <p:txEl>
+                                              <p:pRg st="6" end="6"/>
+                                            </p:txEl>
+                                          </p:spTgt>
+                                        </p:tgtEl>
+                                        <p:attrNameLst>
+                                          <p:attrName>style.visibility</p:attrName>
+                                        </p:attrNameLst>
+                                      </p:cBhvr>
+                                      <p:to>
+                                        <p:strVal val="visible"/>
+                                      </p:to>
+                                    </p:set>
+                                  </p:childTnLst>
+                                </p:cTn>
+                              </p:par>
+                            </p:childTnLst>
+                          </p:cTn>
+                        </p:par>
+                      </p:childTnLst>
+                    </p:cTn>
+                  </p:par>
+                  <p:par>
+                    <p:cTn id="31" fill="hold">
+                      <p:stCondLst>
+                        <p:cond delay="indefinite"/>
+                      </p:stCondLst>
+                      <p:childTnLst>
+                        <p:par>
+                          <p:cTn id="32" fill="hold">
+                            <p:stCondLst>
+                              <p:cond delay="0"/>
+                            </p:stCondLst>
+                            <p:childTnLst>
+                              <p:par>
+                                <p:cTn id="33" presetID="1" presetClass="entr" presetSubtype="0" fill="hold" nodeType="clickEffect">
+                                  <p:stCondLst>
+                                    <p:cond delay="0"/>
+                                  </p:stCondLst>
+                                  <p:childTnLst>
+                                    <p:set>
+                                      <p:cBhvr>
+                                        <p:cTn id="34" dur="1" fill="hold">
+                                          <p:stCondLst>
+                                            <p:cond delay="0"/>
+                                          </p:stCondLst>
+                                        </p:cTn>
+                                        <p:tgtEl>
+                                          <p:spTgt spid="3">
+                                            <p:txEl>
+                                              <p:pRg st="7" end="7"/>
+                                            </p:txEl>
+                                          </p:spTgt>
+                                        </p:tgtEl>
+                                        <p:attrNameLst>
+                                          <p:attrName>style.visibility</p:attrName>
+                                        </p:attrNameLst>
+                                      </p:cBhvr>
+                                      <p:to>
+                                        <p:strVal val="visible"/>
+                                      </p:to>
+                                    </p:set>
+                                  </p:childTnLst>
+                                </p:cTn>
+                              </p:par>
+                            </p:childTnLst>
+                          </p:cTn>
+                        </p:par>
+                      </p:childTnLst>
+                    </p:cTn>
+                  </p:par>
+                </p:childTnLst>
+              </p:cTn>
+              <p:prevCondLst>
+                <p:cond evt="onPrev" delay="0">
+                  <p:tgtEl>
+                    <p:sldTgt/>
+                  </p:tgtEl>
+                </p:cond>
+              </p:prevCondLst>
+              <p:nextCondLst>
+                <p:cond evt="onNext" delay="0">
+                  <p:tgtEl>
+                    <p:sldTgt/>
+                  </p:tgtEl>
+                </p:cond>
+              </p:nextCondLst>
+            </p:seq>
+          </p:childTnLst>
+        </p:cTn>
+      </p:par>
+    </p:tnLst>
+  </p:timing>
 </p:sld>
 </file>
 
@@ -10820,7 +13706,7 @@
         <p:spPr/>
         <p:txBody>
           <a:bodyPr>
-            <a:normAutofit fontScale="85000" lnSpcReduction="10000"/>
+            <a:normAutofit fontScale="70000" lnSpcReduction="20000"/>
           </a:bodyPr>
           <a:lstStyle/>
           <a:p>
@@ -10886,7 +13772,18 @@
             </a:pPr>
             <a:r>
               <a:rPr lang="en-US" sz="2800" dirty="0"/>
-              <a:t>Final exam: 40 %</a:t>
+              <a:t>Final exam: 40 % (August 10)</a:t>
+            </a:r>
+          </a:p>
+          <a:p>
+            <a:pPr lvl="1">
+              <a:lnSpc>
+                <a:spcPct val="150000"/>
+              </a:lnSpc>
+            </a:pPr>
+            <a:r>
+              <a:rPr lang="en-US" sz="2600" b="1" dirty="0"/>
+              <a:t>Do not take the class if you are unable to attend</a:t>
             </a:r>
           </a:p>
           <a:p>

--- a/Summer2023/BUS243/lecture_note/lecture1.pptx
+++ b/Summer2023/BUS243/lecture_note/lecture1.pptx
@@ -235,7 +235,7 @@
           <a:p>
             <a:fld id="{B6C6586F-D687-CC4C-A6CD-319E9FE1EF83}" type="datetimeFigureOut">
               <a:rPr lang="en-US" smtClean="0"/>
-              <a:t>7/10/23</a:t>
+              <a:t>7/12/23</a:t>
             </a:fld>
             <a:endParaRPr lang="en-US"/>
           </a:p>
@@ -1087,7 +1087,7 @@
           <a:p>
             <a:fld id="{3CADBD16-5BFB-4D9F-9646-C75D1B53BBB6}" type="datetimeFigureOut">
               <a:rPr lang="en-US" smtClean="0"/>
-              <a:t>7/10/23</a:t>
+              <a:t>7/12/23</a:t>
             </a:fld>
             <a:endParaRPr lang="en-US"/>
           </a:p>
@@ -1265,7 +1265,7 @@
             <a:fld id="{3CADBD16-5BFB-4D9F-9646-C75D1B53BBB6}" type="datetimeFigureOut">
               <a:rPr lang="en-US" smtClean="0"/>
               <a:pPr/>
-              <a:t>7/10/23</a:t>
+              <a:t>7/12/23</a:t>
             </a:fld>
             <a:endParaRPr lang="en-US" dirty="0"/>
           </a:p>
@@ -1447,7 +1447,7 @@
             <a:fld id="{3CADBD16-5BFB-4D9F-9646-C75D1B53BBB6}" type="datetimeFigureOut">
               <a:rPr lang="en-US" smtClean="0"/>
               <a:pPr/>
-              <a:t>7/10/23</a:t>
+              <a:t>7/12/23</a:t>
             </a:fld>
             <a:endParaRPr lang="en-US" dirty="0"/>
           </a:p>
@@ -1619,7 +1619,7 @@
             <a:fld id="{3CADBD16-5BFB-4D9F-9646-C75D1B53BBB6}" type="datetimeFigureOut">
               <a:rPr lang="en-US" smtClean="0"/>
               <a:pPr/>
-              <a:t>7/10/23</a:t>
+              <a:t>7/12/23</a:t>
             </a:fld>
             <a:endParaRPr lang="en-US" dirty="0"/>
           </a:p>
@@ -1941,7 +1941,7 @@
           <a:p>
             <a:fld id="{3CADBD16-5BFB-4D9F-9646-C75D1B53BBB6}" type="datetimeFigureOut">
               <a:rPr lang="en-US" smtClean="0"/>
-              <a:t>7/10/23</a:t>
+              <a:t>7/12/23</a:t>
             </a:fld>
             <a:endParaRPr lang="en-US"/>
           </a:p>
@@ -2402,7 +2402,7 @@
             <a:fld id="{3CADBD16-5BFB-4D9F-9646-C75D1B53BBB6}" type="datetimeFigureOut">
               <a:rPr lang="en-US" smtClean="0"/>
               <a:pPr/>
-              <a:t>7/10/23</a:t>
+              <a:t>7/12/23</a:t>
             </a:fld>
             <a:endParaRPr lang="en-US" dirty="0"/>
           </a:p>
@@ -2815,7 +2815,7 @@
             <a:fld id="{3CADBD16-5BFB-4D9F-9646-C75D1B53BBB6}" type="datetimeFigureOut">
               <a:rPr lang="en-US" smtClean="0"/>
               <a:pPr/>
-              <a:t>7/10/23</a:t>
+              <a:t>7/12/23</a:t>
             </a:fld>
             <a:endParaRPr lang="en-US" dirty="0"/>
           </a:p>
@@ -2934,7 +2934,7 @@
           <a:p>
             <a:fld id="{3CADBD16-5BFB-4D9F-9646-C75D1B53BBB6}" type="datetimeFigureOut">
               <a:rPr lang="en-US" smtClean="0"/>
-              <a:t>7/10/23</a:t>
+              <a:t>7/12/23</a:t>
             </a:fld>
             <a:endParaRPr lang="en-US"/>
           </a:p>
@@ -3051,7 +3051,7 @@
           <a:p>
             <a:fld id="{3CADBD16-5BFB-4D9F-9646-C75D1B53BBB6}" type="datetimeFigureOut">
               <a:rPr lang="en-US" smtClean="0"/>
-              <a:t>7/10/23</a:t>
+              <a:t>7/12/23</a:t>
             </a:fld>
             <a:endParaRPr lang="en-US"/>
           </a:p>
@@ -3410,7 +3410,7 @@
             <a:fld id="{3CADBD16-5BFB-4D9F-9646-C75D1B53BBB6}" type="datetimeFigureOut">
               <a:rPr lang="en-US" smtClean="0"/>
               <a:pPr/>
-              <a:t>7/10/23</a:t>
+              <a:t>7/12/23</a:t>
             </a:fld>
             <a:endParaRPr lang="en-US" dirty="0"/>
           </a:p>
@@ -3919,7 +3919,7 @@
             <a:fld id="{3CADBD16-5BFB-4D9F-9646-C75D1B53BBB6}" type="datetimeFigureOut">
               <a:rPr lang="en-US" smtClean="0"/>
               <a:pPr/>
-              <a:t>7/10/23</a:t>
+              <a:t>7/12/23</a:t>
             </a:fld>
             <a:endParaRPr lang="en-US" dirty="0"/>
           </a:p>
@@ -4276,7 +4276,7 @@
             <a:fld id="{3CADBD16-5BFB-4D9F-9646-C75D1B53BBB6}" type="datetimeFigureOut">
               <a:rPr lang="en-US" smtClean="0"/>
               <a:pPr/>
-              <a:t>7/10/23</a:t>
+              <a:t>7/12/23</a:t>
             </a:fld>
             <a:endParaRPr lang="en-US" dirty="0"/>
           </a:p>
@@ -10057,7 +10057,7 @@
         <p:spPr/>
         <p:txBody>
           <a:bodyPr>
-            <a:normAutofit fontScale="85000" lnSpcReduction="10000"/>
+            <a:normAutofit lnSpcReduction="10000"/>
           </a:bodyPr>
           <a:lstStyle/>
           <a:p>
@@ -10131,30 +10131,13 @@
             </a:pPr>
             <a:r>
               <a:rPr lang="en-US" sz="2400" dirty="0"/>
-              <a:t>Any given query divides the collection into two sets: retrieved, not-retrieved</a:t>
-            </a:r>
-          </a:p>
-          <a:p>
-            <a:pPr lvl="2">
-              <a:lnSpc>
-                <a:spcPct val="150000"/>
-              </a:lnSpc>
-            </a:pPr>
-            <a:r>
-              <a:rPr lang="en-US" sz="2200" dirty="0"/>
-              <a:t>Pure Boolean systems do not define an ordering of the results</a:t>
-            </a:r>
-          </a:p>
-          <a:p>
-            <a:pPr lvl="3">
-              <a:lnSpc>
-                <a:spcPct val="150000"/>
-              </a:lnSpc>
-            </a:pPr>
-            <a:r>
-              <a:rPr lang="en-US" sz="2200" dirty="0"/>
-              <a:t>What does it mean?</a:t>
-            </a:r>
+              <a:t>Any given query divides the collection into two sets: retrieved</a:t>
+            </a:r>
+            <a:r>
+              <a:rPr lang="en-US" sz="2400"/>
+              <a:t>, not-retrieved</a:t>
+            </a:r>
+            <a:endParaRPr lang="en-US" sz="2400" dirty="0"/>
           </a:p>
         </p:txBody>
       </p:sp>
